--- a/1차 발표 자료.pptx
+++ b/1차 발표 자료.pptx
@@ -6,13 +6,8 @@
   </p:sldMasterIdLst>
   <p:sldIdLst>
     <p:sldId id="257" r:id="rId2"/>
-    <p:sldId id="258" r:id="rId3"/>
-    <p:sldId id="259" r:id="rId4"/>
-    <p:sldId id="260" r:id="rId5"/>
-    <p:sldId id="261" r:id="rId6"/>
-    <p:sldId id="262" r:id="rId7"/>
-    <p:sldId id="263" r:id="rId8"/>
-    <p:sldId id="264" r:id="rId9"/>
+    <p:sldId id="263" r:id="rId3"/>
+    <p:sldId id="264" r:id="rId4"/>
   </p:sldIdLst>
   <p:sldSz cx="12192000" cy="6858000"/>
   <p:notesSz cx="6858000" cy="9144000"/>
@@ -266,7 +261,7 @@
           <a:p>
             <a:fld id="{0665C6CA-4BE8-48BB-B8F9-5A7F0970624A}" type="datetimeFigureOut">
               <a:rPr lang="ko-KR" altLang="en-US" smtClean="0"/>
-              <a:t>2023-10-15</a:t>
+              <a:t>2023-11-12</a:t>
             </a:fld>
             <a:endParaRPr lang="ko-KR" altLang="en-US"/>
           </a:p>
@@ -464,7 +459,7 @@
           <a:p>
             <a:fld id="{0665C6CA-4BE8-48BB-B8F9-5A7F0970624A}" type="datetimeFigureOut">
               <a:rPr lang="ko-KR" altLang="en-US" smtClean="0"/>
-              <a:t>2023-10-15</a:t>
+              <a:t>2023-11-12</a:t>
             </a:fld>
             <a:endParaRPr lang="ko-KR" altLang="en-US"/>
           </a:p>
@@ -672,7 +667,7 @@
           <a:p>
             <a:fld id="{0665C6CA-4BE8-48BB-B8F9-5A7F0970624A}" type="datetimeFigureOut">
               <a:rPr lang="ko-KR" altLang="en-US" smtClean="0"/>
-              <a:t>2023-10-15</a:t>
+              <a:t>2023-11-12</a:t>
             </a:fld>
             <a:endParaRPr lang="ko-KR" altLang="en-US"/>
           </a:p>
@@ -870,7 +865,7 @@
           <a:p>
             <a:fld id="{0665C6CA-4BE8-48BB-B8F9-5A7F0970624A}" type="datetimeFigureOut">
               <a:rPr lang="ko-KR" altLang="en-US" smtClean="0"/>
-              <a:t>2023-10-15</a:t>
+              <a:t>2023-11-12</a:t>
             </a:fld>
             <a:endParaRPr lang="ko-KR" altLang="en-US"/>
           </a:p>
@@ -1145,7 +1140,7 @@
           <a:p>
             <a:fld id="{0665C6CA-4BE8-48BB-B8F9-5A7F0970624A}" type="datetimeFigureOut">
               <a:rPr lang="ko-KR" altLang="en-US" smtClean="0"/>
-              <a:t>2023-10-15</a:t>
+              <a:t>2023-11-12</a:t>
             </a:fld>
             <a:endParaRPr lang="ko-KR" altLang="en-US"/>
           </a:p>
@@ -1410,7 +1405,7 @@
           <a:p>
             <a:fld id="{0665C6CA-4BE8-48BB-B8F9-5A7F0970624A}" type="datetimeFigureOut">
               <a:rPr lang="ko-KR" altLang="en-US" smtClean="0"/>
-              <a:t>2023-10-15</a:t>
+              <a:t>2023-11-12</a:t>
             </a:fld>
             <a:endParaRPr lang="ko-KR" altLang="en-US"/>
           </a:p>
@@ -1822,7 +1817,7 @@
           <a:p>
             <a:fld id="{0665C6CA-4BE8-48BB-B8F9-5A7F0970624A}" type="datetimeFigureOut">
               <a:rPr lang="ko-KR" altLang="en-US" smtClean="0"/>
-              <a:t>2023-10-15</a:t>
+              <a:t>2023-11-12</a:t>
             </a:fld>
             <a:endParaRPr lang="ko-KR" altLang="en-US"/>
           </a:p>
@@ -1963,7 +1958,7 @@
           <a:p>
             <a:fld id="{0665C6CA-4BE8-48BB-B8F9-5A7F0970624A}" type="datetimeFigureOut">
               <a:rPr lang="ko-KR" altLang="en-US" smtClean="0"/>
-              <a:t>2023-10-15</a:t>
+              <a:t>2023-11-12</a:t>
             </a:fld>
             <a:endParaRPr lang="ko-KR" altLang="en-US"/>
           </a:p>
@@ -2076,7 +2071,7 @@
           <a:p>
             <a:fld id="{0665C6CA-4BE8-48BB-B8F9-5A7F0970624A}" type="datetimeFigureOut">
               <a:rPr lang="ko-KR" altLang="en-US" smtClean="0"/>
-              <a:t>2023-10-15</a:t>
+              <a:t>2023-11-12</a:t>
             </a:fld>
             <a:endParaRPr lang="ko-KR" altLang="en-US"/>
           </a:p>
@@ -2387,7 +2382,7 @@
           <a:p>
             <a:fld id="{0665C6CA-4BE8-48BB-B8F9-5A7F0970624A}" type="datetimeFigureOut">
               <a:rPr lang="ko-KR" altLang="en-US" smtClean="0"/>
-              <a:t>2023-10-15</a:t>
+              <a:t>2023-11-12</a:t>
             </a:fld>
             <a:endParaRPr lang="ko-KR" altLang="en-US"/>
           </a:p>
@@ -2675,7 +2670,7 @@
           <a:p>
             <a:fld id="{0665C6CA-4BE8-48BB-B8F9-5A7F0970624A}" type="datetimeFigureOut">
               <a:rPr lang="ko-KR" altLang="en-US" smtClean="0"/>
-              <a:t>2023-10-15</a:t>
+              <a:t>2023-11-12</a:t>
             </a:fld>
             <a:endParaRPr lang="ko-KR" altLang="en-US"/>
           </a:p>
@@ -2916,7 +2911,7 @@
           <a:p>
             <a:fld id="{0665C6CA-4BE8-48BB-B8F9-5A7F0970624A}" type="datetimeFigureOut">
               <a:rPr lang="ko-KR" altLang="en-US" smtClean="0"/>
-              <a:t>2023-10-15</a:t>
+              <a:t>2023-11-12</a:t>
             </a:fld>
             <a:endParaRPr lang="ko-KR" altLang="en-US"/>
           </a:p>
@@ -3366,7 +3361,7 @@
                 <a:latin typeface="HY헤드라인M" panose="02030600000101010101" pitchFamily="18" charset="-127"/>
                 <a:ea typeface="HY헤드라인M" panose="02030600000101010101" pitchFamily="18" charset="-127"/>
               </a:rPr>
-              <a:t>2DGP 1</a:t>
+              <a:t>2DGP 2</a:t>
             </a:r>
             <a:r>
               <a:rPr lang="ko-KR" altLang="en-US" sz="7200" dirty="0">
@@ -3439,14 +3434,6 @@
 <file path=ppt/slides/slide2.xml><?xml version="1.0" encoding="utf-8"?>
 <p:sld xmlns:a="http://schemas.openxmlformats.org/drawingml/2006/main" xmlns:r="http://schemas.openxmlformats.org/officeDocument/2006/relationships" xmlns:p="http://schemas.openxmlformats.org/presentationml/2006/main">
   <p:cSld>
-    <p:bg>
-      <p:bgPr>
-        <a:solidFill>
-          <a:schemeClr val="bg1"/>
-        </a:solidFill>
-        <a:effectLst/>
-      </p:bgPr>
-    </p:bg>
     <p:spTree>
       <p:nvGrpSpPr>
         <p:cNvPr id="1" name=""/>
@@ -3461,556 +3448,21 @@
           <a:chExt cx="0" cy="0"/>
         </a:xfrm>
       </p:grpSpPr>
-      <p:sp useBgFill="1">
-        <p:nvSpPr>
-          <p:cNvPr id="19" name="Rectangle 18">
-            <a:extLst>
-              <a:ext uri="{FF2B5EF4-FFF2-40B4-BE49-F238E27FC236}">
-                <a16:creationId xmlns:a16="http://schemas.microsoft.com/office/drawing/2014/main" id="{8FC9BE17-9A7B-462D-AE50-3D8777387304}"/>
-              </a:ext>
-              <a:ext uri="{C183D7F6-B498-43B3-948B-1728B52AA6E4}">
-                <adec:decorative xmlns:adec="http://schemas.microsoft.com/office/drawing/2017/decorative" val="1"/>
-              </a:ext>
-            </a:extLst>
-          </p:cNvPr>
-          <p:cNvSpPr>
-            <a:spLocks noGrp="1" noRot="1" noChangeAspect="1" noMove="1" noResize="1" noEditPoints="1" noAdjustHandles="1" noChangeArrowheads="1" noChangeShapeType="1" noTextEdit="1"/>
-          </p:cNvSpPr>
-          <p:nvPr>
-            <p:extLst>
-              <p:ext uri="{386F3935-93C4-4BCD-93E2-E3B085C9AB24}">
-                <p16:designElem xmlns:p16="http://schemas.microsoft.com/office/powerpoint/2015/main" val="1"/>
-              </p:ext>
-            </p:extLst>
-          </p:nvPr>
+      <p:sp>
+        <p:nvSpPr>
+          <p:cNvPr id="4" name="직사각형 3">
+            <a:extLst>
+              <a:ext uri="{FF2B5EF4-FFF2-40B4-BE49-F238E27FC236}">
+                <a16:creationId xmlns:a16="http://schemas.microsoft.com/office/drawing/2014/main" id="{1E2B8156-2125-54D6-204E-98BA03835F4B}"/>
+              </a:ext>
+            </a:extLst>
+          </p:cNvPr>
+          <p:cNvSpPr/>
+          <p:nvPr/>
         </p:nvSpPr>
         <p:spPr>
           <a:xfrm>
-            <a:off x="0" y="0"/>
-            <a:ext cx="12192000" cy="6858000"/>
-          </a:xfrm>
-          <a:prstGeom prst="rect">
-            <a:avLst/>
-          </a:prstGeom>
-          <a:ln>
-            <a:noFill/>
-          </a:ln>
-        </p:spPr>
-        <p:style>
-          <a:lnRef idx="2">
-            <a:schemeClr val="accent1">
-              <a:shade val="50000"/>
-            </a:schemeClr>
-          </a:lnRef>
-          <a:fillRef idx="1">
-            <a:schemeClr val="accent1"/>
-          </a:fillRef>
-          <a:effectRef idx="0">
-            <a:schemeClr val="accent1"/>
-          </a:effectRef>
-          <a:fontRef idx="minor">
-            <a:schemeClr val="lt1"/>
-          </a:fontRef>
-        </p:style>
-        <p:txBody>
-          <a:bodyPr rtlCol="0" anchor="ctr"/>
-          <a:lstStyle/>
-          <a:p>
-            <a:pPr algn="ctr"/>
-            <a:endParaRPr lang="en-US"/>
-          </a:p>
-        </p:txBody>
-      </p:sp>
-      <p:pic>
-        <p:nvPicPr>
-          <p:cNvPr id="3" name="그림 2" descr="스크린샷, 아동 미술, 하늘, 만화 영화이(가) 표시된 사진&#10;&#10;자동 생성된 설명">
-            <a:extLst>
-              <a:ext uri="{FF2B5EF4-FFF2-40B4-BE49-F238E27FC236}">
-                <a16:creationId xmlns:a16="http://schemas.microsoft.com/office/drawing/2014/main" id="{A34E658F-1283-B09A-4056-3EBFA88B18CA}"/>
-              </a:ext>
-            </a:extLst>
-          </p:cNvPr>
-          <p:cNvPicPr>
-            <a:picLocks noChangeAspect="1"/>
-          </p:cNvPicPr>
-          <p:nvPr/>
-        </p:nvPicPr>
-        <p:blipFill rotWithShape="1">
-          <a:blip r:embed="rId2">
-            <a:extLst>
-              <a:ext uri="{28A0092B-C50C-407E-A947-70E740481C1C}">
-                <a14:useLocalDpi xmlns:a14="http://schemas.microsoft.com/office/drawing/2010/main" val="0"/>
-              </a:ext>
-            </a:extLst>
-          </a:blip>
-          <a:srcRect t="9091" r="19276" b="-1"/>
-          <a:stretch/>
-        </p:blipFill>
-        <p:spPr>
-          <a:xfrm>
-            <a:off x="3523488" y="10"/>
-            <a:ext cx="8668512" cy="6857990"/>
-          </a:xfrm>
-          <a:prstGeom prst="rect">
-            <a:avLst/>
-          </a:prstGeom>
-        </p:spPr>
-      </p:pic>
-      <p:sp>
-        <p:nvSpPr>
-          <p:cNvPr id="21" name="Rectangle 20">
-            <a:extLst>
-              <a:ext uri="{FF2B5EF4-FFF2-40B4-BE49-F238E27FC236}">
-                <a16:creationId xmlns:a16="http://schemas.microsoft.com/office/drawing/2014/main" id="{3EBE8569-6AEC-4B8C-8D53-2DE337CDBA65}"/>
-              </a:ext>
-              <a:ext uri="{C183D7F6-B498-43B3-948B-1728B52AA6E4}">
-                <adec:decorative xmlns:adec="http://schemas.microsoft.com/office/drawing/2017/decorative" val="1"/>
-              </a:ext>
-            </a:extLst>
-          </p:cNvPr>
-          <p:cNvSpPr>
-            <a:spLocks noGrp="1" noRot="1" noChangeAspect="1" noMove="1" noResize="1" noEditPoints="1" noAdjustHandles="1" noChangeArrowheads="1" noChangeShapeType="1" noTextEdit="1"/>
-          </p:cNvSpPr>
-          <p:nvPr>
-            <p:extLst>
-              <p:ext uri="{386F3935-93C4-4BCD-93E2-E3B085C9AB24}">
-                <p16:designElem xmlns:p16="http://schemas.microsoft.com/office/powerpoint/2015/main" val="1"/>
-              </p:ext>
-            </p:extLst>
-          </p:nvPr>
-        </p:nvSpPr>
-        <p:spPr>
-          <a:xfrm>
-            <a:off x="2" y="0"/>
-            <a:ext cx="9756601" cy="6858000"/>
-          </a:xfrm>
-          <a:prstGeom prst="rect">
-            <a:avLst/>
-          </a:prstGeom>
-          <a:gradFill>
-            <a:gsLst>
-              <a:gs pos="58000">
-                <a:schemeClr val="bg1"/>
-              </a:gs>
-              <a:gs pos="35000">
-                <a:schemeClr val="bg1">
-                  <a:alpha val="78000"/>
-                </a:schemeClr>
-              </a:gs>
-              <a:gs pos="19000">
-                <a:schemeClr val="bg1">
-                  <a:alpha val="38000"/>
-                </a:schemeClr>
-              </a:gs>
-              <a:gs pos="0">
-                <a:schemeClr val="bg1">
-                  <a:alpha val="0"/>
-                </a:schemeClr>
-              </a:gs>
-              <a:gs pos="100000">
-                <a:schemeClr val="bg1"/>
-              </a:gs>
-            </a:gsLst>
-            <a:lin ang="10800000" scaled="0"/>
-          </a:gradFill>
-          <a:ln>
-            <a:noFill/>
-          </a:ln>
-        </p:spPr>
-        <p:style>
-          <a:lnRef idx="2">
-            <a:schemeClr val="accent1">
-              <a:shade val="50000"/>
-            </a:schemeClr>
-          </a:lnRef>
-          <a:fillRef idx="1">
-            <a:schemeClr val="accent1"/>
-          </a:fillRef>
-          <a:effectRef idx="0">
-            <a:schemeClr val="accent1"/>
-          </a:effectRef>
-          <a:fontRef idx="minor">
-            <a:schemeClr val="lt1"/>
-          </a:fontRef>
-        </p:style>
-        <p:txBody>
-          <a:bodyPr rtlCol="0" anchor="ctr"/>
-          <a:lstStyle/>
-          <a:p>
-            <a:pPr algn="ctr"/>
-            <a:endParaRPr lang="en-US" dirty="0"/>
-          </a:p>
-        </p:txBody>
-      </p:sp>
-      <p:sp>
-        <p:nvSpPr>
-          <p:cNvPr id="23" name="Rectangle 22">
-            <a:extLst>
-              <a:ext uri="{FF2B5EF4-FFF2-40B4-BE49-F238E27FC236}">
-                <a16:creationId xmlns:a16="http://schemas.microsoft.com/office/drawing/2014/main" id="{55D4142C-5077-457F-A6AD-3FECFDB39685}"/>
-              </a:ext>
-              <a:ext uri="{C183D7F6-B498-43B3-948B-1728B52AA6E4}">
-                <adec:decorative xmlns:adec="http://schemas.microsoft.com/office/drawing/2017/decorative" val="1"/>
-              </a:ext>
-            </a:extLst>
-          </p:cNvPr>
-          <p:cNvSpPr>
-            <a:spLocks noGrp="1" noRot="1" noChangeAspect="1" noMove="1" noResize="1" noEditPoints="1" noAdjustHandles="1" noChangeArrowheads="1" noChangeShapeType="1" noTextEdit="1"/>
-          </p:cNvSpPr>
-          <p:nvPr>
-            <p:extLst>
-              <p:ext uri="{386F3935-93C4-4BCD-93E2-E3B085C9AB24}">
-                <p16:designElem xmlns:p16="http://schemas.microsoft.com/office/powerpoint/2015/main" val="1"/>
-              </p:ext>
-            </p:extLst>
-          </p:nvPr>
-        </p:nvSpPr>
-        <p:spPr>
-          <a:xfrm rot="5400000">
-            <a:off x="662559" y="605790"/>
-            <a:ext cx="73152" cy="548640"/>
-          </a:xfrm>
-          <a:prstGeom prst="rect">
-            <a:avLst/>
-          </a:prstGeom>
-          <a:solidFill>
-            <a:schemeClr val="accent2"/>
-          </a:solidFill>
-          <a:ln>
-            <a:noFill/>
-          </a:ln>
-        </p:spPr>
-        <p:style>
-          <a:lnRef idx="2">
-            <a:schemeClr val="accent1">
-              <a:shade val="50000"/>
-            </a:schemeClr>
-          </a:lnRef>
-          <a:fillRef idx="1">
-            <a:schemeClr val="accent1"/>
-          </a:fillRef>
-          <a:effectRef idx="0">
-            <a:schemeClr val="accent1"/>
-          </a:effectRef>
-          <a:fontRef idx="minor">
-            <a:schemeClr val="lt1"/>
-          </a:fontRef>
-        </p:style>
-        <p:txBody>
-          <a:bodyPr rtlCol="0" anchor="ctr"/>
-          <a:lstStyle/>
-          <a:p>
-            <a:pPr algn="ctr"/>
-            <a:endParaRPr lang="en-US">
-              <a:solidFill>
-                <a:prstClr val="white"/>
-              </a:solidFill>
-              <a:latin typeface="Calibri" panose="020F0502020204030204"/>
-            </a:endParaRPr>
-          </a:p>
-        </p:txBody>
-      </p:sp>
-      <p:sp>
-        <p:nvSpPr>
-          <p:cNvPr id="25" name="Rectangle 24">
-            <a:extLst>
-              <a:ext uri="{FF2B5EF4-FFF2-40B4-BE49-F238E27FC236}">
-                <a16:creationId xmlns:a16="http://schemas.microsoft.com/office/drawing/2014/main" id="{7A5F0580-5EE9-419F-96EE-B6529EF6E7D0}"/>
-              </a:ext>
-              <a:ext uri="{C183D7F6-B498-43B3-948B-1728B52AA6E4}">
-                <adec:decorative xmlns:adec="http://schemas.microsoft.com/office/drawing/2017/decorative" val="1"/>
-              </a:ext>
-            </a:extLst>
-          </p:cNvPr>
-          <p:cNvSpPr>
-            <a:spLocks noGrp="1" noRot="1" noChangeAspect="1" noMove="1" noResize="1" noEditPoints="1" noAdjustHandles="1" noChangeArrowheads="1" noChangeShapeType="1" noTextEdit="1"/>
-          </p:cNvSpPr>
-          <p:nvPr>
-            <p:extLst>
-              <p:ext uri="{386F3935-93C4-4BCD-93E2-E3B085C9AB24}">
-                <p16:designElem xmlns:p16="http://schemas.microsoft.com/office/powerpoint/2015/main" val="1"/>
-              </p:ext>
-            </p:extLst>
-          </p:nvPr>
-        </p:nvSpPr>
-        <p:spPr>
-          <a:xfrm>
-            <a:off x="428244" y="2443480"/>
-            <a:ext cx="3300984" cy="9144"/>
-          </a:xfrm>
-          <a:prstGeom prst="rect">
-            <a:avLst/>
-          </a:prstGeom>
-          <a:solidFill>
-            <a:srgbClr val="D5D5D5"/>
-          </a:solidFill>
-          <a:ln w="3175">
-            <a:solidFill>
-              <a:srgbClr val="D5D5D5"/>
-            </a:solidFill>
-          </a:ln>
-          <a:effectLst/>
-        </p:spPr>
-        <p:style>
-          <a:lnRef idx="2">
-            <a:schemeClr val="accent1">
-              <a:shade val="50000"/>
-            </a:schemeClr>
-          </a:lnRef>
-          <a:fillRef idx="1">
-            <a:schemeClr val="accent1"/>
-          </a:fillRef>
-          <a:effectRef idx="0">
-            <a:schemeClr val="accent1"/>
-          </a:effectRef>
-          <a:fontRef idx="minor">
-            <a:schemeClr val="lt1"/>
-          </a:fontRef>
-        </p:style>
-        <p:txBody>
-          <a:bodyPr rtlCol="0" anchor="ctr"/>
-          <a:lstStyle/>
-          <a:p>
-            <a:pPr marL="0" marR="0" lvl="0" indent="0" algn="ctr" defTabSz="914400" rtl="0" eaLnBrk="1" fontAlgn="auto" latinLnBrk="0" hangingPunct="1">
-              <a:lnSpc>
-                <a:spcPct val="100000"/>
-              </a:lnSpc>
-              <a:spcBef>
-                <a:spcPts val="0"/>
-              </a:spcBef>
-              <a:spcAft>
-                <a:spcPts val="0"/>
-              </a:spcAft>
-              <a:buClrTx/>
-              <a:buSzTx/>
-              <a:buFontTx/>
-              <a:buNone/>
-              <a:tabLst/>
-              <a:defRPr/>
-            </a:pPr>
-            <a:endParaRPr kumimoji="0" lang="en-US" sz="1800" b="0" i="0" u="none" strike="noStrike" kern="1200" cap="none" spc="0" normalizeH="0" baseline="0" noProof="0">
-              <a:ln>
-                <a:noFill/>
-              </a:ln>
-              <a:solidFill>
-                <a:prstClr val="white"/>
-              </a:solidFill>
-              <a:effectLst/>
-              <a:uLnTx/>
-              <a:uFillTx/>
-              <a:latin typeface="Calibri" panose="020F0502020204030204"/>
-              <a:ea typeface="+mn-ea"/>
-              <a:cs typeface="+mn-cs"/>
-            </a:endParaRPr>
-          </a:p>
-        </p:txBody>
-      </p:sp>
-      <p:sp>
-        <p:nvSpPr>
-          <p:cNvPr id="14" name="TextBox 13">
-            <a:extLst>
-              <a:ext uri="{FF2B5EF4-FFF2-40B4-BE49-F238E27FC236}">
-                <a16:creationId xmlns:a16="http://schemas.microsoft.com/office/drawing/2014/main" id="{F0C06476-A014-2413-5321-9241CC8799EE}"/>
-              </a:ext>
-            </a:extLst>
-          </p:cNvPr>
-          <p:cNvSpPr txBox="1"/>
-          <p:nvPr/>
-        </p:nvSpPr>
-        <p:spPr>
-          <a:xfrm>
-            <a:off x="371094" y="2718054"/>
-            <a:ext cx="3774186" cy="3522948"/>
-          </a:xfrm>
-          <a:prstGeom prst="rect">
-            <a:avLst/>
-          </a:prstGeom>
-        </p:spPr>
-        <p:txBody>
-          <a:bodyPr vert="horz" lIns="91440" tIns="45720" rIns="91440" bIns="45720" rtlCol="0" anchor="t">
-            <a:normAutofit/>
-          </a:bodyPr>
-          <a:lstStyle/>
-          <a:p>
-            <a:pPr indent="-228600" latinLnBrk="0">
-              <a:lnSpc>
-                <a:spcPct val="150000"/>
-              </a:lnSpc>
-              <a:spcAft>
-                <a:spcPts val="600"/>
-              </a:spcAft>
-              <a:buFont typeface="Arial" panose="020B0604020202020204" pitchFamily="34" charset="0"/>
-              <a:buChar char="•"/>
-            </a:pPr>
-            <a:r>
-              <a:rPr lang="ko-KR" altLang="en-US" sz="2400" dirty="0">
-                <a:latin typeface="한컴 말랑말랑 Bold" panose="020F0803000000000000" pitchFamily="50" charset="-127"/>
-                <a:ea typeface="한컴 말랑말랑 Bold" panose="020F0803000000000000" pitchFamily="50" charset="-127"/>
-              </a:rPr>
-              <a:t>포켓몬스터의 마스코트 캐릭터 </a:t>
-            </a:r>
-            <a:r>
-              <a:rPr lang="ko-KR" altLang="en-US" sz="2400" dirty="0" err="1">
-                <a:latin typeface="한컴 말랑말랑 Bold" panose="020F0803000000000000" pitchFamily="50" charset="-127"/>
-                <a:ea typeface="한컴 말랑말랑 Bold" panose="020F0803000000000000" pitchFamily="50" charset="-127"/>
-              </a:rPr>
-              <a:t>피카츄가</a:t>
-            </a:r>
-            <a:r>
-              <a:rPr lang="ko-KR" altLang="en-US" sz="2400" dirty="0">
-                <a:latin typeface="한컴 말랑말랑 Bold" panose="020F0803000000000000" pitchFamily="50" charset="-127"/>
-                <a:ea typeface="한컴 말랑말랑 Bold" panose="020F0803000000000000" pitchFamily="50" charset="-127"/>
-              </a:rPr>
-              <a:t> </a:t>
-            </a:r>
-            <a:r>
-              <a:rPr lang="ko-KR" altLang="en-US" sz="2400" dirty="0" err="1">
-                <a:latin typeface="한컴 말랑말랑 Bold" panose="020F0803000000000000" pitchFamily="50" charset="-127"/>
-                <a:ea typeface="한컴 말랑말랑 Bold" panose="020F0803000000000000" pitchFamily="50" charset="-127"/>
-              </a:rPr>
-              <a:t>몬스터볼을</a:t>
-            </a:r>
-            <a:r>
-              <a:rPr lang="ko-KR" altLang="en-US" sz="2400" dirty="0">
-                <a:latin typeface="한컴 말랑말랑 Bold" panose="020F0803000000000000" pitchFamily="50" charset="-127"/>
-                <a:ea typeface="한컴 말랑말랑 Bold" panose="020F0803000000000000" pitchFamily="50" charset="-127"/>
-              </a:rPr>
-              <a:t> 써서 배구를 한다는 귀여운 발상의 게임입니다</a:t>
-            </a:r>
-            <a:r>
-              <a:rPr lang="en-US" altLang="ko-KR" sz="2400" dirty="0">
-                <a:latin typeface="한컴 말랑말랑 Bold" panose="020F0803000000000000" pitchFamily="50" charset="-127"/>
-                <a:ea typeface="한컴 말랑말랑 Bold" panose="020F0803000000000000" pitchFamily="50" charset="-127"/>
-              </a:rPr>
-              <a:t>.</a:t>
-            </a:r>
-          </a:p>
-          <a:p>
-            <a:pPr indent="-228600" latinLnBrk="0">
-              <a:lnSpc>
-                <a:spcPct val="150000"/>
-              </a:lnSpc>
-              <a:spcAft>
-                <a:spcPts val="600"/>
-              </a:spcAft>
-              <a:buFont typeface="Arial" panose="020B0604020202020204" pitchFamily="34" charset="0"/>
-              <a:buChar char="•"/>
-            </a:pPr>
-            <a:r>
-              <a:rPr lang="ko-KR" altLang="en-US" sz="2400" dirty="0">
-                <a:latin typeface="한컴 말랑말랑 Bold" panose="020F0803000000000000" pitchFamily="50" charset="-127"/>
-                <a:ea typeface="한컴 말랑말랑 Bold" panose="020F0803000000000000" pitchFamily="50" charset="-127"/>
-              </a:rPr>
-              <a:t>장르</a:t>
-            </a:r>
-            <a:r>
-              <a:rPr lang="en-US" altLang="ko-KR" sz="2400" dirty="0">
-                <a:latin typeface="한컴 말랑말랑 Bold" panose="020F0803000000000000" pitchFamily="50" charset="-127"/>
-                <a:ea typeface="한컴 말랑말랑 Bold" panose="020F0803000000000000" pitchFamily="50" charset="-127"/>
-              </a:rPr>
-              <a:t>: </a:t>
-            </a:r>
-            <a:r>
-              <a:rPr lang="ko-KR" altLang="en-US" sz="2400" dirty="0">
-                <a:latin typeface="한컴 말랑말랑 Bold" panose="020F0803000000000000" pitchFamily="50" charset="-127"/>
-                <a:ea typeface="한컴 말랑말랑 Bold" panose="020F0803000000000000" pitchFamily="50" charset="-127"/>
-              </a:rPr>
-              <a:t>스포츠</a:t>
-            </a:r>
-          </a:p>
-        </p:txBody>
-      </p:sp>
-      <p:sp>
-        <p:nvSpPr>
-          <p:cNvPr id="4" name="TextBox 3">
-            <a:extLst>
-              <a:ext uri="{FF2B5EF4-FFF2-40B4-BE49-F238E27FC236}">
-                <a16:creationId xmlns:a16="http://schemas.microsoft.com/office/drawing/2014/main" id="{CFB1807A-A13D-E6F3-2FFB-E4D2400B249D}"/>
-              </a:ext>
-            </a:extLst>
-          </p:cNvPr>
-          <p:cNvSpPr txBox="1"/>
-          <p:nvPr/>
-        </p:nvSpPr>
-        <p:spPr>
-          <a:xfrm>
-            <a:off x="318840" y="183997"/>
-            <a:ext cx="2737866" cy="535531"/>
-          </a:xfrm>
-          <a:prstGeom prst="rect">
-            <a:avLst/>
-          </a:prstGeom>
-          <a:noFill/>
-        </p:spPr>
-        <p:txBody>
-          <a:bodyPr wrap="square" rtlCol="0">
-            <a:spAutoFit/>
-          </a:bodyPr>
-          <a:lstStyle/>
-          <a:p>
-            <a:pPr latinLnBrk="0">
-              <a:lnSpc>
-                <a:spcPct val="90000"/>
-              </a:lnSpc>
-              <a:spcAft>
-                <a:spcPts val="600"/>
-              </a:spcAft>
-            </a:pPr>
-            <a:r>
-              <a:rPr lang="ko-KR" altLang="en-US" sz="3200" dirty="0">
-                <a:latin typeface="한컴 말랑말랑 Bold" panose="020F0803000000000000" pitchFamily="50" charset="-127"/>
-                <a:ea typeface="한컴 말랑말랑 Bold" panose="020F0803000000000000" pitchFamily="50" charset="-127"/>
-              </a:rPr>
-              <a:t>게임 컨셉</a:t>
-            </a:r>
-          </a:p>
-        </p:txBody>
-      </p:sp>
-    </p:spTree>
-    <p:extLst>
-      <p:ext uri="{BB962C8B-B14F-4D97-AF65-F5344CB8AC3E}">
-        <p14:creationId xmlns:p14="http://schemas.microsoft.com/office/powerpoint/2010/main" val="1226679969"/>
-      </p:ext>
-    </p:extLst>
-  </p:cSld>
-  <p:clrMapOvr>
-    <a:masterClrMapping/>
-  </p:clrMapOvr>
-</p:sld>
-</file>
-
-<file path=ppt/slides/slide3.xml><?xml version="1.0" encoding="utf-8"?>
-<p:sld xmlns:a="http://schemas.openxmlformats.org/drawingml/2006/main" xmlns:r="http://schemas.openxmlformats.org/officeDocument/2006/relationships" xmlns:p="http://schemas.openxmlformats.org/presentationml/2006/main">
-  <p:cSld>
-    <p:spTree>
-      <p:nvGrpSpPr>
-        <p:cNvPr id="1" name=""/>
-        <p:cNvGrpSpPr/>
-        <p:nvPr/>
-      </p:nvGrpSpPr>
-      <p:grpSpPr>
-        <a:xfrm>
-          <a:off x="0" y="0"/>
-          <a:ext cx="0" cy="0"/>
-          <a:chOff x="0" y="0"/>
-          <a:chExt cx="0" cy="0"/>
-        </a:xfrm>
-      </p:grpSpPr>
-      <p:sp>
-        <p:nvSpPr>
-          <p:cNvPr id="4" name="직사각형 3">
-            <a:extLst>
-              <a:ext uri="{FF2B5EF4-FFF2-40B4-BE49-F238E27FC236}">
-                <a16:creationId xmlns:a16="http://schemas.microsoft.com/office/drawing/2014/main" id="{1E2B8156-2125-54D6-204E-98BA03835F4B}"/>
-              </a:ext>
-            </a:extLst>
-          </p:cNvPr>
-          <p:cNvSpPr/>
-          <p:nvPr/>
-        </p:nvSpPr>
-        <p:spPr>
-          <a:xfrm>
-            <a:off x="418009" y="853440"/>
+            <a:off x="418009" y="727107"/>
             <a:ext cx="539934" cy="78377"/>
           </a:xfrm>
           <a:prstGeom prst="rect">
@@ -4086,1731 +3538,7 @@
             <a:r>
               <a:rPr lang="ko-KR" altLang="en-US" sz="3200" dirty="0">
                 <a:latin typeface="한컴 말랑말랑 Bold" panose="020F0803000000000000" pitchFamily="50" charset="-127"/>
-                <a:ea typeface="한컴 말랑말랑 Bold" panose="020F0803000000000000" pitchFamily="50" charset="-127"/>
-              </a:rPr>
-              <a:t>예상 게임 흐름</a:t>
-            </a:r>
-          </a:p>
-        </p:txBody>
-      </p:sp>
-      <p:pic>
-        <p:nvPicPr>
-          <p:cNvPr id="5" name="그림 4" descr="하늘, 구름, 스크린샷, 아동 미술이(가) 표시된 사진&#10;&#10;자동 생성된 설명">
-            <a:extLst>
-              <a:ext uri="{FF2B5EF4-FFF2-40B4-BE49-F238E27FC236}">
-                <a16:creationId xmlns:a16="http://schemas.microsoft.com/office/drawing/2014/main" id="{7893D86E-B6F4-BD92-D180-8EFCA8DA02A4}"/>
-              </a:ext>
-            </a:extLst>
-          </p:cNvPr>
-          <p:cNvPicPr>
-            <a:picLocks noChangeAspect="1"/>
-          </p:cNvPicPr>
-          <p:nvPr/>
-        </p:nvPicPr>
-        <p:blipFill>
-          <a:blip r:embed="rId2">
-            <a:extLst>
-              <a:ext uri="{28A0092B-C50C-407E-A947-70E740481C1C}">
-                <a14:useLocalDpi xmlns:a14="http://schemas.microsoft.com/office/drawing/2010/main" val="0"/>
-              </a:ext>
-            </a:extLst>
-          </a:blip>
-          <a:stretch>
-            <a:fillRect/>
-          </a:stretch>
-        </p:blipFill>
-        <p:spPr>
-          <a:xfrm>
-            <a:off x="313542" y="2119006"/>
-            <a:ext cx="5782458" cy="3377542"/>
-          </a:xfrm>
-          <a:prstGeom prst="rect">
-            <a:avLst/>
-          </a:prstGeom>
-        </p:spPr>
-      </p:pic>
-      <p:sp>
-        <p:nvSpPr>
-          <p:cNvPr id="6" name="TextBox 5">
-            <a:extLst>
-              <a:ext uri="{FF2B5EF4-FFF2-40B4-BE49-F238E27FC236}">
-                <a16:creationId xmlns:a16="http://schemas.microsoft.com/office/drawing/2014/main" id="{5CC73C26-15F6-DA24-80D8-8034843D4B6A}"/>
-              </a:ext>
-            </a:extLst>
-          </p:cNvPr>
-          <p:cNvSpPr txBox="1"/>
-          <p:nvPr/>
-        </p:nvSpPr>
-        <p:spPr>
-          <a:xfrm>
-            <a:off x="6534665" y="1583475"/>
-            <a:ext cx="4983480" cy="4045800"/>
-          </a:xfrm>
-          <a:prstGeom prst="rect">
-            <a:avLst/>
-          </a:prstGeom>
-        </p:spPr>
-        <p:txBody>
-          <a:bodyPr vert="horz" lIns="91440" tIns="45720" rIns="91440" bIns="45720" rtlCol="0" anchor="t">
-            <a:normAutofit/>
-          </a:bodyPr>
-          <a:lstStyle/>
-          <a:p>
-            <a:pPr indent="-228600" latinLnBrk="0">
-              <a:lnSpc>
-                <a:spcPct val="150000"/>
-              </a:lnSpc>
-              <a:spcAft>
-                <a:spcPts val="600"/>
-              </a:spcAft>
-              <a:buFont typeface="Arial" panose="020B0604020202020204" pitchFamily="34" charset="0"/>
-              <a:buChar char="•"/>
-            </a:pPr>
-            <a:r>
-              <a:rPr lang="ko-KR" altLang="en-US" sz="2400" dirty="0">
-                <a:latin typeface="한컴 말랑말랑 Bold" panose="020F0803000000000000" pitchFamily="50" charset="-127"/>
-                <a:ea typeface="한컴 말랑말랑 Bold" panose="020F0803000000000000" pitchFamily="50" charset="-127"/>
-              </a:rPr>
-              <a:t>게임이 시작되면 서브권을 가진 피카츄 머리 위로 </a:t>
-            </a:r>
-            <a:r>
-              <a:rPr lang="ko-KR" altLang="en-US" sz="2400" dirty="0" err="1">
-                <a:latin typeface="한컴 말랑말랑 Bold" panose="020F0803000000000000" pitchFamily="50" charset="-127"/>
-                <a:ea typeface="한컴 말랑말랑 Bold" panose="020F0803000000000000" pitchFamily="50" charset="-127"/>
-              </a:rPr>
-              <a:t>몬스터볼이</a:t>
-            </a:r>
-            <a:r>
-              <a:rPr lang="ko-KR" altLang="en-US" sz="2400" dirty="0">
-                <a:latin typeface="한컴 말랑말랑 Bold" panose="020F0803000000000000" pitchFamily="50" charset="-127"/>
-                <a:ea typeface="한컴 말랑말랑 Bold" panose="020F0803000000000000" pitchFamily="50" charset="-127"/>
-              </a:rPr>
-              <a:t> 떨어집니다</a:t>
-            </a:r>
-            <a:r>
-              <a:rPr lang="en-US" altLang="ko-KR" sz="2400" dirty="0">
-                <a:latin typeface="한컴 말랑말랑 Bold" panose="020F0803000000000000" pitchFamily="50" charset="-127"/>
-                <a:ea typeface="한컴 말랑말랑 Bold" panose="020F0803000000000000" pitchFamily="50" charset="-127"/>
-              </a:rPr>
-              <a:t>.</a:t>
-            </a:r>
-          </a:p>
-          <a:p>
-            <a:pPr indent="-228600" latinLnBrk="0">
-              <a:lnSpc>
-                <a:spcPct val="150000"/>
-              </a:lnSpc>
-              <a:spcAft>
-                <a:spcPts val="600"/>
-              </a:spcAft>
-              <a:buFont typeface="Arial" panose="020B0604020202020204" pitchFamily="34" charset="0"/>
-              <a:buChar char="•"/>
-            </a:pPr>
-            <a:endParaRPr lang="en-US" altLang="ko-KR" sz="2400" dirty="0">
-              <a:latin typeface="한컴 말랑말랑 Bold" panose="020F0803000000000000" pitchFamily="50" charset="-127"/>
-              <a:ea typeface="한컴 말랑말랑 Bold" panose="020F0803000000000000" pitchFamily="50" charset="-127"/>
-            </a:endParaRPr>
-          </a:p>
-          <a:p>
-            <a:pPr indent="-228600" latinLnBrk="0">
-              <a:lnSpc>
-                <a:spcPct val="150000"/>
-              </a:lnSpc>
-              <a:spcAft>
-                <a:spcPts val="600"/>
-              </a:spcAft>
-              <a:buFont typeface="Arial" panose="020B0604020202020204" pitchFamily="34" charset="0"/>
-              <a:buChar char="•"/>
-            </a:pPr>
-            <a:r>
-              <a:rPr lang="ko-KR" altLang="en-US" sz="2400" dirty="0">
-                <a:latin typeface="한컴 말랑말랑 Bold" panose="020F0803000000000000" pitchFamily="50" charset="-127"/>
-                <a:ea typeface="한컴 말랑말랑 Bold" panose="020F0803000000000000" pitchFamily="50" charset="-127"/>
-              </a:rPr>
-              <a:t>상대방의 코트에 </a:t>
-            </a:r>
-            <a:r>
-              <a:rPr lang="ko-KR" altLang="en-US" sz="2400" dirty="0" err="1">
-                <a:latin typeface="한컴 말랑말랑 Bold" panose="020F0803000000000000" pitchFamily="50" charset="-127"/>
-                <a:ea typeface="한컴 말랑말랑 Bold" panose="020F0803000000000000" pitchFamily="50" charset="-127"/>
-              </a:rPr>
-              <a:t>몬스터볼이</a:t>
-            </a:r>
-            <a:r>
-              <a:rPr lang="ko-KR" altLang="en-US" sz="2400" dirty="0">
-                <a:latin typeface="한컴 말랑말랑 Bold" panose="020F0803000000000000" pitchFamily="50" charset="-127"/>
-                <a:ea typeface="한컴 말랑말랑 Bold" panose="020F0803000000000000" pitchFamily="50" charset="-127"/>
-              </a:rPr>
-              <a:t> 닿게 하면 득점을 하게 되고 </a:t>
-            </a:r>
-            <a:r>
-              <a:rPr lang="en-US" altLang="ko-KR" sz="2400" dirty="0">
-                <a:latin typeface="한컴 말랑말랑 Bold" panose="020F0803000000000000" pitchFamily="50" charset="-127"/>
-                <a:ea typeface="한컴 말랑말랑 Bold" panose="020F0803000000000000" pitchFamily="50" charset="-127"/>
-              </a:rPr>
-              <a:t>10</a:t>
-            </a:r>
-            <a:r>
-              <a:rPr lang="ko-KR" altLang="en-US" sz="2400" dirty="0">
-                <a:latin typeface="한컴 말랑말랑 Bold" panose="020F0803000000000000" pitchFamily="50" charset="-127"/>
-                <a:ea typeface="한컴 말랑말랑 Bold" panose="020F0803000000000000" pitchFamily="50" charset="-127"/>
-              </a:rPr>
-              <a:t>점을 먼저 얻으면 최종 승리하게 됩니다</a:t>
-            </a:r>
-            <a:r>
-              <a:rPr lang="en-US" altLang="ko-KR" sz="2400" dirty="0">
-                <a:latin typeface="한컴 말랑말랑 Bold" panose="020F0803000000000000" pitchFamily="50" charset="-127"/>
-                <a:ea typeface="한컴 말랑말랑 Bold" panose="020F0803000000000000" pitchFamily="50" charset="-127"/>
-              </a:rPr>
-              <a:t>.</a:t>
-            </a:r>
-          </a:p>
-        </p:txBody>
-      </p:sp>
-    </p:spTree>
-    <p:extLst>
-      <p:ext uri="{BB962C8B-B14F-4D97-AF65-F5344CB8AC3E}">
-        <p14:creationId xmlns:p14="http://schemas.microsoft.com/office/powerpoint/2010/main" val="3033213083"/>
-      </p:ext>
-    </p:extLst>
-  </p:cSld>
-  <p:clrMapOvr>
-    <a:masterClrMapping/>
-  </p:clrMapOvr>
-</p:sld>
-</file>
-
-<file path=ppt/slides/slide4.xml><?xml version="1.0" encoding="utf-8"?>
-<p:sld xmlns:a="http://schemas.openxmlformats.org/drawingml/2006/main" xmlns:r="http://schemas.openxmlformats.org/officeDocument/2006/relationships" xmlns:p="http://schemas.openxmlformats.org/presentationml/2006/main">
-  <p:cSld>
-    <p:spTree>
-      <p:nvGrpSpPr>
-        <p:cNvPr id="1" name=""/>
-        <p:cNvGrpSpPr/>
-        <p:nvPr/>
-      </p:nvGrpSpPr>
-      <p:grpSpPr>
-        <a:xfrm>
-          <a:off x="0" y="0"/>
-          <a:ext cx="0" cy="0"/>
-          <a:chOff x="0" y="0"/>
-          <a:chExt cx="0" cy="0"/>
-        </a:xfrm>
-      </p:grpSpPr>
-      <p:sp>
-        <p:nvSpPr>
-          <p:cNvPr id="4" name="직사각형 3">
-            <a:extLst>
-              <a:ext uri="{FF2B5EF4-FFF2-40B4-BE49-F238E27FC236}">
-                <a16:creationId xmlns:a16="http://schemas.microsoft.com/office/drawing/2014/main" id="{1E2B8156-2125-54D6-204E-98BA03835F4B}"/>
-              </a:ext>
-            </a:extLst>
-          </p:cNvPr>
-          <p:cNvSpPr/>
-          <p:nvPr/>
-        </p:nvSpPr>
-        <p:spPr>
-          <a:xfrm>
-            <a:off x="418009" y="853440"/>
-            <a:ext cx="539934" cy="78377"/>
-          </a:xfrm>
-          <a:prstGeom prst="rect">
-            <a:avLst/>
-          </a:prstGeom>
-          <a:ln>
-            <a:solidFill>
-              <a:schemeClr val="accent2"/>
-            </a:solidFill>
-          </a:ln>
-        </p:spPr>
-        <p:style>
-          <a:lnRef idx="2">
-            <a:schemeClr val="accent2">
-              <a:shade val="15000"/>
-            </a:schemeClr>
-          </a:lnRef>
-          <a:fillRef idx="1">
-            <a:schemeClr val="accent2"/>
-          </a:fillRef>
-          <a:effectRef idx="0">
-            <a:schemeClr val="accent2"/>
-          </a:effectRef>
-          <a:fontRef idx="minor">
-            <a:schemeClr val="lt1"/>
-          </a:fontRef>
-        </p:style>
-        <p:txBody>
-          <a:bodyPr rtlCol="0" anchor="ctr"/>
-          <a:lstStyle/>
-          <a:p>
-            <a:pPr algn="ctr"/>
-            <a:endParaRPr lang="ko-KR" altLang="en-US"/>
-          </a:p>
-        </p:txBody>
-      </p:sp>
-      <p:sp>
-        <p:nvSpPr>
-          <p:cNvPr id="2" name="TextBox 1">
-            <a:extLst>
-              <a:ext uri="{FF2B5EF4-FFF2-40B4-BE49-F238E27FC236}">
-                <a16:creationId xmlns:a16="http://schemas.microsoft.com/office/drawing/2014/main" id="{21BF673A-FA4B-89B4-D3C1-3BF0F4F02700}"/>
-              </a:ext>
-            </a:extLst>
-          </p:cNvPr>
-          <p:cNvSpPr txBox="1"/>
-          <p:nvPr/>
-        </p:nvSpPr>
-        <p:spPr>
-          <a:xfrm>
-            <a:off x="318840" y="183997"/>
-            <a:ext cx="2737866" cy="535531"/>
-          </a:xfrm>
-          <a:prstGeom prst="rect">
-            <a:avLst/>
-          </a:prstGeom>
-          <a:noFill/>
-        </p:spPr>
-        <p:txBody>
-          <a:bodyPr wrap="square" rtlCol="0">
-            <a:spAutoFit/>
-          </a:bodyPr>
-          <a:lstStyle/>
-          <a:p>
-            <a:pPr latinLnBrk="0">
-              <a:lnSpc>
-                <a:spcPct val="90000"/>
-              </a:lnSpc>
-              <a:spcAft>
-                <a:spcPts val="600"/>
-              </a:spcAft>
-            </a:pPr>
-            <a:r>
-              <a:rPr lang="ko-KR" altLang="en-US" sz="3200" dirty="0">
-                <a:latin typeface="한컴 말랑말랑 Bold" panose="020F0803000000000000" pitchFamily="50" charset="-127"/>
-                <a:ea typeface="한컴 말랑말랑 Bold" panose="020F0803000000000000" pitchFamily="50" charset="-127"/>
-              </a:rPr>
-              <a:t>예상 게임 흐름</a:t>
-            </a:r>
-          </a:p>
-        </p:txBody>
-      </p:sp>
-      <p:sp>
-        <p:nvSpPr>
-          <p:cNvPr id="6" name="TextBox 5">
-            <a:extLst>
-              <a:ext uri="{FF2B5EF4-FFF2-40B4-BE49-F238E27FC236}">
-                <a16:creationId xmlns:a16="http://schemas.microsoft.com/office/drawing/2014/main" id="{5CC73C26-15F6-DA24-80D8-8034843D4B6A}"/>
-              </a:ext>
-            </a:extLst>
-          </p:cNvPr>
-          <p:cNvSpPr txBox="1"/>
-          <p:nvPr/>
-        </p:nvSpPr>
-        <p:spPr>
-          <a:xfrm>
-            <a:off x="6889680" y="1193211"/>
-            <a:ext cx="4983480" cy="800797"/>
-          </a:xfrm>
-          <a:prstGeom prst="rect">
-            <a:avLst/>
-          </a:prstGeom>
-        </p:spPr>
-        <p:txBody>
-          <a:bodyPr vert="horz" lIns="91440" tIns="45720" rIns="91440" bIns="45720" rtlCol="0" anchor="t">
-            <a:normAutofit/>
-          </a:bodyPr>
-          <a:lstStyle/>
-          <a:p>
-            <a:pPr indent="-228600" latinLnBrk="0">
-              <a:lnSpc>
-                <a:spcPct val="150000"/>
-              </a:lnSpc>
-              <a:spcAft>
-                <a:spcPts val="600"/>
-              </a:spcAft>
-              <a:buFont typeface="Arial" panose="020B0604020202020204" pitchFamily="34" charset="0"/>
-              <a:buChar char="•"/>
-            </a:pPr>
-            <a:r>
-              <a:rPr lang="ko-KR" altLang="en-US" sz="2400" dirty="0">
-                <a:latin typeface="한컴 말랑말랑 Bold" panose="020F0803000000000000" pitchFamily="50" charset="-127"/>
-                <a:ea typeface="한컴 말랑말랑 Bold" panose="020F0803000000000000" pitchFamily="50" charset="-127"/>
-              </a:rPr>
-              <a:t>기본적인 조작</a:t>
-            </a:r>
-            <a:endParaRPr lang="en-US" altLang="ko-KR" sz="2400" dirty="0">
-              <a:latin typeface="한컴 말랑말랑 Bold" panose="020F0803000000000000" pitchFamily="50" charset="-127"/>
-              <a:ea typeface="한컴 말랑말랑 Bold" panose="020F0803000000000000" pitchFamily="50" charset="-127"/>
-            </a:endParaRPr>
-          </a:p>
-          <a:p>
-            <a:pPr indent="-228600" latinLnBrk="0">
-              <a:lnSpc>
-                <a:spcPct val="150000"/>
-              </a:lnSpc>
-              <a:spcAft>
-                <a:spcPts val="600"/>
-              </a:spcAft>
-              <a:buFont typeface="Arial" panose="020B0604020202020204" pitchFamily="34" charset="0"/>
-              <a:buChar char="•"/>
-            </a:pPr>
-            <a:endParaRPr lang="en-US" altLang="ko-KR" sz="2400" dirty="0">
-              <a:latin typeface="한컴 말랑말랑 Bold" panose="020F0803000000000000" pitchFamily="50" charset="-127"/>
-              <a:ea typeface="한컴 말랑말랑 Bold" panose="020F0803000000000000" pitchFamily="50" charset="-127"/>
-            </a:endParaRPr>
-          </a:p>
-          <a:p>
-            <a:pPr marL="228600" lvl="1" latinLnBrk="0">
-              <a:lnSpc>
-                <a:spcPct val="150000"/>
-              </a:lnSpc>
-              <a:spcAft>
-                <a:spcPts val="600"/>
-              </a:spcAft>
-            </a:pPr>
-            <a:endParaRPr lang="en-US" altLang="ko-KR" sz="2400" dirty="0">
-              <a:latin typeface="한컴 말랑말랑 Bold" panose="020F0803000000000000" pitchFamily="50" charset="-127"/>
-              <a:ea typeface="한컴 말랑말랑 Bold" panose="020F0803000000000000" pitchFamily="50" charset="-127"/>
-            </a:endParaRPr>
-          </a:p>
-          <a:p>
-            <a:pPr lvl="1" indent="-228600" latinLnBrk="0">
-              <a:lnSpc>
-                <a:spcPct val="150000"/>
-              </a:lnSpc>
-              <a:spcAft>
-                <a:spcPts val="600"/>
-              </a:spcAft>
-              <a:buFont typeface="Arial" panose="020B0604020202020204" pitchFamily="34" charset="0"/>
-              <a:buChar char="•"/>
-            </a:pPr>
-            <a:endParaRPr lang="en-US" altLang="ko-KR" sz="2400" dirty="0">
-              <a:latin typeface="한컴 말랑말랑 Bold" panose="020F0803000000000000" pitchFamily="50" charset="-127"/>
-              <a:ea typeface="한컴 말랑말랑 Bold" panose="020F0803000000000000" pitchFamily="50" charset="-127"/>
-            </a:endParaRPr>
-          </a:p>
-          <a:p>
-            <a:pPr lvl="1" indent="-228600" latinLnBrk="0">
-              <a:lnSpc>
-                <a:spcPct val="150000"/>
-              </a:lnSpc>
-              <a:spcAft>
-                <a:spcPts val="600"/>
-              </a:spcAft>
-              <a:buFont typeface="Arial" panose="020B0604020202020204" pitchFamily="34" charset="0"/>
-              <a:buChar char="•"/>
-            </a:pPr>
-            <a:endParaRPr lang="en-US" altLang="ko-KR" sz="2400" dirty="0">
-              <a:latin typeface="한컴 말랑말랑 Bold" panose="020F0803000000000000" pitchFamily="50" charset="-127"/>
-              <a:ea typeface="한컴 말랑말랑 Bold" panose="020F0803000000000000" pitchFamily="50" charset="-127"/>
-            </a:endParaRPr>
-          </a:p>
-          <a:p>
-            <a:pPr indent="-228600" latinLnBrk="0">
-              <a:lnSpc>
-                <a:spcPct val="150000"/>
-              </a:lnSpc>
-              <a:spcAft>
-                <a:spcPts val="600"/>
-              </a:spcAft>
-              <a:buFont typeface="Arial" panose="020B0604020202020204" pitchFamily="34" charset="0"/>
-              <a:buChar char="•"/>
-            </a:pPr>
-            <a:endParaRPr lang="en-US" altLang="ko-KR" sz="2400" dirty="0">
-              <a:latin typeface="한컴 말랑말랑 Bold" panose="020F0803000000000000" pitchFamily="50" charset="-127"/>
-              <a:ea typeface="한컴 말랑말랑 Bold" panose="020F0803000000000000" pitchFamily="50" charset="-127"/>
-            </a:endParaRPr>
-          </a:p>
-        </p:txBody>
-      </p:sp>
-      <p:pic>
-        <p:nvPicPr>
-          <p:cNvPr id="11" name="그림 10" descr="텍스트, 폰트, 화이트, 그래픽이(가) 표시된 사진&#10;&#10;자동 생성된 설명">
-            <a:extLst>
-              <a:ext uri="{FF2B5EF4-FFF2-40B4-BE49-F238E27FC236}">
-                <a16:creationId xmlns:a16="http://schemas.microsoft.com/office/drawing/2014/main" id="{89EEF730-A8B7-21ED-A983-87294607D551}"/>
-              </a:ext>
-            </a:extLst>
-          </p:cNvPr>
-          <p:cNvPicPr>
-            <a:picLocks noChangeAspect="1"/>
-          </p:cNvPicPr>
-          <p:nvPr/>
-        </p:nvPicPr>
-        <p:blipFill rotWithShape="1">
-          <a:blip r:embed="rId2">
-            <a:extLst>
-              <a:ext uri="{28A0092B-C50C-407E-A947-70E740481C1C}">
-                <a14:useLocalDpi xmlns:a14="http://schemas.microsoft.com/office/drawing/2010/main" val="0"/>
-              </a:ext>
-            </a:extLst>
-          </a:blip>
-          <a:srcRect l="13922" t="3761" r="61510" b="47488"/>
-          <a:stretch/>
-        </p:blipFill>
-        <p:spPr>
-          <a:xfrm>
-            <a:off x="1146500" y="4371385"/>
-            <a:ext cx="2379006" cy="2360380"/>
-          </a:xfrm>
-          <a:prstGeom prst="rect">
-            <a:avLst/>
-          </a:prstGeom>
-        </p:spPr>
-      </p:pic>
-      <p:sp>
-        <p:nvSpPr>
-          <p:cNvPr id="12" name="TextBox 11">
-            <a:extLst>
-              <a:ext uri="{FF2B5EF4-FFF2-40B4-BE49-F238E27FC236}">
-                <a16:creationId xmlns:a16="http://schemas.microsoft.com/office/drawing/2014/main" id="{FCB8E83A-2D81-9E9F-A052-4AE6BB3B56C3}"/>
-              </a:ext>
-            </a:extLst>
-          </p:cNvPr>
-          <p:cNvSpPr txBox="1"/>
-          <p:nvPr/>
-        </p:nvSpPr>
-        <p:spPr>
-          <a:xfrm>
-            <a:off x="318840" y="3682571"/>
-            <a:ext cx="2026041" cy="800797"/>
-          </a:xfrm>
-          <a:prstGeom prst="rect">
-            <a:avLst/>
-          </a:prstGeom>
-        </p:spPr>
-        <p:txBody>
-          <a:bodyPr vert="horz" lIns="91440" tIns="45720" rIns="91440" bIns="45720" rtlCol="0" anchor="t">
-            <a:normAutofit/>
-          </a:bodyPr>
-          <a:lstStyle/>
-          <a:p>
-            <a:pPr marL="114300" indent="-342900" latinLnBrk="0">
-              <a:lnSpc>
-                <a:spcPct val="150000"/>
-              </a:lnSpc>
-              <a:spcAft>
-                <a:spcPts val="600"/>
-              </a:spcAft>
-              <a:buFont typeface="Wingdings" panose="05000000000000000000" pitchFamily="2" charset="2"/>
-              <a:buChar char="§"/>
-            </a:pPr>
-            <a:r>
-              <a:rPr lang="en-US" altLang="ko-KR" sz="2400" dirty="0">
-                <a:latin typeface="한컴 말랑말랑 Bold" panose="020F0803000000000000" pitchFamily="50" charset="-127"/>
-                <a:ea typeface="한컴 말랑말랑 Bold" panose="020F0803000000000000" pitchFamily="50" charset="-127"/>
-              </a:rPr>
-              <a:t>2P</a:t>
-            </a:r>
-          </a:p>
-          <a:p>
-            <a:pPr indent="-228600" latinLnBrk="0">
-              <a:lnSpc>
-                <a:spcPct val="150000"/>
-              </a:lnSpc>
-              <a:spcAft>
-                <a:spcPts val="600"/>
-              </a:spcAft>
-              <a:buFont typeface="Arial" panose="020B0604020202020204" pitchFamily="34" charset="0"/>
-              <a:buChar char="•"/>
-            </a:pPr>
-            <a:endParaRPr lang="en-US" altLang="ko-KR" sz="2400" dirty="0">
-              <a:latin typeface="한컴 말랑말랑 Bold" panose="020F0803000000000000" pitchFamily="50" charset="-127"/>
-              <a:ea typeface="한컴 말랑말랑 Bold" panose="020F0803000000000000" pitchFamily="50" charset="-127"/>
-            </a:endParaRPr>
-          </a:p>
-        </p:txBody>
-      </p:sp>
-      <p:sp>
-        <p:nvSpPr>
-          <p:cNvPr id="13" name="TextBox 12">
-            <a:extLst>
-              <a:ext uri="{FF2B5EF4-FFF2-40B4-BE49-F238E27FC236}">
-                <a16:creationId xmlns:a16="http://schemas.microsoft.com/office/drawing/2014/main" id="{B4E3ADDD-F63A-4C75-885B-BD17BC3E70E5}"/>
-              </a:ext>
-            </a:extLst>
-          </p:cNvPr>
-          <p:cNvSpPr txBox="1"/>
-          <p:nvPr/>
-        </p:nvSpPr>
-        <p:spPr>
-          <a:xfrm>
-            <a:off x="318840" y="1193211"/>
-            <a:ext cx="2026041" cy="800797"/>
-          </a:xfrm>
-          <a:prstGeom prst="rect">
-            <a:avLst/>
-          </a:prstGeom>
-        </p:spPr>
-        <p:txBody>
-          <a:bodyPr vert="horz" lIns="91440" tIns="45720" rIns="91440" bIns="45720" rtlCol="0" anchor="t">
-            <a:normAutofit/>
-          </a:bodyPr>
-          <a:lstStyle/>
-          <a:p>
-            <a:pPr marL="114300" indent="-342900" latinLnBrk="0">
-              <a:lnSpc>
-                <a:spcPct val="150000"/>
-              </a:lnSpc>
-              <a:spcAft>
-                <a:spcPts val="600"/>
-              </a:spcAft>
-              <a:buFont typeface="Wingdings" panose="05000000000000000000" pitchFamily="2" charset="2"/>
-              <a:buChar char="§"/>
-            </a:pPr>
-            <a:r>
-              <a:rPr lang="en-US" altLang="ko-KR" sz="2400" dirty="0">
-                <a:latin typeface="한컴 말랑말랑 Bold" panose="020F0803000000000000" pitchFamily="50" charset="-127"/>
-                <a:ea typeface="한컴 말랑말랑 Bold" panose="020F0803000000000000" pitchFamily="50" charset="-127"/>
-              </a:rPr>
-              <a:t>1P</a:t>
-            </a:r>
-          </a:p>
-          <a:p>
-            <a:pPr indent="-228600" latinLnBrk="0">
-              <a:lnSpc>
-                <a:spcPct val="150000"/>
-              </a:lnSpc>
-              <a:spcAft>
-                <a:spcPts val="600"/>
-              </a:spcAft>
-              <a:buFont typeface="Arial" panose="020B0604020202020204" pitchFamily="34" charset="0"/>
-              <a:buChar char="•"/>
-            </a:pPr>
-            <a:endParaRPr lang="en-US" altLang="ko-KR" sz="2400" dirty="0">
-              <a:latin typeface="한컴 말랑말랑 Bold" panose="020F0803000000000000" pitchFamily="50" charset="-127"/>
-              <a:ea typeface="한컴 말랑말랑 Bold" panose="020F0803000000000000" pitchFamily="50" charset="-127"/>
-            </a:endParaRPr>
-          </a:p>
-        </p:txBody>
-      </p:sp>
-      <p:pic>
-        <p:nvPicPr>
-          <p:cNvPr id="15" name="그림 14" descr="텍스트, 폰트, 화이트, 그래픽이(가) 표시된 사진&#10;&#10;자동 생성된 설명">
-            <a:extLst>
-              <a:ext uri="{FF2B5EF4-FFF2-40B4-BE49-F238E27FC236}">
-                <a16:creationId xmlns:a16="http://schemas.microsoft.com/office/drawing/2014/main" id="{82D6DED0-FA2F-3D02-24E2-CC7BB210211E}"/>
-              </a:ext>
-            </a:extLst>
-          </p:cNvPr>
-          <p:cNvPicPr>
-            <a:picLocks noChangeAspect="1"/>
-          </p:cNvPicPr>
-          <p:nvPr/>
-        </p:nvPicPr>
-        <p:blipFill rotWithShape="1">
-          <a:blip r:embed="rId3">
-            <a:extLst>
-              <a:ext uri="{28A0092B-C50C-407E-A947-70E740481C1C}">
-                <a14:useLocalDpi xmlns:a14="http://schemas.microsoft.com/office/drawing/2010/main" val="0"/>
-              </a:ext>
-            </a:extLst>
-          </a:blip>
-          <a:srcRect l="12680" t="6000" r="58248" b="50000"/>
-          <a:stretch/>
-        </p:blipFill>
-        <p:spPr>
-          <a:xfrm>
-            <a:off x="1072461" y="1721053"/>
-            <a:ext cx="2821300" cy="2134966"/>
-          </a:xfrm>
-          <a:prstGeom prst="rect">
-            <a:avLst/>
-          </a:prstGeom>
-        </p:spPr>
-      </p:pic>
-      <p:pic>
-        <p:nvPicPr>
-          <p:cNvPr id="17" name="그림 16" descr="화이트, 폰트, 디자인이(가) 표시된 사진&#10;&#10;자동 생성된 설명">
-            <a:extLst>
-              <a:ext uri="{FF2B5EF4-FFF2-40B4-BE49-F238E27FC236}">
-                <a16:creationId xmlns:a16="http://schemas.microsoft.com/office/drawing/2014/main" id="{03888E88-7332-F1E8-7562-60EA7F0EE0D4}"/>
-              </a:ext>
-            </a:extLst>
-          </p:cNvPr>
-          <p:cNvPicPr>
-            <a:picLocks noChangeAspect="1"/>
-          </p:cNvPicPr>
-          <p:nvPr/>
-        </p:nvPicPr>
-        <p:blipFill rotWithShape="1">
-          <a:blip r:embed="rId4">
-            <a:extLst>
-              <a:ext uri="{28A0092B-C50C-407E-A947-70E740481C1C}">
-                <a14:useLocalDpi xmlns:a14="http://schemas.microsoft.com/office/drawing/2010/main" val="0"/>
-              </a:ext>
-            </a:extLst>
-          </a:blip>
-          <a:srcRect l="-1" t="3362" r="76263" b="69842"/>
-          <a:stretch/>
-        </p:blipFill>
-        <p:spPr>
-          <a:xfrm>
-            <a:off x="3893740" y="1996685"/>
-            <a:ext cx="2894120" cy="1633491"/>
-          </a:xfrm>
-          <a:prstGeom prst="rect">
-            <a:avLst/>
-          </a:prstGeom>
-        </p:spPr>
-      </p:pic>
-      <p:pic>
-        <p:nvPicPr>
-          <p:cNvPr id="19" name="그림 18" descr="스케치, 그림, 화이트, 일러스트레이션이(가) 표시된 사진&#10;&#10;자동 생성된 설명">
-            <a:extLst>
-              <a:ext uri="{FF2B5EF4-FFF2-40B4-BE49-F238E27FC236}">
-                <a16:creationId xmlns:a16="http://schemas.microsoft.com/office/drawing/2014/main" id="{5F722BBC-84BC-7AD4-C60D-1E1BCBFCA06A}"/>
-              </a:ext>
-            </a:extLst>
-          </p:cNvPr>
-          <p:cNvPicPr>
-            <a:picLocks noChangeAspect="1"/>
-          </p:cNvPicPr>
-          <p:nvPr/>
-        </p:nvPicPr>
-        <p:blipFill rotWithShape="1">
-          <a:blip r:embed="rId5">
-            <a:extLst>
-              <a:ext uri="{28A0092B-C50C-407E-A947-70E740481C1C}">
-                <a14:useLocalDpi xmlns:a14="http://schemas.microsoft.com/office/drawing/2010/main" val="0"/>
-              </a:ext>
-            </a:extLst>
-          </a:blip>
-          <a:srcRect l="3428" t="2924" r="82597" b="63581"/>
-          <a:stretch/>
-        </p:blipFill>
-        <p:spPr>
-          <a:xfrm>
-            <a:off x="4305150" y="4433531"/>
-            <a:ext cx="1703754" cy="2041864"/>
-          </a:xfrm>
-          <a:prstGeom prst="rect">
-            <a:avLst/>
-          </a:prstGeom>
-        </p:spPr>
-      </p:pic>
-      <p:sp>
-        <p:nvSpPr>
-          <p:cNvPr id="20" name="TextBox 19">
-            <a:extLst>
-              <a:ext uri="{FF2B5EF4-FFF2-40B4-BE49-F238E27FC236}">
-                <a16:creationId xmlns:a16="http://schemas.microsoft.com/office/drawing/2014/main" id="{469E8CAE-C49E-48F3-8FE3-9A85BE89CF66}"/>
-              </a:ext>
-            </a:extLst>
-          </p:cNvPr>
-          <p:cNvSpPr txBox="1"/>
-          <p:nvPr/>
-        </p:nvSpPr>
-        <p:spPr>
-          <a:xfrm>
-            <a:off x="7333251" y="1961173"/>
-            <a:ext cx="3558301" cy="2539157"/>
-          </a:xfrm>
-          <a:prstGeom prst="rect">
-            <a:avLst/>
-          </a:prstGeom>
-          <a:noFill/>
-        </p:spPr>
-        <p:txBody>
-          <a:bodyPr wrap="square" rtlCol="0">
-            <a:spAutoFit/>
-          </a:bodyPr>
-          <a:lstStyle/>
-          <a:p>
-            <a:pPr marL="228600" lvl="1" latinLnBrk="0">
-              <a:lnSpc>
-                <a:spcPct val="150000"/>
-              </a:lnSpc>
-              <a:spcAft>
-                <a:spcPts val="600"/>
-              </a:spcAft>
-            </a:pPr>
-            <a:r>
-              <a:rPr lang="ko-KR" altLang="en-US" sz="2400" dirty="0">
-                <a:latin typeface="한컴 말랑말랑 Bold" panose="020F0803000000000000" pitchFamily="50" charset="-127"/>
-                <a:ea typeface="한컴 말랑말랑 Bold" panose="020F0803000000000000" pitchFamily="50" charset="-127"/>
-              </a:rPr>
-              <a:t>이동 </a:t>
-            </a:r>
-            <a:r>
-              <a:rPr lang="en-US" altLang="ko-KR" sz="2400" dirty="0">
-                <a:latin typeface="한컴 말랑말랑 Bold" panose="020F0803000000000000" pitchFamily="50" charset="-127"/>
-                <a:ea typeface="한컴 말랑말랑 Bold" panose="020F0803000000000000" pitchFamily="50" charset="-127"/>
-              </a:rPr>
-              <a:t>: W/A/S/D</a:t>
-            </a:r>
-          </a:p>
-          <a:p>
-            <a:pPr marL="228600" lvl="1" latinLnBrk="0">
-              <a:lnSpc>
-                <a:spcPct val="150000"/>
-              </a:lnSpc>
-              <a:spcAft>
-                <a:spcPts val="600"/>
-              </a:spcAft>
-            </a:pPr>
-            <a:r>
-              <a:rPr lang="ko-KR" altLang="en-US" sz="2400" dirty="0">
-                <a:latin typeface="한컴 말랑말랑 Bold" panose="020F0803000000000000" pitchFamily="50" charset="-127"/>
-                <a:ea typeface="한컴 말랑말랑 Bold" panose="020F0803000000000000" pitchFamily="50" charset="-127"/>
-              </a:rPr>
-              <a:t>특수키 </a:t>
-            </a:r>
-            <a:r>
-              <a:rPr lang="en-US" altLang="ko-KR" sz="2400" dirty="0">
-                <a:latin typeface="한컴 말랑말랑 Bold" panose="020F0803000000000000" pitchFamily="50" charset="-127"/>
-                <a:ea typeface="한컴 말랑말랑 Bold" panose="020F0803000000000000" pitchFamily="50" charset="-127"/>
-              </a:rPr>
-              <a:t>: Space</a:t>
-            </a:r>
-            <a:br>
-              <a:rPr lang="en-US" altLang="ko-KR" sz="1800" dirty="0">
-                <a:latin typeface="한컴 말랑말랑 Bold" panose="020F0803000000000000" pitchFamily="50" charset="-127"/>
-                <a:ea typeface="한컴 말랑말랑 Bold" panose="020F0803000000000000" pitchFamily="50" charset="-127"/>
-              </a:rPr>
-            </a:br>
-            <a:r>
-              <a:rPr lang="en-US" altLang="ko-KR" sz="1800" dirty="0">
-                <a:latin typeface="한컴 말랑말랑 Bold" panose="020F0803000000000000" pitchFamily="50" charset="-127"/>
-                <a:ea typeface="한컴 말랑말랑 Bold" panose="020F0803000000000000" pitchFamily="50" charset="-127"/>
-              </a:rPr>
-              <a:t>	</a:t>
-            </a:r>
-          </a:p>
-          <a:p>
-            <a:pPr marL="228600" lvl="1" latinLnBrk="0">
-              <a:lnSpc>
-                <a:spcPct val="150000"/>
-              </a:lnSpc>
-              <a:spcAft>
-                <a:spcPts val="600"/>
-              </a:spcAft>
-            </a:pPr>
-            <a:endParaRPr lang="en-US" altLang="ko-KR" sz="1800" dirty="0">
-              <a:latin typeface="한컴 말랑말랑 Bold" panose="020F0803000000000000" pitchFamily="50" charset="-127"/>
-              <a:ea typeface="한컴 말랑말랑 Bold" panose="020F0803000000000000" pitchFamily="50" charset="-127"/>
-            </a:endParaRPr>
-          </a:p>
-          <a:p>
-            <a:endParaRPr lang="ko-KR" altLang="en-US" dirty="0"/>
-          </a:p>
-        </p:txBody>
-      </p:sp>
-      <p:sp>
-        <p:nvSpPr>
-          <p:cNvPr id="21" name="TextBox 20">
-            <a:extLst>
-              <a:ext uri="{FF2B5EF4-FFF2-40B4-BE49-F238E27FC236}">
-                <a16:creationId xmlns:a16="http://schemas.microsoft.com/office/drawing/2014/main" id="{EBFF9441-2825-206A-FA14-54193F2D1391}"/>
-              </a:ext>
-            </a:extLst>
-          </p:cNvPr>
-          <p:cNvSpPr txBox="1"/>
-          <p:nvPr/>
-        </p:nvSpPr>
-        <p:spPr>
-          <a:xfrm>
-            <a:off x="7333251" y="4526964"/>
-            <a:ext cx="3558301" cy="2539157"/>
-          </a:xfrm>
-          <a:prstGeom prst="rect">
-            <a:avLst/>
-          </a:prstGeom>
-          <a:noFill/>
-        </p:spPr>
-        <p:txBody>
-          <a:bodyPr wrap="square" rtlCol="0">
-            <a:spAutoFit/>
-          </a:bodyPr>
-          <a:lstStyle/>
-          <a:p>
-            <a:pPr marL="228600" lvl="1" latinLnBrk="0">
-              <a:lnSpc>
-                <a:spcPct val="150000"/>
-              </a:lnSpc>
-              <a:spcAft>
-                <a:spcPts val="600"/>
-              </a:spcAft>
-            </a:pPr>
-            <a:r>
-              <a:rPr lang="ko-KR" altLang="en-US" sz="2400" dirty="0">
-                <a:latin typeface="한컴 말랑말랑 Bold" panose="020F0803000000000000" pitchFamily="50" charset="-127"/>
-                <a:ea typeface="한컴 말랑말랑 Bold" panose="020F0803000000000000" pitchFamily="50" charset="-127"/>
-              </a:rPr>
-              <a:t>이동 </a:t>
-            </a:r>
-            <a:r>
-              <a:rPr lang="en-US" altLang="ko-KR" sz="2400" dirty="0">
-                <a:latin typeface="한컴 말랑말랑 Bold" panose="020F0803000000000000" pitchFamily="50" charset="-127"/>
-                <a:ea typeface="한컴 말랑말랑 Bold" panose="020F0803000000000000" pitchFamily="50" charset="-127"/>
-              </a:rPr>
-              <a:t>: </a:t>
-            </a:r>
-            <a:r>
-              <a:rPr lang="ko-KR" altLang="en-US" sz="2400" dirty="0">
-                <a:latin typeface="한컴 말랑말랑 Bold" panose="020F0803000000000000" pitchFamily="50" charset="-127"/>
-                <a:ea typeface="한컴 말랑말랑 Bold" panose="020F0803000000000000" pitchFamily="50" charset="-127"/>
-              </a:rPr>
-              <a:t>상하좌우 키</a:t>
-            </a:r>
-            <a:endParaRPr lang="en-US" altLang="ko-KR" sz="2400" dirty="0">
-              <a:latin typeface="한컴 말랑말랑 Bold" panose="020F0803000000000000" pitchFamily="50" charset="-127"/>
-              <a:ea typeface="한컴 말랑말랑 Bold" panose="020F0803000000000000" pitchFamily="50" charset="-127"/>
-            </a:endParaRPr>
-          </a:p>
-          <a:p>
-            <a:pPr marL="228600" lvl="1" latinLnBrk="0">
-              <a:lnSpc>
-                <a:spcPct val="150000"/>
-              </a:lnSpc>
-              <a:spcAft>
-                <a:spcPts val="600"/>
-              </a:spcAft>
-            </a:pPr>
-            <a:r>
-              <a:rPr lang="ko-KR" altLang="en-US" sz="2400" dirty="0">
-                <a:latin typeface="한컴 말랑말랑 Bold" panose="020F0803000000000000" pitchFamily="50" charset="-127"/>
-                <a:ea typeface="한컴 말랑말랑 Bold" panose="020F0803000000000000" pitchFamily="50" charset="-127"/>
-              </a:rPr>
-              <a:t>특수키 </a:t>
-            </a:r>
-            <a:r>
-              <a:rPr lang="en-US" altLang="ko-KR" sz="2400" dirty="0">
-                <a:latin typeface="한컴 말랑말랑 Bold" panose="020F0803000000000000" pitchFamily="50" charset="-127"/>
-                <a:ea typeface="한컴 말랑말랑 Bold" panose="020F0803000000000000" pitchFamily="50" charset="-127"/>
-              </a:rPr>
-              <a:t>: Enter</a:t>
-            </a:r>
-            <a:br>
-              <a:rPr lang="en-US" altLang="ko-KR" sz="1800" dirty="0">
-                <a:latin typeface="한컴 말랑말랑 Bold" panose="020F0803000000000000" pitchFamily="50" charset="-127"/>
-                <a:ea typeface="한컴 말랑말랑 Bold" panose="020F0803000000000000" pitchFamily="50" charset="-127"/>
-              </a:rPr>
-            </a:br>
-            <a:r>
-              <a:rPr lang="en-US" altLang="ko-KR" sz="1800" dirty="0">
-                <a:latin typeface="한컴 말랑말랑 Bold" panose="020F0803000000000000" pitchFamily="50" charset="-127"/>
-                <a:ea typeface="한컴 말랑말랑 Bold" panose="020F0803000000000000" pitchFamily="50" charset="-127"/>
-              </a:rPr>
-              <a:t>	</a:t>
-            </a:r>
-          </a:p>
-          <a:p>
-            <a:pPr marL="228600" lvl="1" latinLnBrk="0">
-              <a:lnSpc>
-                <a:spcPct val="150000"/>
-              </a:lnSpc>
-              <a:spcAft>
-                <a:spcPts val="600"/>
-              </a:spcAft>
-            </a:pPr>
-            <a:endParaRPr lang="en-US" altLang="ko-KR" sz="1800" dirty="0">
-              <a:latin typeface="한컴 말랑말랑 Bold" panose="020F0803000000000000" pitchFamily="50" charset="-127"/>
-              <a:ea typeface="한컴 말랑말랑 Bold" panose="020F0803000000000000" pitchFamily="50" charset="-127"/>
-            </a:endParaRPr>
-          </a:p>
-          <a:p>
-            <a:endParaRPr lang="ko-KR" altLang="en-US" dirty="0"/>
-          </a:p>
-        </p:txBody>
-      </p:sp>
-    </p:spTree>
-    <p:extLst>
-      <p:ext uri="{BB962C8B-B14F-4D97-AF65-F5344CB8AC3E}">
-        <p14:creationId xmlns:p14="http://schemas.microsoft.com/office/powerpoint/2010/main" val="1076653964"/>
-      </p:ext>
-    </p:extLst>
-  </p:cSld>
-  <p:clrMapOvr>
-    <a:masterClrMapping/>
-  </p:clrMapOvr>
-</p:sld>
-</file>
-
-<file path=ppt/slides/slide5.xml><?xml version="1.0" encoding="utf-8"?>
-<p:sld xmlns:a="http://schemas.openxmlformats.org/drawingml/2006/main" xmlns:r="http://schemas.openxmlformats.org/officeDocument/2006/relationships" xmlns:p="http://schemas.openxmlformats.org/presentationml/2006/main">
-  <p:cSld>
-    <p:spTree>
-      <p:nvGrpSpPr>
-        <p:cNvPr id="1" name=""/>
-        <p:cNvGrpSpPr/>
-        <p:nvPr/>
-      </p:nvGrpSpPr>
-      <p:grpSpPr>
-        <a:xfrm>
-          <a:off x="0" y="0"/>
-          <a:ext cx="0" cy="0"/>
-          <a:chOff x="0" y="0"/>
-          <a:chExt cx="0" cy="0"/>
-        </a:xfrm>
-      </p:grpSpPr>
-      <p:sp>
-        <p:nvSpPr>
-          <p:cNvPr id="4" name="직사각형 3">
-            <a:extLst>
-              <a:ext uri="{FF2B5EF4-FFF2-40B4-BE49-F238E27FC236}">
-                <a16:creationId xmlns:a16="http://schemas.microsoft.com/office/drawing/2014/main" id="{1E2B8156-2125-54D6-204E-98BA03835F4B}"/>
-              </a:ext>
-            </a:extLst>
-          </p:cNvPr>
-          <p:cNvSpPr/>
-          <p:nvPr/>
-        </p:nvSpPr>
-        <p:spPr>
-          <a:xfrm>
-            <a:off x="418009" y="853440"/>
-            <a:ext cx="539934" cy="78377"/>
-          </a:xfrm>
-          <a:prstGeom prst="rect">
-            <a:avLst/>
-          </a:prstGeom>
-          <a:ln>
-            <a:solidFill>
-              <a:schemeClr val="accent2"/>
-            </a:solidFill>
-          </a:ln>
-        </p:spPr>
-        <p:style>
-          <a:lnRef idx="2">
-            <a:schemeClr val="accent2">
-              <a:shade val="15000"/>
-            </a:schemeClr>
-          </a:lnRef>
-          <a:fillRef idx="1">
-            <a:schemeClr val="accent2"/>
-          </a:fillRef>
-          <a:effectRef idx="0">
-            <a:schemeClr val="accent2"/>
-          </a:effectRef>
-          <a:fontRef idx="minor">
-            <a:schemeClr val="lt1"/>
-          </a:fontRef>
-        </p:style>
-        <p:txBody>
-          <a:bodyPr rtlCol="0" anchor="ctr"/>
-          <a:lstStyle/>
-          <a:p>
-            <a:pPr algn="ctr"/>
-            <a:endParaRPr lang="ko-KR" altLang="en-US"/>
-          </a:p>
-        </p:txBody>
-      </p:sp>
-      <p:sp>
-        <p:nvSpPr>
-          <p:cNvPr id="2" name="TextBox 1">
-            <a:extLst>
-              <a:ext uri="{FF2B5EF4-FFF2-40B4-BE49-F238E27FC236}">
-                <a16:creationId xmlns:a16="http://schemas.microsoft.com/office/drawing/2014/main" id="{21BF673A-FA4B-89B4-D3C1-3BF0F4F02700}"/>
-              </a:ext>
-            </a:extLst>
-          </p:cNvPr>
-          <p:cNvSpPr txBox="1"/>
-          <p:nvPr/>
-        </p:nvSpPr>
-        <p:spPr>
-          <a:xfrm>
-            <a:off x="318840" y="183997"/>
-            <a:ext cx="2737866" cy="535531"/>
-          </a:xfrm>
-          <a:prstGeom prst="rect">
-            <a:avLst/>
-          </a:prstGeom>
-          <a:noFill/>
-        </p:spPr>
-        <p:txBody>
-          <a:bodyPr wrap="square" rtlCol="0">
-            <a:spAutoFit/>
-          </a:bodyPr>
-          <a:lstStyle/>
-          <a:p>
-            <a:pPr latinLnBrk="0">
-              <a:lnSpc>
-                <a:spcPct val="90000"/>
-              </a:lnSpc>
-              <a:spcAft>
-                <a:spcPts val="600"/>
-              </a:spcAft>
-            </a:pPr>
-            <a:r>
-              <a:rPr lang="ko-KR" altLang="en-US" sz="3200" dirty="0">
-                <a:latin typeface="한컴 말랑말랑 Bold" panose="020F0803000000000000" pitchFamily="50" charset="-127"/>
-                <a:ea typeface="한컴 말랑말랑 Bold" panose="020F0803000000000000" pitchFamily="50" charset="-127"/>
-              </a:rPr>
-              <a:t>예상 게임 흐름</a:t>
-            </a:r>
-          </a:p>
-        </p:txBody>
-      </p:sp>
-      <p:sp>
-        <p:nvSpPr>
-          <p:cNvPr id="13" name="TextBox 12">
-            <a:extLst>
-              <a:ext uri="{FF2B5EF4-FFF2-40B4-BE49-F238E27FC236}">
-                <a16:creationId xmlns:a16="http://schemas.microsoft.com/office/drawing/2014/main" id="{B4E3ADDD-F63A-4C75-885B-BD17BC3E70E5}"/>
-              </a:ext>
-            </a:extLst>
-          </p:cNvPr>
-          <p:cNvSpPr txBox="1"/>
-          <p:nvPr/>
-        </p:nvSpPr>
-        <p:spPr>
-          <a:xfrm>
-            <a:off x="318840" y="1193211"/>
-            <a:ext cx="2060376" cy="800797"/>
-          </a:xfrm>
-          <a:prstGeom prst="rect">
-            <a:avLst/>
-          </a:prstGeom>
-        </p:spPr>
-        <p:txBody>
-          <a:bodyPr vert="horz" lIns="91440" tIns="45720" rIns="91440" bIns="45720" rtlCol="0" anchor="t">
-            <a:normAutofit/>
-          </a:bodyPr>
-          <a:lstStyle/>
-          <a:p>
-            <a:pPr marL="114300" indent="-342900" latinLnBrk="0">
-              <a:lnSpc>
-                <a:spcPct val="150000"/>
-              </a:lnSpc>
-              <a:spcAft>
-                <a:spcPts val="600"/>
-              </a:spcAft>
-              <a:buFont typeface="Wingdings" panose="05000000000000000000" pitchFamily="2" charset="2"/>
-              <a:buChar char="§"/>
-            </a:pPr>
-            <a:r>
-              <a:rPr lang="ko-KR" altLang="en-US" sz="2400" dirty="0">
-                <a:latin typeface="한컴 말랑말랑 Bold" panose="020F0803000000000000" pitchFamily="50" charset="-127"/>
-                <a:ea typeface="한컴 말랑말랑 Bold" panose="020F0803000000000000" pitchFamily="50" charset="-127"/>
-              </a:rPr>
-              <a:t>특수키 활용</a:t>
-            </a:r>
-            <a:endParaRPr lang="en-US" altLang="ko-KR" sz="2400" dirty="0">
-              <a:latin typeface="한컴 말랑말랑 Bold" panose="020F0803000000000000" pitchFamily="50" charset="-127"/>
-              <a:ea typeface="한컴 말랑말랑 Bold" panose="020F0803000000000000" pitchFamily="50" charset="-127"/>
-            </a:endParaRPr>
-          </a:p>
-          <a:p>
-            <a:pPr latinLnBrk="0">
-              <a:lnSpc>
-                <a:spcPct val="150000"/>
-              </a:lnSpc>
-              <a:spcAft>
-                <a:spcPts val="600"/>
-              </a:spcAft>
-            </a:pPr>
-            <a:endParaRPr lang="en-US" altLang="ko-KR" sz="2400" dirty="0">
-              <a:latin typeface="한컴 말랑말랑 Bold" panose="020F0803000000000000" pitchFamily="50" charset="-127"/>
-              <a:ea typeface="한컴 말랑말랑 Bold" panose="020F0803000000000000" pitchFamily="50" charset="-127"/>
-            </a:endParaRPr>
-          </a:p>
-        </p:txBody>
-      </p:sp>
-      <p:pic>
-        <p:nvPicPr>
-          <p:cNvPr id="5" name="그림 4" descr="스크린샷, 아동 미술, 하늘, 만화 영화이(가) 표시된 사진&#10;&#10;자동 생성된 설명">
-            <a:extLst>
-              <a:ext uri="{FF2B5EF4-FFF2-40B4-BE49-F238E27FC236}">
-                <a16:creationId xmlns:a16="http://schemas.microsoft.com/office/drawing/2014/main" id="{0554B163-6684-E4DF-CC43-0FE38181A896}"/>
-              </a:ext>
-            </a:extLst>
-          </p:cNvPr>
-          <p:cNvPicPr>
-            <a:picLocks noChangeAspect="1"/>
-          </p:cNvPicPr>
-          <p:nvPr/>
-        </p:nvPicPr>
-        <p:blipFill>
-          <a:blip r:embed="rId2">
-            <a:extLst>
-              <a:ext uri="{28A0092B-C50C-407E-A947-70E740481C1C}">
-                <a14:useLocalDpi xmlns:a14="http://schemas.microsoft.com/office/drawing/2010/main" val="0"/>
-              </a:ext>
-            </a:extLst>
-          </a:blip>
-          <a:stretch>
-            <a:fillRect/>
-          </a:stretch>
-        </p:blipFill>
-        <p:spPr>
-          <a:xfrm>
-            <a:off x="687976" y="2255402"/>
-            <a:ext cx="5050247" cy="3553230"/>
-          </a:xfrm>
-          <a:prstGeom prst="rect">
-            <a:avLst/>
-          </a:prstGeom>
-        </p:spPr>
-      </p:pic>
-      <p:sp>
-        <p:nvSpPr>
-          <p:cNvPr id="7" name="TextBox 6">
-            <a:extLst>
-              <a:ext uri="{FF2B5EF4-FFF2-40B4-BE49-F238E27FC236}">
-                <a16:creationId xmlns:a16="http://schemas.microsoft.com/office/drawing/2014/main" id="{81B56450-BAC6-6D0C-2C1A-AFC6F71929D6}"/>
-              </a:ext>
-            </a:extLst>
-          </p:cNvPr>
-          <p:cNvSpPr txBox="1"/>
-          <p:nvPr/>
-        </p:nvSpPr>
-        <p:spPr>
-          <a:xfrm>
-            <a:off x="6587931" y="2386068"/>
-            <a:ext cx="4983480" cy="4045800"/>
-          </a:xfrm>
-          <a:prstGeom prst="rect">
-            <a:avLst/>
-          </a:prstGeom>
-        </p:spPr>
-        <p:txBody>
-          <a:bodyPr vert="horz" lIns="91440" tIns="45720" rIns="91440" bIns="45720" rtlCol="0" anchor="t">
-            <a:normAutofit/>
-          </a:bodyPr>
-          <a:lstStyle/>
-          <a:p>
-            <a:pPr indent="-228600" latinLnBrk="0">
-              <a:lnSpc>
-                <a:spcPct val="150000"/>
-              </a:lnSpc>
-              <a:spcAft>
-                <a:spcPts val="600"/>
-              </a:spcAft>
-              <a:buFont typeface="Arial" panose="020B0604020202020204" pitchFamily="34" charset="0"/>
-              <a:buChar char="•"/>
-            </a:pPr>
-            <a:r>
-              <a:rPr lang="ko-KR" altLang="en-US" sz="2400" dirty="0" err="1">
-                <a:latin typeface="한컴 말랑말랑 Bold" panose="020F0803000000000000" pitchFamily="50" charset="-127"/>
-                <a:ea typeface="한컴 말랑말랑 Bold" panose="020F0803000000000000" pitchFamily="50" charset="-127"/>
-              </a:rPr>
-              <a:t>피카츄가</a:t>
-            </a:r>
-            <a:r>
-              <a:rPr lang="ko-KR" altLang="en-US" sz="2400" dirty="0">
-                <a:latin typeface="한컴 말랑말랑 Bold" panose="020F0803000000000000" pitchFamily="50" charset="-127"/>
-                <a:ea typeface="한컴 말랑말랑 Bold" panose="020F0803000000000000" pitchFamily="50" charset="-127"/>
-              </a:rPr>
-              <a:t> 땅에 서 있는 채로 방향키</a:t>
-            </a:r>
-            <a:r>
-              <a:rPr lang="en-US" altLang="ko-KR" sz="2400" dirty="0">
-                <a:latin typeface="한컴 말랑말랑 Bold" panose="020F0803000000000000" pitchFamily="50" charset="-127"/>
-                <a:ea typeface="한컴 말랑말랑 Bold" panose="020F0803000000000000" pitchFamily="50" charset="-127"/>
-              </a:rPr>
-              <a:t>+</a:t>
-            </a:r>
-            <a:r>
-              <a:rPr lang="ko-KR" altLang="en-US" sz="2400" dirty="0">
-                <a:latin typeface="한컴 말랑말랑 Bold" panose="020F0803000000000000" pitchFamily="50" charset="-127"/>
-                <a:ea typeface="한컴 말랑말랑 Bold" panose="020F0803000000000000" pitchFamily="50" charset="-127"/>
-              </a:rPr>
-              <a:t>특수키를 누르면 해당 방향을 향해 </a:t>
-            </a:r>
-            <a:r>
-              <a:rPr lang="ko-KR" altLang="en-US" sz="2400" dirty="0" err="1">
-                <a:latin typeface="한컴 말랑말랑 Bold" panose="020F0803000000000000" pitchFamily="50" charset="-127"/>
-                <a:ea typeface="한컴 말랑말랑 Bold" panose="020F0803000000000000" pitchFamily="50" charset="-127"/>
-              </a:rPr>
-              <a:t>피카츄가</a:t>
-            </a:r>
-            <a:r>
-              <a:rPr lang="ko-KR" altLang="en-US" sz="2400" dirty="0">
-                <a:latin typeface="한컴 말랑말랑 Bold" panose="020F0803000000000000" pitchFamily="50" charset="-127"/>
-                <a:ea typeface="한컴 말랑말랑 Bold" panose="020F0803000000000000" pitchFamily="50" charset="-127"/>
-              </a:rPr>
-              <a:t> 슬라이딩 하면서 수비하게 됩니다</a:t>
-            </a:r>
-            <a:r>
-              <a:rPr lang="en-US" altLang="ko-KR" sz="2400" dirty="0">
-                <a:latin typeface="한컴 말랑말랑 Bold" panose="020F0803000000000000" pitchFamily="50" charset="-127"/>
-                <a:ea typeface="한컴 말랑말랑 Bold" panose="020F0803000000000000" pitchFamily="50" charset="-127"/>
-              </a:rPr>
-              <a:t>.</a:t>
-            </a:r>
-          </a:p>
-        </p:txBody>
-      </p:sp>
-    </p:spTree>
-    <p:extLst>
-      <p:ext uri="{BB962C8B-B14F-4D97-AF65-F5344CB8AC3E}">
-        <p14:creationId xmlns:p14="http://schemas.microsoft.com/office/powerpoint/2010/main" val="1932529950"/>
-      </p:ext>
-    </p:extLst>
-  </p:cSld>
-  <p:clrMapOvr>
-    <a:masterClrMapping/>
-  </p:clrMapOvr>
-</p:sld>
-</file>
-
-<file path=ppt/slides/slide6.xml><?xml version="1.0" encoding="utf-8"?>
-<p:sld xmlns:a="http://schemas.openxmlformats.org/drawingml/2006/main" xmlns:r="http://schemas.openxmlformats.org/officeDocument/2006/relationships" xmlns:p="http://schemas.openxmlformats.org/presentationml/2006/main">
-  <p:cSld>
-    <p:spTree>
-      <p:nvGrpSpPr>
-        <p:cNvPr id="1" name=""/>
-        <p:cNvGrpSpPr/>
-        <p:nvPr/>
-      </p:nvGrpSpPr>
-      <p:grpSpPr>
-        <a:xfrm>
-          <a:off x="0" y="0"/>
-          <a:ext cx="0" cy="0"/>
-          <a:chOff x="0" y="0"/>
-          <a:chExt cx="0" cy="0"/>
-        </a:xfrm>
-      </p:grpSpPr>
-      <p:sp>
-        <p:nvSpPr>
-          <p:cNvPr id="4" name="직사각형 3">
-            <a:extLst>
-              <a:ext uri="{FF2B5EF4-FFF2-40B4-BE49-F238E27FC236}">
-                <a16:creationId xmlns:a16="http://schemas.microsoft.com/office/drawing/2014/main" id="{1E2B8156-2125-54D6-204E-98BA03835F4B}"/>
-              </a:ext>
-            </a:extLst>
-          </p:cNvPr>
-          <p:cNvSpPr/>
-          <p:nvPr/>
-        </p:nvSpPr>
-        <p:spPr>
-          <a:xfrm>
-            <a:off x="418009" y="853440"/>
-            <a:ext cx="539934" cy="78377"/>
-          </a:xfrm>
-          <a:prstGeom prst="rect">
-            <a:avLst/>
-          </a:prstGeom>
-          <a:ln>
-            <a:solidFill>
-              <a:schemeClr val="accent2"/>
-            </a:solidFill>
-          </a:ln>
-        </p:spPr>
-        <p:style>
-          <a:lnRef idx="2">
-            <a:schemeClr val="accent2">
-              <a:shade val="15000"/>
-            </a:schemeClr>
-          </a:lnRef>
-          <a:fillRef idx="1">
-            <a:schemeClr val="accent2"/>
-          </a:fillRef>
-          <a:effectRef idx="0">
-            <a:schemeClr val="accent2"/>
-          </a:effectRef>
-          <a:fontRef idx="minor">
-            <a:schemeClr val="lt1"/>
-          </a:fontRef>
-        </p:style>
-        <p:txBody>
-          <a:bodyPr rtlCol="0" anchor="ctr"/>
-          <a:lstStyle/>
-          <a:p>
-            <a:pPr algn="ctr"/>
-            <a:endParaRPr lang="ko-KR" altLang="en-US"/>
-          </a:p>
-        </p:txBody>
-      </p:sp>
-      <p:sp>
-        <p:nvSpPr>
-          <p:cNvPr id="2" name="TextBox 1">
-            <a:extLst>
-              <a:ext uri="{FF2B5EF4-FFF2-40B4-BE49-F238E27FC236}">
-                <a16:creationId xmlns:a16="http://schemas.microsoft.com/office/drawing/2014/main" id="{21BF673A-FA4B-89B4-D3C1-3BF0F4F02700}"/>
-              </a:ext>
-            </a:extLst>
-          </p:cNvPr>
-          <p:cNvSpPr txBox="1"/>
-          <p:nvPr/>
-        </p:nvSpPr>
-        <p:spPr>
-          <a:xfrm>
-            <a:off x="318840" y="183997"/>
-            <a:ext cx="2737866" cy="535531"/>
-          </a:xfrm>
-          <a:prstGeom prst="rect">
-            <a:avLst/>
-          </a:prstGeom>
-          <a:noFill/>
-        </p:spPr>
-        <p:txBody>
-          <a:bodyPr wrap="square" rtlCol="0">
-            <a:spAutoFit/>
-          </a:bodyPr>
-          <a:lstStyle/>
-          <a:p>
-            <a:pPr latinLnBrk="0">
-              <a:lnSpc>
-                <a:spcPct val="90000"/>
-              </a:lnSpc>
-              <a:spcAft>
-                <a:spcPts val="600"/>
-              </a:spcAft>
-            </a:pPr>
-            <a:r>
-              <a:rPr lang="ko-KR" altLang="en-US" sz="3200" dirty="0">
-                <a:latin typeface="한컴 말랑말랑 Bold" panose="020F0803000000000000" pitchFamily="50" charset="-127"/>
-                <a:ea typeface="한컴 말랑말랑 Bold" panose="020F0803000000000000" pitchFamily="50" charset="-127"/>
-              </a:rPr>
-              <a:t>예상 게임 흐름</a:t>
-            </a:r>
-          </a:p>
-        </p:txBody>
-      </p:sp>
-      <p:sp>
-        <p:nvSpPr>
-          <p:cNvPr id="13" name="TextBox 12">
-            <a:extLst>
-              <a:ext uri="{FF2B5EF4-FFF2-40B4-BE49-F238E27FC236}">
-                <a16:creationId xmlns:a16="http://schemas.microsoft.com/office/drawing/2014/main" id="{B4E3ADDD-F63A-4C75-885B-BD17BC3E70E5}"/>
-              </a:ext>
-            </a:extLst>
-          </p:cNvPr>
-          <p:cNvSpPr txBox="1"/>
-          <p:nvPr/>
-        </p:nvSpPr>
-        <p:spPr>
-          <a:xfrm>
-            <a:off x="318840" y="1193211"/>
-            <a:ext cx="2060376" cy="800797"/>
-          </a:xfrm>
-          <a:prstGeom prst="rect">
-            <a:avLst/>
-          </a:prstGeom>
-        </p:spPr>
-        <p:txBody>
-          <a:bodyPr vert="horz" lIns="91440" tIns="45720" rIns="91440" bIns="45720" rtlCol="0" anchor="t">
-            <a:normAutofit/>
-          </a:bodyPr>
-          <a:lstStyle/>
-          <a:p>
-            <a:pPr marL="114300" indent="-342900" latinLnBrk="0">
-              <a:lnSpc>
-                <a:spcPct val="150000"/>
-              </a:lnSpc>
-              <a:spcAft>
-                <a:spcPts val="600"/>
-              </a:spcAft>
-              <a:buFont typeface="Wingdings" panose="05000000000000000000" pitchFamily="2" charset="2"/>
-              <a:buChar char="§"/>
-            </a:pPr>
-            <a:r>
-              <a:rPr lang="ko-KR" altLang="en-US" sz="2400" dirty="0">
-                <a:latin typeface="한컴 말랑말랑 Bold" panose="020F0803000000000000" pitchFamily="50" charset="-127"/>
-                <a:ea typeface="한컴 말랑말랑 Bold" panose="020F0803000000000000" pitchFamily="50" charset="-127"/>
-              </a:rPr>
-              <a:t>특수키 활용</a:t>
-            </a:r>
-            <a:endParaRPr lang="en-US" altLang="ko-KR" sz="2400" dirty="0">
-              <a:latin typeface="한컴 말랑말랑 Bold" panose="020F0803000000000000" pitchFamily="50" charset="-127"/>
-              <a:ea typeface="한컴 말랑말랑 Bold" panose="020F0803000000000000" pitchFamily="50" charset="-127"/>
-            </a:endParaRPr>
-          </a:p>
-          <a:p>
-            <a:pPr latinLnBrk="0">
-              <a:lnSpc>
-                <a:spcPct val="150000"/>
-              </a:lnSpc>
-              <a:spcAft>
-                <a:spcPts val="600"/>
-              </a:spcAft>
-            </a:pPr>
-            <a:endParaRPr lang="en-US" altLang="ko-KR" sz="2400" dirty="0">
-              <a:latin typeface="한컴 말랑말랑 Bold" panose="020F0803000000000000" pitchFamily="50" charset="-127"/>
-              <a:ea typeface="한컴 말랑말랑 Bold" panose="020F0803000000000000" pitchFamily="50" charset="-127"/>
-            </a:endParaRPr>
-          </a:p>
-        </p:txBody>
-      </p:sp>
-      <p:sp>
-        <p:nvSpPr>
-          <p:cNvPr id="7" name="TextBox 6">
-            <a:extLst>
-              <a:ext uri="{FF2B5EF4-FFF2-40B4-BE49-F238E27FC236}">
-                <a16:creationId xmlns:a16="http://schemas.microsoft.com/office/drawing/2014/main" id="{81B56450-BAC6-6D0C-2C1A-AFC6F71929D6}"/>
-              </a:ext>
-            </a:extLst>
-          </p:cNvPr>
-          <p:cNvSpPr txBox="1"/>
-          <p:nvPr/>
-        </p:nvSpPr>
-        <p:spPr>
-          <a:xfrm>
-            <a:off x="6596809" y="2370813"/>
-            <a:ext cx="4983480" cy="4045800"/>
-          </a:xfrm>
-          <a:prstGeom prst="rect">
-            <a:avLst/>
-          </a:prstGeom>
-        </p:spPr>
-        <p:txBody>
-          <a:bodyPr vert="horz" lIns="91440" tIns="45720" rIns="91440" bIns="45720" rtlCol="0" anchor="t">
-            <a:normAutofit/>
-          </a:bodyPr>
-          <a:lstStyle/>
-          <a:p>
-            <a:pPr indent="-228600" latinLnBrk="0">
-              <a:lnSpc>
-                <a:spcPct val="150000"/>
-              </a:lnSpc>
-              <a:spcAft>
-                <a:spcPts val="600"/>
-              </a:spcAft>
-              <a:buFont typeface="Arial" panose="020B0604020202020204" pitchFamily="34" charset="0"/>
-              <a:buChar char="•"/>
-            </a:pPr>
-            <a:r>
-              <a:rPr lang="ko-KR" altLang="en-US" sz="2400" dirty="0" err="1">
-                <a:latin typeface="한컴 말랑말랑 Bold" panose="020F0803000000000000" pitchFamily="50" charset="-127"/>
-                <a:ea typeface="한컴 말랑말랑 Bold" panose="020F0803000000000000" pitchFamily="50" charset="-127"/>
-              </a:rPr>
-              <a:t>피카츄가</a:t>
-            </a:r>
-            <a:r>
-              <a:rPr lang="ko-KR" altLang="en-US" sz="2400" dirty="0">
-                <a:latin typeface="한컴 말랑말랑 Bold" panose="020F0803000000000000" pitchFamily="50" charset="-127"/>
-                <a:ea typeface="한컴 말랑말랑 Bold" panose="020F0803000000000000" pitchFamily="50" charset="-127"/>
-              </a:rPr>
-              <a:t> 점프한 상태로 특수키를 사용하면              이펙트와 함께 </a:t>
-            </a:r>
-            <a:r>
-              <a:rPr lang="ko-KR" altLang="en-US" sz="2400" dirty="0" err="1">
-                <a:latin typeface="한컴 말랑말랑 Bold" panose="020F0803000000000000" pitchFamily="50" charset="-127"/>
-                <a:ea typeface="한컴 말랑말랑 Bold" panose="020F0803000000000000" pitchFamily="50" charset="-127"/>
-              </a:rPr>
-              <a:t>몬스터볼을</a:t>
-            </a:r>
-            <a:r>
-              <a:rPr lang="ko-KR" altLang="en-US" sz="2400" dirty="0">
-                <a:latin typeface="한컴 말랑말랑 Bold" panose="020F0803000000000000" pitchFamily="50" charset="-127"/>
-                <a:ea typeface="한컴 말랑말랑 Bold" panose="020F0803000000000000" pitchFamily="50" charset="-127"/>
-              </a:rPr>
-              <a:t> 좀 더 강하게 치게 됩니다</a:t>
-            </a:r>
-            <a:r>
-              <a:rPr lang="en-US" altLang="ko-KR" sz="2400" dirty="0">
-                <a:latin typeface="한컴 말랑말랑 Bold" panose="020F0803000000000000" pitchFamily="50" charset="-127"/>
-                <a:ea typeface="한컴 말랑말랑 Bold" panose="020F0803000000000000" pitchFamily="50" charset="-127"/>
-              </a:rPr>
-              <a:t>.</a:t>
-            </a:r>
-            <a:r>
-              <a:rPr lang="ko-KR" altLang="en-US" sz="2400" dirty="0">
-                <a:latin typeface="한컴 말랑말랑 Bold" panose="020F0803000000000000" pitchFamily="50" charset="-127"/>
-                <a:ea typeface="한컴 말랑말랑 Bold" panose="020F0803000000000000" pitchFamily="50" charset="-127"/>
-              </a:rPr>
-              <a:t>  </a:t>
-            </a:r>
-            <a:endParaRPr lang="en-US" altLang="ko-KR" sz="2400" dirty="0">
-              <a:latin typeface="한컴 말랑말랑 Bold" panose="020F0803000000000000" pitchFamily="50" charset="-127"/>
-              <a:ea typeface="한컴 말랑말랑 Bold" panose="020F0803000000000000" pitchFamily="50" charset="-127"/>
-            </a:endParaRPr>
-          </a:p>
-        </p:txBody>
-      </p:sp>
-      <p:pic>
-        <p:nvPicPr>
-          <p:cNvPr id="6" name="그림 5" descr="픽셀, 별, 창의성이(가) 표시된 사진&#10;&#10;중간 신뢰도로 자동 생성된 설명">
-            <a:extLst>
-              <a:ext uri="{FF2B5EF4-FFF2-40B4-BE49-F238E27FC236}">
-                <a16:creationId xmlns:a16="http://schemas.microsoft.com/office/drawing/2014/main" id="{190AE3AF-ADA5-5CF4-851D-B9ABFD495F66}"/>
-              </a:ext>
-            </a:extLst>
-          </p:cNvPr>
-          <p:cNvPicPr>
-            <a:picLocks noChangeAspect="1"/>
-          </p:cNvPicPr>
-          <p:nvPr/>
-        </p:nvPicPr>
-        <p:blipFill>
-          <a:blip r:embed="rId2">
-            <a:extLst>
-              <a:ext uri="{BEBA8EAE-BF5A-486C-A8C5-ECC9F3942E4B}">
-                <a14:imgProps xmlns:a14="http://schemas.microsoft.com/office/drawing/2010/main">
-                  <a14:imgLayer r:embed="rId3">
-                    <a14:imgEffect>
-                      <a14:backgroundRemoval t="10000" b="90000" l="10000" r="90000"/>
-                    </a14:imgEffect>
-                  </a14:imgLayer>
-                </a14:imgProps>
-              </a:ext>
-              <a:ext uri="{28A0092B-C50C-407E-A947-70E740481C1C}">
-                <a14:useLocalDpi xmlns:a14="http://schemas.microsoft.com/office/drawing/2010/main" val="0"/>
-              </a:ext>
-            </a:extLst>
-          </a:blip>
-          <a:stretch>
-            <a:fillRect/>
-          </a:stretch>
-        </p:blipFill>
-        <p:spPr>
-          <a:xfrm>
-            <a:off x="8064752" y="2864513"/>
-            <a:ext cx="670876" cy="658057"/>
-          </a:xfrm>
-          <a:prstGeom prst="rect">
-            <a:avLst/>
-          </a:prstGeom>
-        </p:spPr>
-      </p:pic>
-      <p:pic>
-        <p:nvPicPr>
-          <p:cNvPr id="9" name="그림 8" descr="만화 영화, 구름, 하늘, 아동 미술이(가) 표시된 사진&#10;&#10;자동 생성된 설명">
-            <a:extLst>
-              <a:ext uri="{FF2B5EF4-FFF2-40B4-BE49-F238E27FC236}">
-                <a16:creationId xmlns:a16="http://schemas.microsoft.com/office/drawing/2014/main" id="{BF95EDBB-4038-C1F0-F5A0-8F8E0D7FC641}"/>
-              </a:ext>
-            </a:extLst>
-          </p:cNvPr>
-          <p:cNvPicPr>
-            <a:picLocks noChangeAspect="1"/>
-          </p:cNvPicPr>
-          <p:nvPr/>
-        </p:nvPicPr>
-        <p:blipFill>
-          <a:blip r:embed="rId4">
-            <a:extLst>
-              <a:ext uri="{28A0092B-C50C-407E-A947-70E740481C1C}">
-                <a14:useLocalDpi xmlns:a14="http://schemas.microsoft.com/office/drawing/2010/main" val="0"/>
-              </a:ext>
-            </a:extLst>
-          </a:blip>
-          <a:stretch>
-            <a:fillRect/>
-          </a:stretch>
-        </p:blipFill>
-        <p:spPr>
-          <a:xfrm>
-            <a:off x="611711" y="2053407"/>
-            <a:ext cx="5147517" cy="3622639"/>
-          </a:xfrm>
-          <a:prstGeom prst="rect">
-            <a:avLst/>
-          </a:prstGeom>
-        </p:spPr>
-      </p:pic>
-    </p:spTree>
-    <p:extLst>
-      <p:ext uri="{BB962C8B-B14F-4D97-AF65-F5344CB8AC3E}">
-        <p14:creationId xmlns:p14="http://schemas.microsoft.com/office/powerpoint/2010/main" val="3303618625"/>
-      </p:ext>
-    </p:extLst>
-  </p:cSld>
-  <p:clrMapOvr>
-    <a:masterClrMapping/>
-  </p:clrMapOvr>
-</p:sld>
-</file>
-
-<file path=ppt/slides/slide7.xml><?xml version="1.0" encoding="utf-8"?>
-<p:sld xmlns:a="http://schemas.openxmlformats.org/drawingml/2006/main" xmlns:r="http://schemas.openxmlformats.org/officeDocument/2006/relationships" xmlns:p="http://schemas.openxmlformats.org/presentationml/2006/main">
-  <p:cSld>
-    <p:spTree>
-      <p:nvGrpSpPr>
-        <p:cNvPr id="1" name=""/>
-        <p:cNvGrpSpPr/>
-        <p:nvPr/>
-      </p:nvGrpSpPr>
-      <p:grpSpPr>
-        <a:xfrm>
-          <a:off x="0" y="0"/>
-          <a:ext cx="0" cy="0"/>
-          <a:chOff x="0" y="0"/>
-          <a:chExt cx="0" cy="0"/>
-        </a:xfrm>
-      </p:grpSpPr>
-      <p:sp>
-        <p:nvSpPr>
-          <p:cNvPr id="4" name="직사각형 3">
-            <a:extLst>
-              <a:ext uri="{FF2B5EF4-FFF2-40B4-BE49-F238E27FC236}">
-                <a16:creationId xmlns:a16="http://schemas.microsoft.com/office/drawing/2014/main" id="{1E2B8156-2125-54D6-204E-98BA03835F4B}"/>
-              </a:ext>
-            </a:extLst>
-          </p:cNvPr>
-          <p:cNvSpPr/>
-          <p:nvPr/>
-        </p:nvSpPr>
-        <p:spPr>
-          <a:xfrm>
-            <a:off x="418009" y="853440"/>
-            <a:ext cx="539934" cy="78377"/>
-          </a:xfrm>
-          <a:prstGeom prst="rect">
-            <a:avLst/>
-          </a:prstGeom>
-          <a:ln>
-            <a:solidFill>
-              <a:schemeClr val="accent2"/>
-            </a:solidFill>
-          </a:ln>
-        </p:spPr>
-        <p:style>
-          <a:lnRef idx="2">
-            <a:schemeClr val="accent2">
-              <a:shade val="15000"/>
-            </a:schemeClr>
-          </a:lnRef>
-          <a:fillRef idx="1">
-            <a:schemeClr val="accent2"/>
-          </a:fillRef>
-          <a:effectRef idx="0">
-            <a:schemeClr val="accent2"/>
-          </a:effectRef>
-          <a:fontRef idx="minor">
-            <a:schemeClr val="lt1"/>
-          </a:fontRef>
-        </p:style>
-        <p:txBody>
-          <a:bodyPr rtlCol="0" anchor="ctr"/>
-          <a:lstStyle/>
-          <a:p>
-            <a:pPr algn="ctr"/>
-            <a:endParaRPr lang="ko-KR" altLang="en-US"/>
-          </a:p>
-        </p:txBody>
-      </p:sp>
-      <p:sp>
-        <p:nvSpPr>
-          <p:cNvPr id="2" name="TextBox 1">
-            <a:extLst>
-              <a:ext uri="{FF2B5EF4-FFF2-40B4-BE49-F238E27FC236}">
-                <a16:creationId xmlns:a16="http://schemas.microsoft.com/office/drawing/2014/main" id="{21BF673A-FA4B-89B4-D3C1-3BF0F4F02700}"/>
-              </a:ext>
-            </a:extLst>
-          </p:cNvPr>
-          <p:cNvSpPr txBox="1"/>
-          <p:nvPr/>
-        </p:nvSpPr>
-        <p:spPr>
-          <a:xfrm>
-            <a:off x="318840" y="183997"/>
-            <a:ext cx="2737866" cy="535531"/>
-          </a:xfrm>
-          <a:prstGeom prst="rect">
-            <a:avLst/>
-          </a:prstGeom>
-          <a:noFill/>
-        </p:spPr>
-        <p:txBody>
-          <a:bodyPr wrap="square" rtlCol="0">
-            <a:spAutoFit/>
-          </a:bodyPr>
-          <a:lstStyle/>
-          <a:p>
-            <a:pPr latinLnBrk="0">
-              <a:lnSpc>
-                <a:spcPct val="90000"/>
-              </a:lnSpc>
-              <a:spcAft>
-                <a:spcPts val="600"/>
-              </a:spcAft>
-            </a:pPr>
-            <a:r>
-              <a:rPr lang="ko-KR" altLang="en-US" sz="3200" dirty="0">
-                <a:latin typeface="한컴 말랑말랑 Bold" panose="020F0803000000000000" pitchFamily="50" charset="-127"/>
-                <a:ea typeface="한컴 말랑말랑 Bold" panose="020F0803000000000000" pitchFamily="50" charset="-127"/>
+                <a:ea typeface="한컴 말랑말랑 Bold" panose="020F0803000000000000"/>
               </a:rPr>
               <a:t>개발 일정</a:t>
             </a:r>
@@ -5832,14 +3560,14 @@
           <p:nvPr>
             <p:extLst>
               <p:ext uri="{D42A27DB-BD31-4B8C-83A1-F6EECF244321}">
-                <p14:modId xmlns:p14="http://schemas.microsoft.com/office/powerpoint/2010/main" val="906049483"/>
+                <p14:modId xmlns:p14="http://schemas.microsoft.com/office/powerpoint/2010/main" val="2681253944"/>
               </p:ext>
             </p:extLst>
           </p:nvPr>
         </p:nvGraphicFramePr>
         <p:xfrm>
-          <a:off x="418009" y="1092528"/>
-          <a:ext cx="10989798" cy="5532276"/>
+          <a:off x="418009" y="966196"/>
+          <a:ext cx="10989798" cy="5593236"/>
         </p:xfrm>
         <a:graphic>
           <a:graphicData uri="http://schemas.openxmlformats.org/drawingml/2006/table">
@@ -5855,14 +3583,14 @@
                     </a:ext>
                   </a:extLst>
                 </a:gridCol>
-                <a:gridCol w="4421140">
+                <a:gridCol w="7844475">
                   <a:extLst>
                     <a:ext uri="{9D8B030D-6E8A-4147-A177-3AD203B41FA5}">
                       <a16:colId xmlns:a16="http://schemas.microsoft.com/office/drawing/2014/main" val="1738540266"/>
                     </a:ext>
                   </a:extLst>
                 </a:gridCol>
-                <a:gridCol w="4802821">
+                <a:gridCol w="1379486">
                   <a:extLst>
                     <a:ext uri="{9D8B030D-6E8A-4147-A177-3AD203B41FA5}">
                       <a16:colId xmlns:a16="http://schemas.microsoft.com/office/drawing/2014/main" val="2199047597"/>
@@ -5870,7 +3598,98 @@
                   </a:extLst>
                 </a:gridCol>
               </a:tblGrid>
-              <a:tr h="605829">
+              <a:tr h="302915">
+                <a:tc rowSpan="2">
+                  <a:txBody>
+                    <a:bodyPr/>
+                    <a:lstStyle/>
+                    <a:p>
+                      <a:pPr algn="ctr" latinLnBrk="1"/>
+                      <a:r>
+                        <a:rPr lang="en-US" altLang="ko-KR" sz="1800" dirty="0">
+                          <a:latin typeface="한컴 말랑말랑 Bold" panose="020F0803000000000000" pitchFamily="50" charset="-127"/>
+                          <a:ea typeface="한컴 말랑말랑 Bold" panose="020F0803000000000000"/>
+                        </a:rPr>
+                        <a:t>1</a:t>
+                      </a:r>
+                      <a:r>
+                        <a:rPr lang="ko-KR" altLang="en-US" sz="1800" dirty="0">
+                          <a:latin typeface="한컴 말랑말랑 Bold" panose="020F0803000000000000" pitchFamily="50" charset="-127"/>
+                          <a:ea typeface="한컴 말랑말랑 Bold" panose="020F0803000000000000"/>
+                        </a:rPr>
+                        <a:t>주차</a:t>
+                      </a:r>
+                    </a:p>
+                  </a:txBody>
+                  <a:tcPr anchor="ctr">
+                    <a:solidFill>
+                      <a:schemeClr val="accent1">
+                        <a:lumMod val="40000"/>
+                        <a:lumOff val="60000"/>
+                      </a:schemeClr>
+                    </a:solidFill>
+                  </a:tcPr>
+                </a:tc>
+                <a:tc>
+                  <a:txBody>
+                    <a:bodyPr/>
+                    <a:lstStyle/>
+                    <a:p>
+                      <a:pPr marL="0" indent="0" algn="ctr" latinLnBrk="1">
+                        <a:buNone/>
+                      </a:pPr>
+                      <a:r>
+                        <a:rPr lang="ko-KR" altLang="en-US" sz="1600" dirty="0">
+                          <a:latin typeface="한컴 말랑말랑 Bold" panose="020F0803000000000000" pitchFamily="50" charset="-127"/>
+                          <a:ea typeface="한컴 말랑말랑 Bold" panose="020F0803000000000000"/>
+                        </a:rPr>
+                        <a:t>게임 제작에 필요한 리소스 준비</a:t>
+                      </a:r>
+                      <a:endParaRPr lang="en-US" altLang="ko-KR" sz="1600" dirty="0">
+                        <a:latin typeface="한컴 말랑말랑 Bold" panose="020F0803000000000000" pitchFamily="50" charset="-127"/>
+                        <a:ea typeface="한컴 말랑말랑 Bold" panose="020F0803000000000000"/>
+                      </a:endParaRPr>
+                    </a:p>
+                  </a:txBody>
+                  <a:tcPr anchor="ctr"/>
+                </a:tc>
+                <a:tc rowSpan="2">
+                  <a:txBody>
+                    <a:bodyPr/>
+                    <a:lstStyle/>
+                    <a:p>
+                      <a:pPr marL="0" indent="0" algn="ctr" latinLnBrk="1">
+                        <a:buNone/>
+                      </a:pPr>
+                      <a:r>
+                        <a:rPr lang="en-US" altLang="ko-KR" sz="1600" dirty="0">
+                          <a:latin typeface="한컴 말랑말랑 Bold" panose="020F0803000000000000" pitchFamily="50" charset="-127"/>
+                          <a:ea typeface="한컴 말랑말랑 Bold" panose="020F0803000000000000"/>
+                        </a:rPr>
+                        <a:t>100%</a:t>
+                      </a:r>
+                    </a:p>
+                  </a:txBody>
+                  <a:tcPr anchor="ctr"/>
+                </a:tc>
+                <a:extLst>
+                  <a:ext uri="{0D108BD9-81ED-4DB2-BD59-A6C34878D82A}">
+                    <a16:rowId xmlns:a16="http://schemas.microsoft.com/office/drawing/2014/main" val="619931851"/>
+                  </a:ext>
+                </a:extLst>
+              </a:tr>
+              <a:tr h="302915">
+                <a:tc vMerge="1">
+                  <a:txBody>
+                    <a:bodyPr/>
+                    <a:lstStyle/>
+                    <a:p>
+                      <a:pPr latinLnBrk="1"/>
+                      <a:endParaRPr lang="ko-KR" altLang="en-US"/>
+                    </a:p>
+                  </a:txBody>
+                  <a:tcPr/>
+                </a:tc>
                 <a:tc>
                   <a:txBody>
                     <a:bodyPr/>
@@ -5878,16 +3697,79 @@
                     <a:p>
                       <a:pPr algn="ctr" latinLnBrk="1"/>
                       <a:r>
-                        <a:rPr lang="en-US" altLang="ko-KR" sz="2000" dirty="0">
-                          <a:latin typeface="한컴 말랑말랑 Bold" panose="020F0803000000000000" pitchFamily="50" charset="-127"/>
-                          <a:ea typeface="한컴 말랑말랑 Bold" panose="020F0803000000000000" pitchFamily="50" charset="-127"/>
-                        </a:rPr>
-                        <a:t>1</a:t>
-                      </a:r>
-                      <a:r>
-                        <a:rPr lang="ko-KR" altLang="en-US" sz="2000" dirty="0">
-                          <a:latin typeface="한컴 말랑말랑 Bold" panose="020F0803000000000000" pitchFamily="50" charset="-127"/>
-                          <a:ea typeface="한컴 말랑말랑 Bold" panose="020F0803000000000000" pitchFamily="50" charset="-127"/>
+                        <a:rPr lang="ko-KR" altLang="en-US" sz="1600" dirty="0">
+                          <a:latin typeface="한컴 말랑말랑 Bold" panose="020F0803000000000000" pitchFamily="50" charset="-127"/>
+                          <a:ea typeface="한컴 말랑말랑 Bold" panose="020F0803000000000000"/>
+                        </a:rPr>
+                        <a:t>배경 리소스 제작</a:t>
+                      </a:r>
+                      <a:r>
+                        <a:rPr lang="en-US" altLang="ko-KR" sz="1600" dirty="0">
+                          <a:latin typeface="한컴 말랑말랑 Bold" panose="020F0803000000000000" pitchFamily="50" charset="-127"/>
+                          <a:ea typeface="한컴 말랑말랑 Bold" panose="020F0803000000000000"/>
+                        </a:rPr>
+                        <a:t>, </a:t>
+                      </a:r>
+                      <a:r>
+                        <a:rPr lang="ko-KR" altLang="en-US" sz="1600" dirty="0" err="1">
+                          <a:latin typeface="한컴 말랑말랑 Bold" panose="020F0803000000000000" pitchFamily="50" charset="-127"/>
+                          <a:ea typeface="한컴 말랑말랑 Bold" panose="020F0803000000000000"/>
+                        </a:rPr>
+                        <a:t>몬스터볼</a:t>
+                      </a:r>
+                      <a:r>
+                        <a:rPr lang="en-US" altLang="ko-KR" sz="1600" dirty="0">
+                          <a:latin typeface="한컴 말랑말랑 Bold" panose="020F0803000000000000" pitchFamily="50" charset="-127"/>
+                          <a:ea typeface="한컴 말랑말랑 Bold" panose="020F0803000000000000"/>
+                        </a:rPr>
+                        <a:t>, </a:t>
+                      </a:r>
+                      <a:r>
+                        <a:rPr lang="ko-KR" altLang="en-US" sz="1600" dirty="0">
+                          <a:latin typeface="한컴 말랑말랑 Bold" panose="020F0803000000000000" pitchFamily="50" charset="-127"/>
+                          <a:ea typeface="한컴 말랑말랑 Bold" panose="020F0803000000000000"/>
+                        </a:rPr>
+                        <a:t>피카츄 리소스 구비 완료</a:t>
+                      </a:r>
+                    </a:p>
+                  </a:txBody>
+                  <a:tcPr anchor="ctr"/>
+                </a:tc>
+                <a:tc vMerge="1">
+                  <a:txBody>
+                    <a:bodyPr/>
+                    <a:lstStyle/>
+                    <a:p>
+                      <a:pPr latinLnBrk="1"/>
+                      <a:endParaRPr lang="ko-KR" altLang="en-US"/>
+                    </a:p>
+                  </a:txBody>
+                  <a:tcPr/>
+                </a:tc>
+                <a:extLst>
+                  <a:ext uri="{0D108BD9-81ED-4DB2-BD59-A6C34878D82A}">
+                    <a16:rowId xmlns:a16="http://schemas.microsoft.com/office/drawing/2014/main" val="307385083"/>
+                  </a:ext>
+                </a:extLst>
+              </a:tr>
+              <a:tr h="320040">
+                <a:tc rowSpan="2">
+                  <a:txBody>
+                    <a:bodyPr/>
+                    <a:lstStyle/>
+                    <a:p>
+                      <a:pPr algn="ctr" latinLnBrk="1"/>
+                      <a:r>
+                        <a:rPr lang="en-US" altLang="ko-KR" sz="1800" dirty="0">
+                          <a:latin typeface="한컴 말랑말랑 Bold" panose="020F0803000000000000" pitchFamily="50" charset="-127"/>
+                          <a:ea typeface="한컴 말랑말랑 Bold" panose="020F0803000000000000"/>
+                        </a:rPr>
+                        <a:t>2</a:t>
+                      </a:r>
+                      <a:r>
+                        <a:rPr lang="ko-KR" altLang="en-US" sz="1800" dirty="0">
+                          <a:latin typeface="한컴 말랑말랑 Bold" panose="020F0803000000000000" pitchFamily="50" charset="-127"/>
+                          <a:ea typeface="한컴 말랑말랑 Bold" panose="020F0803000000000000"/>
                         </a:rPr>
                         <a:t>주차</a:t>
                       </a:r>
@@ -5909,17 +3791,270 @@
                     <a:p>
                       <a:pPr algn="ctr" latinLnBrk="1"/>
                       <a:r>
-                        <a:rPr lang="ko-KR" altLang="en-US" dirty="0">
-                          <a:latin typeface="한컴 말랑말랑 Bold" panose="020F0803000000000000" pitchFamily="50" charset="-127"/>
-                          <a:ea typeface="한컴 말랑말랑 Bold" panose="020F0803000000000000" pitchFamily="50" charset="-127"/>
-                        </a:rPr>
-                        <a:t>리소스 준비</a:t>
+                        <a:rPr lang="ko-KR" altLang="en-US" sz="1600" dirty="0">
+                          <a:latin typeface="한컴 말랑말랑 Bold" panose="020F0803000000000000" pitchFamily="50" charset="-127"/>
+                          <a:ea typeface="한컴 말랑말랑 Bold" panose="020F0803000000000000"/>
+                        </a:rPr>
+                        <a:t>피카츄 이동 애니메이션 구현</a:t>
+                      </a:r>
+                      <a:r>
+                        <a:rPr lang="en-US" altLang="ko-KR" sz="1600" dirty="0">
+                          <a:latin typeface="한컴 말랑말랑 Bold" panose="020F0803000000000000" pitchFamily="50" charset="-127"/>
+                          <a:ea typeface="한컴 말랑말랑 Bold" panose="020F0803000000000000"/>
+                        </a:rPr>
+                        <a:t>, </a:t>
+                      </a:r>
+                      <a:r>
+                        <a:rPr lang="ko-KR" altLang="en-US" sz="1600" dirty="0">
+                          <a:latin typeface="한컴 말랑말랑 Bold" panose="020F0803000000000000" pitchFamily="50" charset="-127"/>
+                          <a:ea typeface="한컴 말랑말랑 Bold" panose="020F0803000000000000"/>
+                        </a:rPr>
+                        <a:t>슬라이딩 애니메이션 구현</a:t>
+                      </a:r>
+                      <a:r>
+                        <a:rPr lang="en-US" altLang="ko-KR" sz="1600" dirty="0">
+                          <a:latin typeface="한컴 말랑말랑 Bold" panose="020F0803000000000000" pitchFamily="50" charset="-127"/>
+                          <a:ea typeface="한컴 말랑말랑 Bold" panose="020F0803000000000000"/>
+                        </a:rPr>
+                        <a:t>(</a:t>
+                      </a:r>
+                      <a:r>
+                        <a:rPr lang="ko-KR" altLang="en-US" sz="1600" dirty="0">
+                          <a:latin typeface="한컴 말랑말랑 Bold" panose="020F0803000000000000" pitchFamily="50" charset="-127"/>
+                          <a:ea typeface="한컴 말랑말랑 Bold" panose="020F0803000000000000"/>
+                        </a:rPr>
+                        <a:t>특수키</a:t>
+                      </a:r>
+                      <a:r>
+                        <a:rPr lang="en-US" altLang="ko-KR" sz="1600" dirty="0">
+                          <a:latin typeface="한컴 말랑말랑 Bold" panose="020F0803000000000000" pitchFamily="50" charset="-127"/>
+                          <a:ea typeface="한컴 말랑말랑 Bold" panose="020F0803000000000000"/>
+                        </a:rPr>
+                        <a:t>)</a:t>
                       </a:r>
                     </a:p>
                   </a:txBody>
                   <a:tcPr anchor="ctr"/>
                 </a:tc>
+                <a:tc rowSpan="2">
+                  <a:txBody>
+                    <a:bodyPr/>
+                    <a:lstStyle/>
+                    <a:p>
+                      <a:pPr algn="ctr" latinLnBrk="1"/>
+                      <a:r>
+                        <a:rPr lang="en-US" altLang="ko-KR" sz="1600" dirty="0">
+                          <a:latin typeface="한컴 말랑말랑 Bold" panose="020F0803000000000000" pitchFamily="50" charset="-127"/>
+                          <a:ea typeface="한컴 말랑말랑 Bold" panose="020F0803000000000000"/>
+                        </a:rPr>
+                        <a:t>50%</a:t>
+                      </a:r>
+                      <a:endParaRPr lang="ko-KR" altLang="en-US" sz="1600" dirty="0">
+                        <a:latin typeface="한컴 말랑말랑 Bold" panose="020F0803000000000000" pitchFamily="50" charset="-127"/>
+                        <a:ea typeface="한컴 말랑말랑 Bold" panose="020F0803000000000000"/>
+                      </a:endParaRPr>
+                    </a:p>
+                  </a:txBody>
+                  <a:tcPr anchor="ctr"/>
+                </a:tc>
+                <a:extLst>
+                  <a:ext uri="{0D108BD9-81ED-4DB2-BD59-A6C34878D82A}">
+                    <a16:rowId xmlns:a16="http://schemas.microsoft.com/office/drawing/2014/main" val="2026129381"/>
+                  </a:ext>
+                </a:extLst>
+              </a:tr>
+              <a:tr h="320040">
+                <a:tc vMerge="1">
+                  <a:txBody>
+                    <a:bodyPr/>
+                    <a:lstStyle/>
+                    <a:p>
+                      <a:pPr latinLnBrk="1"/>
+                      <a:endParaRPr lang="ko-KR" altLang="en-US"/>
+                    </a:p>
+                  </a:txBody>
+                  <a:tcPr/>
+                </a:tc>
                 <a:tc>
+                  <a:txBody>
+                    <a:bodyPr/>
+                    <a:lstStyle/>
+                    <a:p>
+                      <a:pPr algn="ctr" latinLnBrk="1"/>
+                      <a:r>
+                        <a:rPr lang="ko-KR" altLang="en-US" sz="1600" dirty="0">
+                          <a:latin typeface="한컴 말랑말랑 Bold" panose="020F0803000000000000" pitchFamily="50" charset="-127"/>
+                          <a:ea typeface="한컴 말랑말랑 Bold" panose="020F0803000000000000"/>
+                        </a:rPr>
+                        <a:t>피카츄 이동</a:t>
+                      </a:r>
+                      <a:r>
+                        <a:rPr lang="en-US" altLang="ko-KR" sz="1600" dirty="0">
+                          <a:latin typeface="한컴 말랑말랑 Bold" panose="020F0803000000000000" pitchFamily="50" charset="-127"/>
+                          <a:ea typeface="한컴 말랑말랑 Bold" panose="020F0803000000000000"/>
+                        </a:rPr>
+                        <a:t>, </a:t>
+                      </a:r>
+                      <a:r>
+                        <a:rPr lang="ko-KR" altLang="en-US" sz="1600" dirty="0">
+                          <a:latin typeface="한컴 말랑말랑 Bold" panose="020F0803000000000000" pitchFamily="50" charset="-127"/>
+                          <a:ea typeface="한컴 말랑말랑 Bold" panose="020F0803000000000000"/>
+                        </a:rPr>
+                        <a:t>슬라이드</a:t>
+                      </a:r>
+                      <a:r>
+                        <a:rPr lang="en-US" altLang="ko-KR" sz="1600" dirty="0">
+                          <a:latin typeface="한컴 말랑말랑 Bold" panose="020F0803000000000000" pitchFamily="50" charset="-127"/>
+                          <a:ea typeface="한컴 말랑말랑 Bold" panose="020F0803000000000000"/>
+                        </a:rPr>
+                        <a:t>, </a:t>
+                      </a:r>
+                      <a:r>
+                        <a:rPr lang="ko-KR" altLang="en-US" sz="1600" dirty="0">
+                          <a:latin typeface="한컴 말랑말랑 Bold" panose="020F0803000000000000" pitchFamily="50" charset="-127"/>
+                          <a:ea typeface="한컴 말랑말랑 Bold" panose="020F0803000000000000"/>
+                        </a:rPr>
+                        <a:t>점프 등 상태 머신 변환 구비 완료</a:t>
+                      </a:r>
+                      <a:r>
+                        <a:rPr lang="en-US" altLang="ko-KR" sz="1600" dirty="0">
+                          <a:latin typeface="한컴 말랑말랑 Bold" panose="020F0803000000000000" pitchFamily="50" charset="-127"/>
+                          <a:ea typeface="한컴 말랑말랑 Bold" panose="020F0803000000000000"/>
+                        </a:rPr>
+                        <a:t>, </a:t>
+                      </a:r>
+                    </a:p>
+                    <a:p>
+                      <a:pPr algn="ctr" latinLnBrk="1"/>
+                      <a:r>
+                        <a:rPr lang="ko-KR" altLang="en-US" sz="1600" dirty="0">
+                          <a:solidFill>
+                            <a:srgbClr val="FF0000"/>
+                          </a:solidFill>
+                          <a:latin typeface="한컴 말랑말랑 Bold" panose="020F0803000000000000" pitchFamily="50" charset="-127"/>
+                          <a:ea typeface="한컴 말랑말랑 Bold" panose="020F0803000000000000"/>
+                        </a:rPr>
+                        <a:t>현재 객체들의 이동이 제대로 작동하지 않음 </a:t>
+                      </a:r>
+                    </a:p>
+                  </a:txBody>
+                  <a:tcPr anchor="ctr"/>
+                </a:tc>
+                <a:tc vMerge="1">
+                  <a:txBody>
+                    <a:bodyPr/>
+                    <a:lstStyle/>
+                    <a:p>
+                      <a:pPr latinLnBrk="1"/>
+                      <a:endParaRPr lang="ko-KR" altLang="en-US"/>
+                    </a:p>
+                  </a:txBody>
+                  <a:tcPr/>
+                </a:tc>
+                <a:extLst>
+                  <a:ext uri="{0D108BD9-81ED-4DB2-BD59-A6C34878D82A}">
+                    <a16:rowId xmlns:a16="http://schemas.microsoft.com/office/drawing/2014/main" val="4269550148"/>
+                  </a:ext>
+                </a:extLst>
+              </a:tr>
+              <a:tr h="457200">
+                <a:tc rowSpan="2">
+                  <a:txBody>
+                    <a:bodyPr/>
+                    <a:lstStyle/>
+                    <a:p>
+                      <a:pPr algn="ctr" latinLnBrk="1"/>
+                      <a:r>
+                        <a:rPr lang="en-US" altLang="ko-KR" sz="1800" dirty="0">
+                          <a:latin typeface="한컴 말랑말랑 Bold" panose="020F0803000000000000" pitchFamily="50" charset="-127"/>
+                          <a:ea typeface="한컴 말랑말랑 Bold" panose="020F0803000000000000"/>
+                        </a:rPr>
+                        <a:t>3</a:t>
+                      </a:r>
+                      <a:r>
+                        <a:rPr lang="ko-KR" altLang="en-US" sz="1800" dirty="0">
+                          <a:latin typeface="한컴 말랑말랑 Bold" panose="020F0803000000000000" pitchFamily="50" charset="-127"/>
+                          <a:ea typeface="한컴 말랑말랑 Bold" panose="020F0803000000000000"/>
+                        </a:rPr>
+                        <a:t>주차</a:t>
+                      </a:r>
+                    </a:p>
+                  </a:txBody>
+                  <a:tcPr anchor="ctr">
+                    <a:solidFill>
+                      <a:schemeClr val="accent1">
+                        <a:lumMod val="40000"/>
+                        <a:lumOff val="60000"/>
+                      </a:schemeClr>
+                    </a:solidFill>
+                  </a:tcPr>
+                </a:tc>
+                <a:tc>
+                  <a:txBody>
+                    <a:bodyPr/>
+                    <a:lstStyle/>
+                    <a:p>
+                      <a:pPr marL="0" marR="0" lvl="0" indent="0" algn="ctr" defTabSz="914400" rtl="0" eaLnBrk="1" fontAlgn="auto" latinLnBrk="1" hangingPunct="1">
+                        <a:lnSpc>
+                          <a:spcPct val="100000"/>
+                        </a:lnSpc>
+                        <a:spcBef>
+                          <a:spcPts val="0"/>
+                        </a:spcBef>
+                        <a:spcAft>
+                          <a:spcPts val="0"/>
+                        </a:spcAft>
+                        <a:buClrTx/>
+                        <a:buSzTx/>
+                        <a:buFontTx/>
+                        <a:buNone/>
+                        <a:tabLst/>
+                        <a:defRPr/>
+                      </a:pPr>
+                      <a:r>
+                        <a:rPr lang="ko-KR" altLang="en-US" sz="1600" dirty="0">
+                          <a:latin typeface="한컴 말랑말랑 Bold" panose="020F0803000000000000" pitchFamily="50" charset="-127"/>
+                          <a:ea typeface="한컴 말랑말랑 Bold" panose="020F0803000000000000"/>
+                        </a:rPr>
+                        <a:t>공 이동 애니메이션 구현</a:t>
+                      </a:r>
+                      <a:r>
+                        <a:rPr lang="en-US" altLang="ko-KR" sz="1600" dirty="0">
+                          <a:latin typeface="한컴 말랑말랑 Bold" panose="020F0803000000000000" pitchFamily="50" charset="-127"/>
+                          <a:ea typeface="한컴 말랑말랑 Bold" panose="020F0803000000000000"/>
+                        </a:rPr>
+                        <a:t>,</a:t>
+                      </a:r>
+                      <a:r>
+                        <a:rPr lang="ko-KR" altLang="en-US" sz="1600" dirty="0">
+                          <a:latin typeface="한컴 말랑말랑 Bold" panose="020F0803000000000000" pitchFamily="50" charset="-127"/>
+                          <a:ea typeface="한컴 말랑말랑 Bold" panose="020F0803000000000000"/>
+                        </a:rPr>
+                        <a:t> 공 충돌 판정 구현</a:t>
+                      </a:r>
+                      <a:r>
+                        <a:rPr lang="en-US" altLang="ko-KR" sz="1600" dirty="0">
+                          <a:latin typeface="한컴 말랑말랑 Bold" panose="020F0803000000000000" pitchFamily="50" charset="-127"/>
+                          <a:ea typeface="한컴 말랑말랑 Bold" panose="020F0803000000000000"/>
+                        </a:rPr>
+                        <a:t>, </a:t>
+                      </a:r>
+                      <a:r>
+                        <a:rPr lang="ko-KR" altLang="en-US" sz="1600" dirty="0">
+                          <a:latin typeface="한컴 말랑말랑 Bold" panose="020F0803000000000000" pitchFamily="50" charset="-127"/>
+                          <a:ea typeface="한컴 말랑말랑 Bold" panose="020F0803000000000000"/>
+                        </a:rPr>
+                        <a:t>공 튕기기 구현</a:t>
+                      </a:r>
+                      <a:endParaRPr lang="en-US" altLang="ko-KR" sz="1600" dirty="0">
+                        <a:latin typeface="한컴 말랑말랑 Bold" panose="020F0803000000000000" pitchFamily="50" charset="-127"/>
+                        <a:ea typeface="한컴 말랑말랑 Bold" panose="020F0803000000000000"/>
+                      </a:endParaRPr>
+                    </a:p>
+                  </a:txBody>
+                  <a:tcPr anchor="ctr"/>
+                </a:tc>
+                <a:tc rowSpan="2">
                   <a:txBody>
                     <a:bodyPr/>
                     <a:lstStyle/>
@@ -5928,15 +4063,15 @@
                         <a:buNone/>
                       </a:pPr>
                       <a:r>
-                        <a:rPr lang="ko-KR" altLang="en-US" dirty="0">
-                          <a:latin typeface="한컴 말랑말랑 Bold" panose="020F0803000000000000" pitchFamily="50" charset="-127"/>
-                          <a:ea typeface="한컴 말랑말랑 Bold" panose="020F0803000000000000" pitchFamily="50" charset="-127"/>
-                        </a:rPr>
-                        <a:t>게임 제작에 필요한 리소스 준비</a:t>
-                      </a:r>
-                      <a:endParaRPr lang="en-US" altLang="ko-KR" dirty="0">
+                        <a:rPr lang="en-US" altLang="ko-KR" sz="1600" dirty="0">
+                          <a:latin typeface="한컴 말랑말랑 Bold" panose="020F0803000000000000" pitchFamily="50" charset="-127"/>
+                          <a:ea typeface="한컴 말랑말랑 Bold" panose="020F0803000000000000"/>
+                        </a:rPr>
+                        <a:t>30%</a:t>
+                      </a:r>
+                      <a:endParaRPr lang="ko-KR" altLang="en-US" sz="1600" dirty="0">
                         <a:latin typeface="한컴 말랑말랑 Bold" panose="020F0803000000000000" pitchFamily="50" charset="-127"/>
-                        <a:ea typeface="한컴 말랑말랑 Bold" panose="020F0803000000000000" pitchFamily="50" charset="-127"/>
+                        <a:ea typeface="한컴 말랑말랑 Bold" panose="020F0803000000000000"/>
                       </a:endParaRPr>
                     </a:p>
                   </a:txBody>
@@ -5944,11 +4079,22 @@
                 </a:tc>
                 <a:extLst>
                   <a:ext uri="{0D108BD9-81ED-4DB2-BD59-A6C34878D82A}">
-                    <a16:rowId xmlns:a16="http://schemas.microsoft.com/office/drawing/2014/main" val="619931851"/>
+                    <a16:rowId xmlns:a16="http://schemas.microsoft.com/office/drawing/2014/main" val="1716645152"/>
                   </a:ext>
                 </a:extLst>
               </a:tr>
-              <a:tr h="605829">
+              <a:tr h="457200">
+                <a:tc vMerge="1">
+                  <a:txBody>
+                    <a:bodyPr/>
+                    <a:lstStyle/>
+                    <a:p>
+                      <a:pPr latinLnBrk="1"/>
+                      <a:endParaRPr lang="ko-KR" altLang="en-US"/>
+                    </a:p>
+                  </a:txBody>
+                  <a:tcPr/>
+                </a:tc>
                 <a:tc>
                   <a:txBody>
                     <a:bodyPr/>
@@ -5956,16 +4102,54 @@
                     <a:p>
                       <a:pPr algn="ctr" latinLnBrk="1"/>
                       <a:r>
-                        <a:rPr lang="en-US" altLang="ko-KR" sz="2000" dirty="0">
-                          <a:latin typeface="한컴 말랑말랑 Bold" panose="020F0803000000000000" pitchFamily="50" charset="-127"/>
-                          <a:ea typeface="한컴 말랑말랑 Bold" panose="020F0803000000000000" pitchFamily="50" charset="-127"/>
-                        </a:rPr>
-                        <a:t>2</a:t>
-                      </a:r>
-                      <a:r>
-                        <a:rPr lang="ko-KR" altLang="en-US" sz="2000" dirty="0">
-                          <a:latin typeface="한컴 말랑말랑 Bold" panose="020F0803000000000000" pitchFamily="50" charset="-127"/>
-                          <a:ea typeface="한컴 말랑말랑 Bold" panose="020F0803000000000000" pitchFamily="50" charset="-127"/>
+                        <a:rPr lang="ko-KR" altLang="en-US" sz="1600" dirty="0">
+                          <a:solidFill>
+                            <a:srgbClr val="FF0000"/>
+                          </a:solidFill>
+                          <a:latin typeface="한컴 말랑말랑 Bold" panose="020F0803000000000000" pitchFamily="50" charset="-127"/>
+                          <a:ea typeface="한컴 말랑말랑 Bold" panose="020F0803000000000000"/>
+                        </a:rPr>
+                        <a:t>현재 객체들의 이동이 제대로 작동하지 않음 </a:t>
+                      </a:r>
+                    </a:p>
+                  </a:txBody>
+                  <a:tcPr anchor="ctr"/>
+                </a:tc>
+                <a:tc vMerge="1">
+                  <a:txBody>
+                    <a:bodyPr/>
+                    <a:lstStyle/>
+                    <a:p>
+                      <a:pPr latinLnBrk="1"/>
+                      <a:endParaRPr lang="ko-KR" altLang="en-US"/>
+                    </a:p>
+                  </a:txBody>
+                  <a:tcPr/>
+                </a:tc>
+                <a:extLst>
+                  <a:ext uri="{0D108BD9-81ED-4DB2-BD59-A6C34878D82A}">
+                    <a16:rowId xmlns:a16="http://schemas.microsoft.com/office/drawing/2014/main" val="2589935037"/>
+                  </a:ext>
+                </a:extLst>
+              </a:tr>
+              <a:tr h="320040">
+                <a:tc rowSpan="2">
+                  <a:txBody>
+                    <a:bodyPr/>
+                    <a:lstStyle/>
+                    <a:p>
+                      <a:pPr algn="ctr" latinLnBrk="1"/>
+                      <a:r>
+                        <a:rPr lang="en-US" altLang="ko-KR" sz="1800" dirty="0">
+                          <a:latin typeface="한컴 말랑말랑 Bold" panose="020F0803000000000000" pitchFamily="50" charset="-127"/>
+                          <a:ea typeface="한컴 말랑말랑 Bold" panose="020F0803000000000000"/>
+                        </a:rPr>
+                        <a:t>4</a:t>
+                      </a:r>
+                      <a:r>
+                        <a:rPr lang="ko-KR" altLang="en-US" sz="1800" dirty="0">
+                          <a:latin typeface="한컴 말랑말랑 Bold" panose="020F0803000000000000" pitchFamily="50" charset="-127"/>
+                          <a:ea typeface="한컴 말랑말랑 Bold" panose="020F0803000000000000"/>
                         </a:rPr>
                         <a:t>주차</a:t>
                       </a:r>
@@ -5987,15 +4171,73 @@
                     <a:p>
                       <a:pPr algn="ctr" latinLnBrk="1"/>
                       <a:r>
-                        <a:rPr lang="ko-KR" altLang="en-US" dirty="0">
-                          <a:latin typeface="한컴 말랑말랑 Bold" panose="020F0803000000000000" pitchFamily="50" charset="-127"/>
-                          <a:ea typeface="한컴 말랑말랑 Bold" panose="020F0803000000000000" pitchFamily="50" charset="-127"/>
-                        </a:rPr>
-                        <a:t>피카츄 이동 구현</a:t>
+                        <a:rPr lang="ko-KR" altLang="en-US" sz="1600" dirty="0" err="1">
+                          <a:latin typeface="한컴 말랑말랑 Bold" panose="020F0803000000000000" pitchFamily="50" charset="-127"/>
+                          <a:ea typeface="한컴 말랑말랑 Bold" panose="020F0803000000000000"/>
+                        </a:rPr>
+                        <a:t>피카츄와</a:t>
+                      </a:r>
+                      <a:r>
+                        <a:rPr lang="ko-KR" altLang="en-US" sz="1600" dirty="0">
+                          <a:latin typeface="한컴 말랑말랑 Bold" panose="020F0803000000000000" pitchFamily="50" charset="-127"/>
+                          <a:ea typeface="한컴 말랑말랑 Bold" panose="020F0803000000000000"/>
+                        </a:rPr>
+                        <a:t> 공 상호작용 구현 및 중간 점검</a:t>
                       </a:r>
                     </a:p>
                   </a:txBody>
-                  <a:tcPr anchor="ctr"/>
+                  <a:tcPr anchor="ctr">
+                    <a:solidFill>
+                      <a:schemeClr val="bg2">
+                        <a:lumMod val="90000"/>
+                      </a:schemeClr>
+                    </a:solidFill>
+                  </a:tcPr>
+                </a:tc>
+                <a:tc rowSpan="2">
+                  <a:txBody>
+                    <a:bodyPr/>
+                    <a:lstStyle/>
+                    <a:p>
+                      <a:pPr algn="ctr" latinLnBrk="1"/>
+                      <a:r>
+                        <a:rPr lang="en-US" altLang="ko-KR" sz="1600" dirty="0">
+                          <a:latin typeface="한컴 말랑말랑 Bold" panose="020F0803000000000000" pitchFamily="50" charset="-127"/>
+                          <a:ea typeface="한컴 말랑말랑 Bold" panose="020F0803000000000000"/>
+                        </a:rPr>
+                        <a:t>40%</a:t>
+                      </a:r>
+                      <a:endParaRPr lang="ko-KR" altLang="en-US" sz="1600" dirty="0">
+                        <a:latin typeface="한컴 말랑말랑 Bold" panose="020F0803000000000000" pitchFamily="50" charset="-127"/>
+                        <a:ea typeface="한컴 말랑말랑 Bold" panose="020F0803000000000000"/>
+                      </a:endParaRPr>
+                    </a:p>
+                  </a:txBody>
+                  <a:tcPr anchor="ctr">
+                    <a:solidFill>
+                      <a:schemeClr val="bg2">
+                        <a:lumMod val="90000"/>
+                      </a:schemeClr>
+                    </a:solidFill>
+                  </a:tcPr>
+                </a:tc>
+                <a:extLst>
+                  <a:ext uri="{0D108BD9-81ED-4DB2-BD59-A6C34878D82A}">
+                    <a16:rowId xmlns:a16="http://schemas.microsoft.com/office/drawing/2014/main" val="2833565499"/>
+                  </a:ext>
+                </a:extLst>
+              </a:tr>
+              <a:tr h="320040">
+                <a:tc vMerge="1">
+                  <a:txBody>
+                    <a:bodyPr/>
+                    <a:lstStyle/>
+                    <a:p>
+                      <a:pPr latinLnBrk="1"/>
+                      <a:endParaRPr lang="ko-KR" altLang="en-US"/>
+                    </a:p>
+                  </a:txBody>
+                  <a:tcPr/>
                 </a:tc>
                 <a:tc>
                   <a:txBody>
@@ -6004,72 +4246,39 @@
                     <a:p>
                       <a:pPr algn="ctr" latinLnBrk="1"/>
                       <a:r>
-                        <a:rPr lang="en-US" altLang="ko-KR" dirty="0">
-                          <a:latin typeface="한컴 말랑말랑 Bold" panose="020F0803000000000000" pitchFamily="50" charset="-127"/>
-                          <a:ea typeface="한컴 말랑말랑 Bold" panose="020F0803000000000000" pitchFamily="50" charset="-127"/>
-                        </a:rPr>
-                        <a:t>1.</a:t>
-                      </a:r>
-                      <a:r>
-                        <a:rPr lang="ko-KR" altLang="en-US" dirty="0">
-                          <a:latin typeface="한컴 말랑말랑 Bold" panose="020F0803000000000000" pitchFamily="50" charset="-127"/>
-                          <a:ea typeface="한컴 말랑말랑 Bold" panose="020F0803000000000000" pitchFamily="50" charset="-127"/>
-                        </a:rPr>
-                        <a:t>이동 애니메이션 구현</a:t>
-                      </a:r>
-                      <a:endParaRPr lang="en-US" altLang="ko-KR" dirty="0">
-                        <a:latin typeface="한컴 말랑말랑 Bold" panose="020F0803000000000000" pitchFamily="50" charset="-127"/>
-                        <a:ea typeface="한컴 말랑말랑 Bold" panose="020F0803000000000000" pitchFamily="50" charset="-127"/>
-                      </a:endParaRPr>
-                    </a:p>
-                    <a:p>
-                      <a:pPr algn="ctr" latinLnBrk="1"/>
-                      <a:r>
-                        <a:rPr lang="en-US" altLang="ko-KR" dirty="0">
-                          <a:latin typeface="한컴 말랑말랑 Bold" panose="020F0803000000000000" pitchFamily="50" charset="-127"/>
-                          <a:ea typeface="한컴 말랑말랑 Bold" panose="020F0803000000000000" pitchFamily="50" charset="-127"/>
-                        </a:rPr>
-                        <a:t>2. </a:t>
-                      </a:r>
-                      <a:r>
-                        <a:rPr lang="ko-KR" altLang="en-US" dirty="0">
-                          <a:latin typeface="한컴 말랑말랑 Bold" panose="020F0803000000000000" pitchFamily="50" charset="-127"/>
-                          <a:ea typeface="한컴 말랑말랑 Bold" panose="020F0803000000000000" pitchFamily="50" charset="-127"/>
-                        </a:rPr>
-                        <a:t>슬라이딩 애니메이션 구현</a:t>
-                      </a:r>
-                      <a:r>
-                        <a:rPr lang="en-US" altLang="ko-KR" dirty="0">
-                          <a:latin typeface="한컴 말랑말랑 Bold" panose="020F0803000000000000" pitchFamily="50" charset="-127"/>
-                          <a:ea typeface="한컴 말랑말랑 Bold" panose="020F0803000000000000" pitchFamily="50" charset="-127"/>
-                        </a:rPr>
-                        <a:t>(</a:t>
-                      </a:r>
-                      <a:r>
-                        <a:rPr lang="ko-KR" altLang="en-US" dirty="0">
-                          <a:latin typeface="한컴 말랑말랑 Bold" panose="020F0803000000000000" pitchFamily="50" charset="-127"/>
-                          <a:ea typeface="한컴 말랑말랑 Bold" panose="020F0803000000000000" pitchFamily="50" charset="-127"/>
-                        </a:rPr>
-                        <a:t>특수키</a:t>
-                      </a:r>
-                      <a:r>
-                        <a:rPr lang="en-US" altLang="ko-KR" dirty="0">
-                          <a:latin typeface="한컴 말랑말랑 Bold" panose="020F0803000000000000" pitchFamily="50" charset="-127"/>
-                          <a:ea typeface="한컴 말랑말랑 Bold" panose="020F0803000000000000" pitchFamily="50" charset="-127"/>
-                        </a:rPr>
-                        <a:t>)</a:t>
-                      </a:r>
-                      <a:endParaRPr lang="ko-KR" altLang="en-US" dirty="0">
-                        <a:latin typeface="한컴 말랑말랑 Bold" panose="020F0803000000000000" pitchFamily="50" charset="-127"/>
-                        <a:ea typeface="한컴 말랑말랑 Bold" panose="020F0803000000000000" pitchFamily="50" charset="-127"/>
-                      </a:endParaRPr>
+                        <a:rPr lang="ko-KR" altLang="en-US" sz="1600" dirty="0">
+                          <a:solidFill>
+                            <a:srgbClr val="FF0000"/>
+                          </a:solidFill>
+                          <a:latin typeface="한컴 말랑말랑 Bold" panose="020F0803000000000000" pitchFamily="50" charset="-127"/>
+                          <a:ea typeface="한컴 말랑말랑 Bold" panose="020F0803000000000000"/>
+                        </a:rPr>
+                        <a:t>현재 객체들의 이동이 제대로 작동하지 않음 </a:t>
+                      </a:r>
                     </a:p>
                   </a:txBody>
-                  <a:tcPr anchor="ctr"/>
+                  <a:tcPr anchor="ctr">
+                    <a:solidFill>
+                      <a:schemeClr val="bg2">
+                        <a:lumMod val="90000"/>
+                      </a:schemeClr>
+                    </a:solidFill>
+                  </a:tcPr>
+                </a:tc>
+                <a:tc vMerge="1">
+                  <a:txBody>
+                    <a:bodyPr/>
+                    <a:lstStyle/>
+                    <a:p>
+                      <a:pPr latinLnBrk="1"/>
+                      <a:endParaRPr lang="ko-KR" altLang="en-US"/>
+                    </a:p>
+                  </a:txBody>
+                  <a:tcPr/>
                 </a:tc>
                 <a:extLst>
                   <a:ext uri="{0D108BD9-81ED-4DB2-BD59-A6C34878D82A}">
-                    <a16:rowId xmlns:a16="http://schemas.microsoft.com/office/drawing/2014/main" val="2026129381"/>
+                    <a16:rowId xmlns:a16="http://schemas.microsoft.com/office/drawing/2014/main" val="2459600925"/>
                   </a:ext>
                 </a:extLst>
               </a:tr>
@@ -6081,16 +4290,16 @@
                     <a:p>
                       <a:pPr algn="ctr" latinLnBrk="1"/>
                       <a:r>
-                        <a:rPr lang="en-US" altLang="ko-KR" sz="2000" dirty="0">
-                          <a:latin typeface="한컴 말랑말랑 Bold" panose="020F0803000000000000" pitchFamily="50" charset="-127"/>
-                          <a:ea typeface="한컴 말랑말랑 Bold" panose="020F0803000000000000" pitchFamily="50" charset="-127"/>
-                        </a:rPr>
-                        <a:t>3</a:t>
-                      </a:r>
-                      <a:r>
-                        <a:rPr lang="ko-KR" altLang="en-US" sz="2000" dirty="0">
-                          <a:latin typeface="한컴 말랑말랑 Bold" panose="020F0803000000000000" pitchFamily="50" charset="-127"/>
-                          <a:ea typeface="한컴 말랑말랑 Bold" panose="020F0803000000000000" pitchFamily="50" charset="-127"/>
+                        <a:rPr lang="en-US" altLang="ko-KR" sz="1800" dirty="0">
+                          <a:latin typeface="한컴 말랑말랑 Bold" panose="020F0803000000000000" pitchFamily="50" charset="-127"/>
+                          <a:ea typeface="한컴 말랑말랑 Bold" panose="020F0803000000000000"/>
+                        </a:rPr>
+                        <a:t>5</a:t>
+                      </a:r>
+                      <a:r>
+                        <a:rPr lang="ko-KR" altLang="en-US" sz="1800" dirty="0">
+                          <a:latin typeface="한컴 말랑말랑 Bold" panose="020F0803000000000000" pitchFamily="50" charset="-127"/>
+                          <a:ea typeface="한컴 말랑말랑 Bold" panose="020F0803000000000000"/>
                         </a:rPr>
                         <a:t>주차</a:t>
                       </a:r>
@@ -6112,11 +4321,152 @@
                     <a:p>
                       <a:pPr algn="ctr" latinLnBrk="1"/>
                       <a:r>
-                        <a:rPr lang="ko-KR" altLang="en-US" dirty="0">
-                          <a:latin typeface="한컴 말랑말랑 Bold" panose="020F0803000000000000" pitchFamily="50" charset="-127"/>
-                          <a:ea typeface="한컴 말랑말랑 Bold" panose="020F0803000000000000" pitchFamily="50" charset="-127"/>
-                        </a:rPr>
-                        <a:t>공 오브젝트</a:t>
+                        <a:rPr lang="ko-KR" altLang="en-US" sz="1600" dirty="0">
+                          <a:latin typeface="한컴 말랑말랑 Bold" panose="020F0803000000000000" pitchFamily="50" charset="-127"/>
+                          <a:ea typeface="한컴 말랑말랑 Bold" panose="020F0803000000000000"/>
+                        </a:rPr>
+                        <a:t>앞선 주차들의 부족한 점 보충</a:t>
+                      </a:r>
+                      <a:r>
+                        <a:rPr lang="en-US" altLang="ko-KR" sz="1600" dirty="0">
+                          <a:latin typeface="한컴 말랑말랑 Bold" panose="020F0803000000000000" pitchFamily="50" charset="-127"/>
+                          <a:ea typeface="한컴 말랑말랑 Bold" panose="020F0803000000000000"/>
+                        </a:rPr>
+                        <a:t>,</a:t>
+                      </a:r>
+                      <a:r>
+                        <a:rPr lang="ko-KR" altLang="en-US" sz="1600" dirty="0">
+                          <a:latin typeface="한컴 말랑말랑 Bold" panose="020F0803000000000000" pitchFamily="50" charset="-127"/>
+                          <a:ea typeface="한컴 말랑말랑 Bold" panose="020F0803000000000000"/>
+                        </a:rPr>
+                        <a:t>특수 키</a:t>
+                      </a:r>
+                      <a:r>
+                        <a:rPr lang="en-US" altLang="ko-KR" sz="1600" dirty="0">
+                          <a:latin typeface="한컴 말랑말랑 Bold" panose="020F0803000000000000" pitchFamily="50" charset="-127"/>
+                          <a:ea typeface="한컴 말랑말랑 Bold" panose="020F0803000000000000"/>
+                        </a:rPr>
+                        <a:t>(</a:t>
+                      </a:r>
+                      <a:r>
+                        <a:rPr lang="ko-KR" altLang="en-US" sz="1600" dirty="0">
+                          <a:latin typeface="한컴 말랑말랑 Bold" panose="020F0803000000000000" pitchFamily="50" charset="-127"/>
+                          <a:ea typeface="한컴 말랑말랑 Bold" panose="020F0803000000000000"/>
+                        </a:rPr>
+                        <a:t>세게 치기</a:t>
+                      </a:r>
+                      <a:r>
+                        <a:rPr lang="en-US" altLang="ko-KR" sz="1600" dirty="0">
+                          <a:latin typeface="한컴 말랑말랑 Bold" panose="020F0803000000000000" pitchFamily="50" charset="-127"/>
+                          <a:ea typeface="한컴 말랑말랑 Bold" panose="020F0803000000000000"/>
+                        </a:rPr>
+                        <a:t>) </a:t>
+                      </a:r>
+                      <a:r>
+                        <a:rPr lang="ko-KR" altLang="en-US" sz="1600" dirty="0">
+                          <a:latin typeface="한컴 말랑말랑 Bold" panose="020F0803000000000000" pitchFamily="50" charset="-127"/>
+                          <a:ea typeface="한컴 말랑말랑 Bold" panose="020F0803000000000000"/>
+                        </a:rPr>
+                        <a:t>기능 구현</a:t>
+                      </a:r>
+                    </a:p>
+                  </a:txBody>
+                  <a:tcPr anchor="ctr"/>
+                </a:tc>
+                <a:tc>
+                  <a:txBody>
+                    <a:bodyPr/>
+                    <a:lstStyle/>
+                    <a:p>
+                      <a:pPr algn="ctr" latinLnBrk="1"/>
+                      <a:endParaRPr lang="ko-KR" altLang="en-US" sz="1600" dirty="0">
+                        <a:latin typeface="한컴 말랑말랑 Bold" panose="020F0803000000000000" pitchFamily="50" charset="-127"/>
+                        <a:ea typeface="한컴 말랑말랑 Bold" panose="020F0803000000000000"/>
+                      </a:endParaRPr>
+                    </a:p>
+                  </a:txBody>
+                  <a:tcPr anchor="ctr"/>
+                </a:tc>
+                <a:extLst>
+                  <a:ext uri="{0D108BD9-81ED-4DB2-BD59-A6C34878D82A}">
+                    <a16:rowId xmlns:a16="http://schemas.microsoft.com/office/drawing/2014/main" val="1882744321"/>
+                  </a:ext>
+                </a:extLst>
+              </a:tr>
+              <a:tr h="605829">
+                <a:tc>
+                  <a:txBody>
+                    <a:bodyPr/>
+                    <a:lstStyle/>
+                    <a:p>
+                      <a:pPr algn="ctr" latinLnBrk="1"/>
+                      <a:r>
+                        <a:rPr lang="en-US" altLang="ko-KR" sz="1800" dirty="0">
+                          <a:latin typeface="한컴 말랑말랑 Bold" panose="020F0803000000000000" pitchFamily="50" charset="-127"/>
+                          <a:ea typeface="한컴 말랑말랑 Bold" panose="020F0803000000000000"/>
+                        </a:rPr>
+                        <a:t>6</a:t>
+                      </a:r>
+                      <a:r>
+                        <a:rPr lang="ko-KR" altLang="en-US" sz="1800" dirty="0">
+                          <a:latin typeface="한컴 말랑말랑 Bold" panose="020F0803000000000000" pitchFamily="50" charset="-127"/>
+                          <a:ea typeface="한컴 말랑말랑 Bold" panose="020F0803000000000000"/>
+                        </a:rPr>
+                        <a:t>주차</a:t>
+                      </a:r>
+                    </a:p>
+                  </a:txBody>
+                  <a:tcPr anchor="ctr">
+                    <a:solidFill>
+                      <a:schemeClr val="accent1">
+                        <a:lumMod val="40000"/>
+                        <a:lumOff val="60000"/>
+                      </a:schemeClr>
+                    </a:solidFill>
+                  </a:tcPr>
+                </a:tc>
+                <a:tc>
+                  <a:txBody>
+                    <a:bodyPr/>
+                    <a:lstStyle/>
+                    <a:p>
+                      <a:pPr marL="0" indent="0" algn="ctr" latinLnBrk="1">
+                        <a:buNone/>
+                      </a:pPr>
+                      <a:r>
+                        <a:rPr lang="ko-KR" altLang="en-US" sz="1600" dirty="0">
+                          <a:latin typeface="한컴 말랑말랑 Bold" panose="020F0803000000000000" pitchFamily="50" charset="-127"/>
+                          <a:ea typeface="한컴 말랑말랑 Bold" panose="020F0803000000000000"/>
+                        </a:rPr>
+                        <a:t>득점 구현</a:t>
+                      </a:r>
+                      <a:r>
+                        <a:rPr lang="en-US" altLang="ko-KR" sz="1600" dirty="0">
+                          <a:latin typeface="한컴 말랑말랑 Bold" panose="020F0803000000000000" pitchFamily="50" charset="-127"/>
+                          <a:ea typeface="한컴 말랑말랑 Bold" panose="020F0803000000000000"/>
+                        </a:rPr>
+                        <a:t>, </a:t>
+                      </a:r>
+                      <a:r>
+                        <a:rPr lang="ko-KR" altLang="en-US" sz="1600" dirty="0">
+                          <a:latin typeface="한컴 말랑말랑 Bold" panose="020F0803000000000000" pitchFamily="50" charset="-127"/>
+                          <a:ea typeface="한컴 말랑말랑 Bold" panose="020F0803000000000000"/>
+                        </a:rPr>
+                        <a:t>득점 후 서브 상황 구현</a:t>
+                      </a:r>
+                      <a:r>
+                        <a:rPr lang="en-US" altLang="ko-KR" sz="1600" dirty="0">
+                          <a:latin typeface="한컴 말랑말랑 Bold" panose="020F0803000000000000" pitchFamily="50" charset="-127"/>
+                          <a:ea typeface="한컴 말랑말랑 Bold" panose="020F0803000000000000"/>
+                        </a:rPr>
+                        <a:t>, </a:t>
+                      </a:r>
+                      <a:r>
+                        <a:rPr lang="ko-KR" altLang="en-US" sz="1600" dirty="0">
+                          <a:latin typeface="한컴 말랑말랑 Bold" panose="020F0803000000000000" pitchFamily="50" charset="-127"/>
+                          <a:ea typeface="한컴 말랑말랑 Bold" panose="020F0803000000000000"/>
+                        </a:rPr>
+                        <a:t>게임 승리 시 연출</a:t>
                       </a:r>
                     </a:p>
                   </a:txBody>
@@ -6130,52 +4480,17 @@
                       <a:pPr marL="342900" indent="-342900" algn="ctr" latinLnBrk="1">
                         <a:buAutoNum type="arabicPeriod"/>
                       </a:pPr>
-                      <a:r>
-                        <a:rPr lang="ko-KR" altLang="en-US" dirty="0">
-                          <a:latin typeface="한컴 말랑말랑 Bold" panose="020F0803000000000000" pitchFamily="50" charset="-127"/>
-                          <a:ea typeface="한컴 말랑말랑 Bold" panose="020F0803000000000000" pitchFamily="50" charset="-127"/>
-                        </a:rPr>
-                        <a:t>공 이동 애니메이션 구현</a:t>
-                      </a:r>
-                      <a:endParaRPr lang="en-US" altLang="ko-KR" dirty="0">
+                      <a:endParaRPr lang="ko-KR" altLang="en-US" sz="1600" dirty="0">
                         <a:latin typeface="한컴 말랑말랑 Bold" panose="020F0803000000000000" pitchFamily="50" charset="-127"/>
-                        <a:ea typeface="한컴 말랑말랑 Bold" panose="020F0803000000000000" pitchFamily="50" charset="-127"/>
+                        <a:ea typeface="한컴 말랑말랑 Bold" panose="020F0803000000000000"/>
                       </a:endParaRPr>
-                    </a:p>
-                    <a:p>
-                      <a:pPr marL="342900" indent="-342900" algn="ctr" latinLnBrk="1">
-                        <a:buAutoNum type="arabicPeriod"/>
-                      </a:pPr>
-                      <a:r>
-                        <a:rPr lang="ko-KR" altLang="en-US" dirty="0">
-                          <a:latin typeface="한컴 말랑말랑 Bold" panose="020F0803000000000000" pitchFamily="50" charset="-127"/>
-                          <a:ea typeface="한컴 말랑말랑 Bold" panose="020F0803000000000000" pitchFamily="50" charset="-127"/>
-                        </a:rPr>
-                        <a:t>공 충돌 판정 구현</a:t>
-                      </a:r>
-                      <a:endParaRPr lang="en-US" altLang="ko-KR" dirty="0">
-                        <a:latin typeface="한컴 말랑말랑 Bold" panose="020F0803000000000000" pitchFamily="50" charset="-127"/>
-                        <a:ea typeface="한컴 말랑말랑 Bold" panose="020F0803000000000000" pitchFamily="50" charset="-127"/>
-                      </a:endParaRPr>
-                    </a:p>
-                    <a:p>
-                      <a:pPr marL="342900" indent="-342900" algn="ctr" latinLnBrk="1">
-                        <a:buAutoNum type="arabicPeriod"/>
-                      </a:pPr>
-                      <a:r>
-                        <a:rPr lang="ko-KR" altLang="en-US" dirty="0">
-                          <a:latin typeface="한컴 말랑말랑 Bold" panose="020F0803000000000000" pitchFamily="50" charset="-127"/>
-                          <a:ea typeface="한컴 말랑말랑 Bold" panose="020F0803000000000000" pitchFamily="50" charset="-127"/>
-                        </a:rPr>
-                        <a:t>공 튕기기 구현</a:t>
-                      </a:r>
                     </a:p>
                   </a:txBody>
                   <a:tcPr anchor="ctr"/>
                 </a:tc>
                 <a:extLst>
                   <a:ext uri="{0D108BD9-81ED-4DB2-BD59-A6C34878D82A}">
-                    <a16:rowId xmlns:a16="http://schemas.microsoft.com/office/drawing/2014/main" val="1716645152"/>
+                    <a16:rowId xmlns:a16="http://schemas.microsoft.com/office/drawing/2014/main" val="1102045538"/>
                   </a:ext>
                 </a:extLst>
               </a:tr>
@@ -6187,16 +4502,16 @@
                     <a:p>
                       <a:pPr algn="ctr" latinLnBrk="1"/>
                       <a:r>
-                        <a:rPr lang="en-US" altLang="ko-KR" sz="2000" dirty="0">
-                          <a:latin typeface="한컴 말랑말랑 Bold" panose="020F0803000000000000" pitchFamily="50" charset="-127"/>
-                          <a:ea typeface="한컴 말랑말랑 Bold" panose="020F0803000000000000" pitchFamily="50" charset="-127"/>
-                        </a:rPr>
-                        <a:t>4</a:t>
-                      </a:r>
-                      <a:r>
-                        <a:rPr lang="ko-KR" altLang="en-US" sz="2000" dirty="0">
-                          <a:latin typeface="한컴 말랑말랑 Bold" panose="020F0803000000000000" pitchFamily="50" charset="-127"/>
-                          <a:ea typeface="한컴 말랑말랑 Bold" panose="020F0803000000000000" pitchFamily="50" charset="-127"/>
+                        <a:rPr lang="en-US" altLang="ko-KR" sz="1800" dirty="0">
+                          <a:latin typeface="한컴 말랑말랑 Bold" panose="020F0803000000000000" pitchFamily="50" charset="-127"/>
+                          <a:ea typeface="한컴 말랑말랑 Bold" panose="020F0803000000000000"/>
+                        </a:rPr>
+                        <a:t>7</a:t>
+                      </a:r>
+                      <a:r>
+                        <a:rPr lang="ko-KR" altLang="en-US" sz="1800" dirty="0">
+                          <a:latin typeface="한컴 말랑말랑 Bold" panose="020F0803000000000000" pitchFamily="50" charset="-127"/>
+                          <a:ea typeface="한컴 말랑말랑 Bold" panose="020F0803000000000000"/>
                         </a:rPr>
                         <a:t>주차</a:t>
                       </a:r>
@@ -6218,28 +4533,22 @@
                     <a:p>
                       <a:pPr algn="ctr" latinLnBrk="1"/>
                       <a:r>
-                        <a:rPr lang="ko-KR" altLang="en-US" dirty="0" err="1">
-                          <a:latin typeface="한컴 말랑말랑 Bold" panose="020F0803000000000000" pitchFamily="50" charset="-127"/>
-                          <a:ea typeface="한컴 말랑말랑 Bold" panose="020F0803000000000000" pitchFamily="50" charset="-127"/>
-                        </a:rPr>
-                        <a:t>피카츄와</a:t>
-                      </a:r>
-                      <a:r>
-                        <a:rPr lang="ko-KR" altLang="en-US" dirty="0">
-                          <a:latin typeface="한컴 말랑말랑 Bold" panose="020F0803000000000000" pitchFamily="50" charset="-127"/>
-                          <a:ea typeface="한컴 말랑말랑 Bold" panose="020F0803000000000000" pitchFamily="50" charset="-127"/>
-                        </a:rPr>
-                        <a:t> 공 상호작용 구현 및 중간 점검</a:t>
+                        <a:rPr lang="en-US" altLang="ko-KR" sz="1600" dirty="0">
+                          <a:latin typeface="한컴 말랑말랑 Bold" panose="020F0803000000000000" pitchFamily="50" charset="-127"/>
+                          <a:ea typeface="한컴 말랑말랑 Bold" panose="020F0803000000000000"/>
+                        </a:rPr>
+                        <a:t>2p </a:t>
+                      </a:r>
+                      <a:r>
+                        <a:rPr lang="ko-KR" altLang="en-US" sz="1600" dirty="0">
+                          <a:latin typeface="한컴 말랑말랑 Bold" panose="020F0803000000000000" pitchFamily="50" charset="-127"/>
+                          <a:ea typeface="한컴 말랑말랑 Bold" panose="020F0803000000000000"/>
+                        </a:rPr>
+                        <a:t>캐릭터 구현</a:t>
                       </a:r>
                     </a:p>
                   </a:txBody>
-                  <a:tcPr anchor="ctr">
-                    <a:solidFill>
-                      <a:schemeClr val="bg2">
-                        <a:lumMod val="90000"/>
-                      </a:schemeClr>
-                    </a:solidFill>
-                  </a:tcPr>
+                  <a:tcPr anchor="ctr"/>
                 </a:tc>
                 <a:tc>
                   <a:txBody>
@@ -6247,61 +4556,17 @@
                     <a:lstStyle/>
                     <a:p>
                       <a:pPr algn="ctr" latinLnBrk="1"/>
-                      <a:r>
-                        <a:rPr lang="en-US" altLang="ko-KR" dirty="0">
-                          <a:latin typeface="한컴 말랑말랑 Bold" panose="020F0803000000000000" pitchFamily="50" charset="-127"/>
-                          <a:ea typeface="한컴 말랑말랑 Bold" panose="020F0803000000000000" pitchFamily="50" charset="-127"/>
-                        </a:rPr>
-                        <a:t>1. </a:t>
-                      </a:r>
-                      <a:r>
-                        <a:rPr lang="ko-KR" altLang="en-US" dirty="0" err="1">
-                          <a:latin typeface="한컴 말랑말랑 Bold" panose="020F0803000000000000" pitchFamily="50" charset="-127"/>
-                          <a:ea typeface="한컴 말랑말랑 Bold" panose="020F0803000000000000" pitchFamily="50" charset="-127"/>
-                        </a:rPr>
-                        <a:t>피카츄와</a:t>
-                      </a:r>
-                      <a:r>
-                        <a:rPr lang="ko-KR" altLang="en-US" dirty="0">
-                          <a:latin typeface="한컴 말랑말랑 Bold" panose="020F0803000000000000" pitchFamily="50" charset="-127"/>
-                          <a:ea typeface="한컴 말랑말랑 Bold" panose="020F0803000000000000" pitchFamily="50" charset="-127"/>
-                        </a:rPr>
-                        <a:t> 공 충돌 판정 구현</a:t>
-                      </a:r>
-                      <a:endParaRPr lang="en-US" altLang="ko-KR" dirty="0">
+                      <a:endParaRPr lang="ko-KR" altLang="en-US" sz="1600" dirty="0">
                         <a:latin typeface="한컴 말랑말랑 Bold" panose="020F0803000000000000" pitchFamily="50" charset="-127"/>
-                        <a:ea typeface="한컴 말랑말랑 Bold" panose="020F0803000000000000" pitchFamily="50" charset="-127"/>
+                        <a:ea typeface="한컴 말랑말랑 Bold" panose="020F0803000000000000"/>
                       </a:endParaRPr>
                     </a:p>
-                    <a:p>
-                      <a:pPr algn="ctr" latinLnBrk="1"/>
-                      <a:r>
-                        <a:rPr lang="en-US" altLang="ko-KR" dirty="0">
-                          <a:latin typeface="한컴 말랑말랑 Bold" panose="020F0803000000000000" pitchFamily="50" charset="-127"/>
-                          <a:ea typeface="한컴 말랑말랑 Bold" panose="020F0803000000000000" pitchFamily="50" charset="-127"/>
-                        </a:rPr>
-                        <a:t>2. 1~3</a:t>
-                      </a:r>
-                      <a:r>
-                        <a:rPr lang="ko-KR" altLang="en-US" dirty="0">
-                          <a:latin typeface="한컴 말랑말랑 Bold" panose="020F0803000000000000" pitchFamily="50" charset="-127"/>
-                          <a:ea typeface="한컴 말랑말랑 Bold" panose="020F0803000000000000" pitchFamily="50" charset="-127"/>
-                        </a:rPr>
-                        <a:t>주차 진행 동안 부족했던 점 수정</a:t>
-                      </a:r>
-                    </a:p>
                   </a:txBody>
-                  <a:tcPr anchor="ctr">
-                    <a:solidFill>
-                      <a:schemeClr val="bg2">
-                        <a:lumMod val="90000"/>
-                      </a:schemeClr>
-                    </a:solidFill>
-                  </a:tcPr>
+                  <a:tcPr anchor="ctr"/>
                 </a:tc>
                 <a:extLst>
                   <a:ext uri="{0D108BD9-81ED-4DB2-BD59-A6C34878D82A}">
-                    <a16:rowId xmlns:a16="http://schemas.microsoft.com/office/drawing/2014/main" val="2833565499"/>
+                    <a16:rowId xmlns:a16="http://schemas.microsoft.com/office/drawing/2014/main" val="2294744446"/>
                   </a:ext>
                 </a:extLst>
               </a:tr>
@@ -6313,16 +4578,16 @@
                     <a:p>
                       <a:pPr algn="ctr" latinLnBrk="1"/>
                       <a:r>
-                        <a:rPr lang="en-US" altLang="ko-KR" sz="2000" dirty="0">
-                          <a:latin typeface="한컴 말랑말랑 Bold" panose="020F0803000000000000" pitchFamily="50" charset="-127"/>
-                          <a:ea typeface="한컴 말랑말랑 Bold" panose="020F0803000000000000" pitchFamily="50" charset="-127"/>
-                        </a:rPr>
-                        <a:t>5</a:t>
-                      </a:r>
-                      <a:r>
-                        <a:rPr lang="ko-KR" altLang="en-US" sz="2000" dirty="0">
-                          <a:latin typeface="한컴 말랑말랑 Bold" panose="020F0803000000000000" pitchFamily="50" charset="-127"/>
-                          <a:ea typeface="한컴 말랑말랑 Bold" panose="020F0803000000000000" pitchFamily="50" charset="-127"/>
+                        <a:rPr lang="en-US" altLang="ko-KR" sz="1800" dirty="0">
+                          <a:latin typeface="한컴 말랑말랑 Bold" panose="020F0803000000000000" pitchFamily="50" charset="-127"/>
+                          <a:ea typeface="한컴 말랑말랑 Bold" panose="020F0803000000000000"/>
+                        </a:rPr>
+                        <a:t>8</a:t>
+                      </a:r>
+                      <a:r>
+                        <a:rPr lang="ko-KR" altLang="en-US" sz="1800" dirty="0">
+                          <a:latin typeface="한컴 말랑말랑 Bold" panose="020F0803000000000000" pitchFamily="50" charset="-127"/>
+                          <a:ea typeface="한컴 말랑말랑 Bold" panose="020F0803000000000000"/>
                         </a:rPr>
                         <a:t>주차</a:t>
                       </a:r>
@@ -6344,303 +4609,11 @@
                     <a:p>
                       <a:pPr algn="ctr" latinLnBrk="1"/>
                       <a:r>
-                        <a:rPr lang="ko-KR" altLang="en-US" dirty="0">
-                          <a:latin typeface="한컴 말랑말랑 Bold" panose="020F0803000000000000" pitchFamily="50" charset="-127"/>
-                          <a:ea typeface="한컴 말랑말랑 Bold" panose="020F0803000000000000" pitchFamily="50" charset="-127"/>
-                        </a:rPr>
-                        <a:t>특수 키</a:t>
-                      </a:r>
-                      <a:r>
-                        <a:rPr lang="en-US" altLang="ko-KR" dirty="0">
-                          <a:latin typeface="한컴 말랑말랑 Bold" panose="020F0803000000000000" pitchFamily="50" charset="-127"/>
-                          <a:ea typeface="한컴 말랑말랑 Bold" panose="020F0803000000000000" pitchFamily="50" charset="-127"/>
-                        </a:rPr>
-                        <a:t>(</a:t>
-                      </a:r>
-                      <a:r>
-                        <a:rPr lang="ko-KR" altLang="en-US" dirty="0">
-                          <a:latin typeface="한컴 말랑말랑 Bold" panose="020F0803000000000000" pitchFamily="50" charset="-127"/>
-                          <a:ea typeface="한컴 말랑말랑 Bold" panose="020F0803000000000000" pitchFamily="50" charset="-127"/>
-                        </a:rPr>
-                        <a:t>세게 치기</a:t>
-                      </a:r>
-                      <a:r>
-                        <a:rPr lang="en-US" altLang="ko-KR" dirty="0">
-                          <a:latin typeface="한컴 말랑말랑 Bold" panose="020F0803000000000000" pitchFamily="50" charset="-127"/>
-                          <a:ea typeface="한컴 말랑말랑 Bold" panose="020F0803000000000000" pitchFamily="50" charset="-127"/>
-                        </a:rPr>
-                        <a:t>) </a:t>
-                      </a:r>
-                      <a:r>
-                        <a:rPr lang="ko-KR" altLang="en-US" dirty="0">
-                          <a:latin typeface="한컴 말랑말랑 Bold" panose="020F0803000000000000" pitchFamily="50" charset="-127"/>
-                          <a:ea typeface="한컴 말랑말랑 Bold" panose="020F0803000000000000" pitchFamily="50" charset="-127"/>
-                        </a:rPr>
-                        <a:t>기능 구현</a:t>
-                      </a:r>
-                    </a:p>
-                  </a:txBody>
-                  <a:tcPr anchor="ctr"/>
-                </a:tc>
-                <a:tc>
-                  <a:txBody>
-                    <a:bodyPr/>
-                    <a:lstStyle/>
-                    <a:p>
-                      <a:pPr algn="ctr" latinLnBrk="1"/>
-                      <a:r>
-                        <a:rPr lang="ko-KR" altLang="en-US" dirty="0">
-                          <a:latin typeface="한컴 말랑말랑 Bold" panose="020F0803000000000000" pitchFamily="50" charset="-127"/>
-                          <a:ea typeface="한컴 말랑말랑 Bold" panose="020F0803000000000000" pitchFamily="50" charset="-127"/>
-                        </a:rPr>
-                        <a:t>세게 치기 기능 구현</a:t>
-                      </a:r>
-                    </a:p>
-                  </a:txBody>
-                  <a:tcPr anchor="ctr"/>
-                </a:tc>
-                <a:extLst>
-                  <a:ext uri="{0D108BD9-81ED-4DB2-BD59-A6C34878D82A}">
-                    <a16:rowId xmlns:a16="http://schemas.microsoft.com/office/drawing/2014/main" val="1882744321"/>
-                  </a:ext>
-                </a:extLst>
-              </a:tr>
-              <a:tr h="605829">
-                <a:tc>
-                  <a:txBody>
-                    <a:bodyPr/>
-                    <a:lstStyle/>
-                    <a:p>
-                      <a:pPr algn="ctr" latinLnBrk="1"/>
-                      <a:r>
-                        <a:rPr lang="en-US" altLang="ko-KR" sz="2000" dirty="0">
-                          <a:latin typeface="한컴 말랑말랑 Bold" panose="020F0803000000000000" pitchFamily="50" charset="-127"/>
-                          <a:ea typeface="한컴 말랑말랑 Bold" panose="020F0803000000000000" pitchFamily="50" charset="-127"/>
-                        </a:rPr>
-                        <a:t>6</a:t>
-                      </a:r>
-                      <a:r>
-                        <a:rPr lang="ko-KR" altLang="en-US" sz="2000" dirty="0">
-                          <a:latin typeface="한컴 말랑말랑 Bold" panose="020F0803000000000000" pitchFamily="50" charset="-127"/>
-                          <a:ea typeface="한컴 말랑말랑 Bold" panose="020F0803000000000000" pitchFamily="50" charset="-127"/>
-                        </a:rPr>
-                        <a:t>주차</a:t>
-                      </a:r>
-                    </a:p>
-                  </a:txBody>
-                  <a:tcPr anchor="ctr">
-                    <a:solidFill>
-                      <a:schemeClr val="accent1">
-                        <a:lumMod val="40000"/>
-                        <a:lumOff val="60000"/>
-                      </a:schemeClr>
-                    </a:solidFill>
-                  </a:tcPr>
-                </a:tc>
-                <a:tc>
-                  <a:txBody>
-                    <a:bodyPr/>
-                    <a:lstStyle/>
-                    <a:p>
-                      <a:pPr algn="ctr" latinLnBrk="1"/>
-                      <a:r>
-                        <a:rPr lang="ko-KR" altLang="en-US" dirty="0">
-                          <a:latin typeface="한컴 말랑말랑 Bold" panose="020F0803000000000000" pitchFamily="50" charset="-127"/>
-                          <a:ea typeface="한컴 말랑말랑 Bold" panose="020F0803000000000000" pitchFamily="50" charset="-127"/>
-                        </a:rPr>
-                        <a:t>게임 시스템 구현</a:t>
-                      </a:r>
-                    </a:p>
-                  </a:txBody>
-                  <a:tcPr anchor="ctr"/>
-                </a:tc>
-                <a:tc>
-                  <a:txBody>
-                    <a:bodyPr/>
-                    <a:lstStyle/>
-                    <a:p>
-                      <a:pPr marL="342900" indent="-342900" algn="ctr" latinLnBrk="1">
-                        <a:buAutoNum type="arabicPeriod"/>
-                      </a:pPr>
-                      <a:r>
-                        <a:rPr lang="ko-KR" altLang="en-US" dirty="0">
-                          <a:latin typeface="한컴 말랑말랑 Bold" panose="020F0803000000000000" pitchFamily="50" charset="-127"/>
-                          <a:ea typeface="한컴 말랑말랑 Bold" panose="020F0803000000000000" pitchFamily="50" charset="-127"/>
-                        </a:rPr>
-                        <a:t>득점 구현</a:t>
-                      </a:r>
-                      <a:endParaRPr lang="en-US" altLang="ko-KR" dirty="0">
-                        <a:latin typeface="한컴 말랑말랑 Bold" panose="020F0803000000000000" pitchFamily="50" charset="-127"/>
-                        <a:ea typeface="한컴 말랑말랑 Bold" panose="020F0803000000000000" pitchFamily="50" charset="-127"/>
-                      </a:endParaRPr>
-                    </a:p>
-                    <a:p>
-                      <a:pPr marL="342900" indent="-342900" algn="ctr" latinLnBrk="1">
-                        <a:buAutoNum type="arabicPeriod"/>
-                      </a:pPr>
-                      <a:r>
-                        <a:rPr lang="ko-KR" altLang="en-US" dirty="0">
-                          <a:latin typeface="한컴 말랑말랑 Bold" panose="020F0803000000000000" pitchFamily="50" charset="-127"/>
-                          <a:ea typeface="한컴 말랑말랑 Bold" panose="020F0803000000000000" pitchFamily="50" charset="-127"/>
-                        </a:rPr>
-                        <a:t>득점 후 서브 상황 구현</a:t>
-                      </a:r>
-                      <a:endParaRPr lang="en-US" altLang="ko-KR" dirty="0">
-                        <a:latin typeface="한컴 말랑말랑 Bold" panose="020F0803000000000000" pitchFamily="50" charset="-127"/>
-                        <a:ea typeface="한컴 말랑말랑 Bold" panose="020F0803000000000000" pitchFamily="50" charset="-127"/>
-                      </a:endParaRPr>
-                    </a:p>
-                    <a:p>
-                      <a:pPr marL="342900" indent="-342900" algn="ctr" latinLnBrk="1">
-                        <a:buAutoNum type="arabicPeriod"/>
-                      </a:pPr>
-                      <a:r>
-                        <a:rPr lang="ko-KR" altLang="en-US" dirty="0">
-                          <a:latin typeface="한컴 말랑말랑 Bold" panose="020F0803000000000000" pitchFamily="50" charset="-127"/>
-                          <a:ea typeface="한컴 말랑말랑 Bold" panose="020F0803000000000000" pitchFamily="50" charset="-127"/>
-                        </a:rPr>
-                        <a:t>게임 승리 시 연출</a:t>
-                      </a:r>
-                    </a:p>
-                  </a:txBody>
-                  <a:tcPr anchor="ctr"/>
-                </a:tc>
-                <a:extLst>
-                  <a:ext uri="{0D108BD9-81ED-4DB2-BD59-A6C34878D82A}">
-                    <a16:rowId xmlns:a16="http://schemas.microsoft.com/office/drawing/2014/main" val="1102045538"/>
-                  </a:ext>
-                </a:extLst>
-              </a:tr>
-              <a:tr h="605829">
-                <a:tc>
-                  <a:txBody>
-                    <a:bodyPr/>
-                    <a:lstStyle/>
-                    <a:p>
-                      <a:pPr algn="ctr" latinLnBrk="1"/>
-                      <a:r>
-                        <a:rPr lang="en-US" altLang="ko-KR" sz="2000" dirty="0">
-                          <a:latin typeface="한컴 말랑말랑 Bold" panose="020F0803000000000000" pitchFamily="50" charset="-127"/>
-                          <a:ea typeface="한컴 말랑말랑 Bold" panose="020F0803000000000000" pitchFamily="50" charset="-127"/>
-                        </a:rPr>
-                        <a:t>7</a:t>
-                      </a:r>
-                      <a:r>
-                        <a:rPr lang="ko-KR" altLang="en-US" sz="2000" dirty="0">
-                          <a:latin typeface="한컴 말랑말랑 Bold" panose="020F0803000000000000" pitchFamily="50" charset="-127"/>
-                          <a:ea typeface="한컴 말랑말랑 Bold" panose="020F0803000000000000" pitchFamily="50" charset="-127"/>
-                        </a:rPr>
-                        <a:t>주차</a:t>
-                      </a:r>
-                    </a:p>
-                  </a:txBody>
-                  <a:tcPr anchor="ctr">
-                    <a:solidFill>
-                      <a:schemeClr val="accent1">
-                        <a:lumMod val="40000"/>
-                        <a:lumOff val="60000"/>
-                      </a:schemeClr>
-                    </a:solidFill>
-                  </a:tcPr>
-                </a:tc>
-                <a:tc>
-                  <a:txBody>
-                    <a:bodyPr/>
-                    <a:lstStyle/>
-                    <a:p>
-                      <a:pPr algn="ctr" latinLnBrk="1"/>
-                      <a:r>
-                        <a:rPr lang="en-US" altLang="ko-KR" dirty="0">
-                          <a:latin typeface="한컴 말랑말랑 Bold" panose="020F0803000000000000" pitchFamily="50" charset="-127"/>
-                          <a:ea typeface="한컴 말랑말랑 Bold" panose="020F0803000000000000" pitchFamily="50" charset="-127"/>
-                        </a:rPr>
-                        <a:t>2p </a:t>
-                      </a:r>
-                      <a:r>
-                        <a:rPr lang="ko-KR" altLang="en-US" dirty="0">
-                          <a:latin typeface="한컴 말랑말랑 Bold" panose="020F0803000000000000" pitchFamily="50" charset="-127"/>
-                          <a:ea typeface="한컴 말랑말랑 Bold" panose="020F0803000000000000" pitchFamily="50" charset="-127"/>
-                        </a:rPr>
-                        <a:t>캐릭터 구현</a:t>
-                      </a:r>
-                    </a:p>
-                  </a:txBody>
-                  <a:tcPr anchor="ctr"/>
-                </a:tc>
-                <a:tc>
-                  <a:txBody>
-                    <a:bodyPr/>
-                    <a:lstStyle/>
-                    <a:p>
-                      <a:pPr algn="ctr" latinLnBrk="1"/>
-                      <a:r>
-                        <a:rPr lang="en-US" altLang="ko-KR" dirty="0">
-                          <a:latin typeface="한컴 말랑말랑 Bold" panose="020F0803000000000000" pitchFamily="50" charset="-127"/>
-                          <a:ea typeface="한컴 말랑말랑 Bold" panose="020F0803000000000000" pitchFamily="50" charset="-127"/>
-                        </a:rPr>
-                        <a:t>2p</a:t>
-                      </a:r>
-                      <a:r>
-                        <a:rPr lang="ko-KR" altLang="en-US" dirty="0">
-                          <a:latin typeface="한컴 말랑말랑 Bold" panose="020F0803000000000000" pitchFamily="50" charset="-127"/>
-                          <a:ea typeface="한컴 말랑말랑 Bold" panose="020F0803000000000000" pitchFamily="50" charset="-127"/>
-                        </a:rPr>
-                        <a:t>를 캐릭터 구현 </a:t>
-                      </a:r>
-                    </a:p>
-                  </a:txBody>
-                  <a:tcPr anchor="ctr"/>
-                </a:tc>
-                <a:extLst>
-                  <a:ext uri="{0D108BD9-81ED-4DB2-BD59-A6C34878D82A}">
-                    <a16:rowId xmlns:a16="http://schemas.microsoft.com/office/drawing/2014/main" val="2294744446"/>
-                  </a:ext>
-                </a:extLst>
-              </a:tr>
-              <a:tr h="605829">
-                <a:tc>
-                  <a:txBody>
-                    <a:bodyPr/>
-                    <a:lstStyle/>
-                    <a:p>
-                      <a:pPr algn="ctr" latinLnBrk="1"/>
-                      <a:r>
-                        <a:rPr lang="en-US" altLang="ko-KR" sz="2000" dirty="0">
-                          <a:latin typeface="한컴 말랑말랑 Bold" panose="020F0803000000000000" pitchFamily="50" charset="-127"/>
-                          <a:ea typeface="한컴 말랑말랑 Bold" panose="020F0803000000000000" pitchFamily="50" charset="-127"/>
-                        </a:rPr>
-                        <a:t>8</a:t>
-                      </a:r>
-                      <a:r>
-                        <a:rPr lang="ko-KR" altLang="en-US" sz="2000" dirty="0">
-                          <a:latin typeface="한컴 말랑말랑 Bold" panose="020F0803000000000000" pitchFamily="50" charset="-127"/>
-                          <a:ea typeface="한컴 말랑말랑 Bold" panose="020F0803000000000000" pitchFamily="50" charset="-127"/>
-                        </a:rPr>
-                        <a:t>주차</a:t>
-                      </a:r>
-                    </a:p>
-                  </a:txBody>
-                  <a:tcPr anchor="ctr">
-                    <a:solidFill>
-                      <a:schemeClr val="accent1">
-                        <a:lumMod val="40000"/>
-                        <a:lumOff val="60000"/>
-                      </a:schemeClr>
-                    </a:solidFill>
-                  </a:tcPr>
-                </a:tc>
-                <a:tc>
-                  <a:txBody>
-                    <a:bodyPr/>
-                    <a:lstStyle/>
-                    <a:p>
-                      <a:pPr algn="ctr" latinLnBrk="1"/>
-                      <a:r>
-                        <a:rPr lang="ko-KR" altLang="en-US" dirty="0">
-                          <a:latin typeface="한컴 말랑말랑 Bold" panose="020F0803000000000000" pitchFamily="50" charset="-127"/>
-                          <a:ea typeface="한컴 말랑말랑 Bold" panose="020F0803000000000000" pitchFamily="50" charset="-127"/>
-                        </a:rPr>
-                        <a:t>마무리</a:t>
+                        <a:rPr lang="ko-KR" altLang="en-US" sz="1600" dirty="0">
+                          <a:latin typeface="한컴 말랑말랑 Bold" panose="020F0803000000000000" pitchFamily="50" charset="-127"/>
+                          <a:ea typeface="한컴 말랑말랑 Bold" panose="020F0803000000000000"/>
+                        </a:rPr>
+                        <a:t>최종 점검 및 릴리즈</a:t>
                       </a:r>
                     </a:p>
                   </a:txBody>
@@ -6658,13 +4631,10 @@
                     <a:lstStyle/>
                     <a:p>
                       <a:pPr algn="ctr" latinLnBrk="1"/>
-                      <a:r>
-                        <a:rPr lang="ko-KR" altLang="en-US" dirty="0">
-                          <a:latin typeface="한컴 말랑말랑 Bold" panose="020F0803000000000000" pitchFamily="50" charset="-127"/>
-                          <a:ea typeface="한컴 말랑말랑 Bold" panose="020F0803000000000000" pitchFamily="50" charset="-127"/>
-                        </a:rPr>
-                        <a:t>최종 점검 및 릴리즈</a:t>
-                      </a:r>
+                      <a:endParaRPr lang="ko-KR" altLang="en-US" sz="1600" dirty="0">
+                        <a:latin typeface="한컴 말랑말랑 Bold" panose="020F0803000000000000" pitchFamily="50" charset="-127"/>
+                        <a:ea typeface="한컴 말랑말랑 Bold" panose="020F0803000000000000"/>
+                      </a:endParaRPr>
                     </a:p>
                   </a:txBody>
                   <a:tcPr anchor="ctr">
@@ -6698,7 +4668,7 @@
 </p:sld>
 </file>
 
-<file path=ppt/slides/slide8.xml><?xml version="1.0" encoding="utf-8"?>
+<file path=ppt/slides/slide3.xml><?xml version="1.0" encoding="utf-8"?>
 <p:sld xmlns:a="http://schemas.openxmlformats.org/drawingml/2006/main" xmlns:r="http://schemas.openxmlformats.org/officeDocument/2006/relationships" xmlns:p="http://schemas.openxmlformats.org/presentationml/2006/main">
   <p:cSld>
     <p:spTree>
@@ -6715,712 +4685,46 @@
           <a:chExt cx="0" cy="0"/>
         </a:xfrm>
       </p:grpSpPr>
-      <p:sp>
-        <p:nvSpPr>
-          <p:cNvPr id="4" name="직사각형 3">
-            <a:extLst>
-              <a:ext uri="{FF2B5EF4-FFF2-40B4-BE49-F238E27FC236}">
-                <a16:creationId xmlns:a16="http://schemas.microsoft.com/office/drawing/2014/main" id="{1E2B8156-2125-54D6-204E-98BA03835F4B}"/>
-              </a:ext>
-            </a:extLst>
-          </p:cNvPr>
-          <p:cNvSpPr/>
+      <p:pic>
+        <p:nvPicPr>
+          <p:cNvPr id="5" name="그림 4" descr="스크린샷, 멀티미디어 소프트웨어, 그래픽 소프트웨어, 소프트웨어이(가) 표시된 사진&#10;&#10;자동 생성된 설명">
+            <a:extLst>
+              <a:ext uri="{FF2B5EF4-FFF2-40B4-BE49-F238E27FC236}">
+                <a16:creationId xmlns:a16="http://schemas.microsoft.com/office/drawing/2014/main" id="{79991CA5-47D8-94DC-D5AA-2E32CC7BC9B7}"/>
+              </a:ext>
+            </a:extLst>
+          </p:cNvPr>
+          <p:cNvPicPr>
+            <a:picLocks noChangeAspect="1"/>
+          </p:cNvPicPr>
           <p:nvPr/>
-        </p:nvSpPr>
+        </p:nvPicPr>
+        <p:blipFill>
+          <a:blip r:embed="rId2">
+            <a:extLst>
+              <a:ext uri="{28A0092B-C50C-407E-A947-70E740481C1C}">
+                <a14:useLocalDpi xmlns:a14="http://schemas.microsoft.com/office/drawing/2010/main" val="0"/>
+              </a:ext>
+            </a:extLst>
+          </a:blip>
+          <a:stretch>
+            <a:fillRect/>
+          </a:stretch>
+        </p:blipFill>
         <p:spPr>
           <a:xfrm>
-            <a:off x="418009" y="853440"/>
-            <a:ext cx="539934" cy="78377"/>
+            <a:off x="0" y="440531"/>
+            <a:ext cx="12192000" cy="5976937"/>
           </a:xfrm>
           <a:prstGeom prst="rect">
             <a:avLst/>
           </a:prstGeom>
-          <a:ln>
-            <a:solidFill>
-              <a:schemeClr val="accent2"/>
-            </a:solidFill>
-          </a:ln>
         </p:spPr>
-        <p:style>
-          <a:lnRef idx="2">
-            <a:schemeClr val="accent2">
-              <a:shade val="15000"/>
-            </a:schemeClr>
-          </a:lnRef>
-          <a:fillRef idx="1">
-            <a:schemeClr val="accent2"/>
-          </a:fillRef>
-          <a:effectRef idx="0">
-            <a:schemeClr val="accent2"/>
-          </a:effectRef>
-          <a:fontRef idx="minor">
-            <a:schemeClr val="lt1"/>
-          </a:fontRef>
-        </p:style>
-        <p:txBody>
-          <a:bodyPr rtlCol="0" anchor="ctr"/>
-          <a:lstStyle/>
-          <a:p>
-            <a:pPr algn="ctr"/>
-            <a:endParaRPr lang="ko-KR" altLang="en-US"/>
-          </a:p>
-        </p:txBody>
-      </p:sp>
-      <p:sp>
-        <p:nvSpPr>
-          <p:cNvPr id="2" name="TextBox 1">
-            <a:extLst>
-              <a:ext uri="{FF2B5EF4-FFF2-40B4-BE49-F238E27FC236}">
-                <a16:creationId xmlns:a16="http://schemas.microsoft.com/office/drawing/2014/main" id="{21BF673A-FA4B-89B4-D3C1-3BF0F4F02700}"/>
-              </a:ext>
-            </a:extLst>
-          </p:cNvPr>
-          <p:cNvSpPr txBox="1"/>
-          <p:nvPr/>
-        </p:nvSpPr>
-        <p:spPr>
-          <a:xfrm>
-            <a:off x="318840" y="183997"/>
-            <a:ext cx="2737866" cy="535531"/>
-          </a:xfrm>
-          <a:prstGeom prst="rect">
-            <a:avLst/>
-          </a:prstGeom>
-          <a:noFill/>
-        </p:spPr>
-        <p:txBody>
-          <a:bodyPr wrap="square" rtlCol="0">
-            <a:spAutoFit/>
-          </a:bodyPr>
-          <a:lstStyle/>
-          <a:p>
-            <a:pPr latinLnBrk="0">
-              <a:lnSpc>
-                <a:spcPct val="90000"/>
-              </a:lnSpc>
-              <a:spcAft>
-                <a:spcPts val="600"/>
-              </a:spcAft>
-            </a:pPr>
-            <a:r>
-              <a:rPr lang="ko-KR" altLang="en-US" sz="3200" dirty="0">
-                <a:latin typeface="한컴 말랑말랑 Bold" panose="020F0803000000000000" pitchFamily="50" charset="-127"/>
-                <a:ea typeface="한컴 말랑말랑 Bold" panose="020F0803000000000000" pitchFamily="50" charset="-127"/>
-              </a:rPr>
-              <a:t>개발 범위</a:t>
-            </a:r>
-          </a:p>
-        </p:txBody>
-      </p:sp>
-      <p:graphicFrame>
-        <p:nvGraphicFramePr>
-          <p:cNvPr id="3" name="표 2">
-            <a:extLst>
-              <a:ext uri="{FF2B5EF4-FFF2-40B4-BE49-F238E27FC236}">
-                <a16:creationId xmlns:a16="http://schemas.microsoft.com/office/drawing/2014/main" id="{1E9A741D-89CE-54B9-4736-86092534970F}"/>
-              </a:ext>
-            </a:extLst>
-          </p:cNvPr>
-          <p:cNvGraphicFramePr>
-            <a:graphicFrameLocks noGrp="1"/>
-          </p:cNvGraphicFramePr>
-          <p:nvPr>
-            <p:extLst>
-              <p:ext uri="{D42A27DB-BD31-4B8C-83A1-F6EECF244321}">
-                <p14:modId xmlns:p14="http://schemas.microsoft.com/office/powerpoint/2010/main" val="614555088"/>
-              </p:ext>
-            </p:extLst>
-          </p:nvPr>
-        </p:nvGraphicFramePr>
-        <p:xfrm>
-          <a:off x="436864" y="1696210"/>
-          <a:ext cx="11318271" cy="4160689"/>
-        </p:xfrm>
-        <a:graphic>
-          <a:graphicData uri="http://schemas.openxmlformats.org/drawingml/2006/table">
-            <a:tbl>
-              <a:tblPr firstRow="1" bandRow="1">
-                <a:tableStyleId>{5940675A-B579-460E-94D1-54222C63F5DA}</a:tableStyleId>
-              </a:tblPr>
-              <a:tblGrid>
-                <a:gridCol w="2396212">
-                  <a:extLst>
-                    <a:ext uri="{9D8B030D-6E8A-4147-A177-3AD203B41FA5}">
-                      <a16:colId xmlns:a16="http://schemas.microsoft.com/office/drawing/2014/main" val="3266317992"/>
-                    </a:ext>
-                  </a:extLst>
-                </a:gridCol>
-                <a:gridCol w="8922059">
-                  <a:extLst>
-                    <a:ext uri="{9D8B030D-6E8A-4147-A177-3AD203B41FA5}">
-                      <a16:colId xmlns:a16="http://schemas.microsoft.com/office/drawing/2014/main" val="3292684946"/>
-                    </a:ext>
-                  </a:extLst>
-                </a:gridCol>
-              </a:tblGrid>
-              <a:tr h="655766">
-                <a:tc>
-                  <a:txBody>
-                    <a:bodyPr/>
-                    <a:lstStyle/>
-                    <a:p>
-                      <a:pPr algn="ctr" latinLnBrk="1"/>
-                      <a:r>
-                        <a:rPr lang="ko-KR" altLang="en-US" sz="2000" dirty="0">
-                          <a:latin typeface="한컴 말랑말랑 Bold" panose="020F0803000000000000" pitchFamily="50" charset="-127"/>
-                          <a:ea typeface="한컴 말랑말랑 Bold" panose="020F0803000000000000" pitchFamily="50" charset="-127"/>
-                        </a:rPr>
-                        <a:t>내용</a:t>
-                      </a:r>
-                    </a:p>
-                  </a:txBody>
-                  <a:tcPr anchor="ctr">
-                    <a:solidFill>
-                      <a:schemeClr val="accent2">
-                        <a:lumMod val="20000"/>
-                        <a:lumOff val="80000"/>
-                      </a:schemeClr>
-                    </a:solidFill>
-                  </a:tcPr>
-                </a:tc>
-                <a:tc>
-                  <a:txBody>
-                    <a:bodyPr/>
-                    <a:lstStyle/>
-                    <a:p>
-                      <a:pPr algn="ctr" latinLnBrk="1"/>
-                      <a:r>
-                        <a:rPr lang="ko-KR" altLang="en-US" sz="2000" dirty="0">
-                          <a:latin typeface="한컴 말랑말랑 Bold" panose="020F0803000000000000" pitchFamily="50" charset="-127"/>
-                          <a:ea typeface="한컴 말랑말랑 Bold" panose="020F0803000000000000" pitchFamily="50" charset="-127"/>
-                        </a:rPr>
-                        <a:t>개발 범위</a:t>
-                      </a:r>
-                    </a:p>
-                  </a:txBody>
-                  <a:tcPr anchor="ctr">
-                    <a:solidFill>
-                      <a:schemeClr val="accent2">
-                        <a:lumMod val="20000"/>
-                        <a:lumOff val="80000"/>
-                      </a:schemeClr>
-                    </a:solidFill>
-                  </a:tcPr>
-                </a:tc>
-                <a:extLst>
-                  <a:ext uri="{0D108BD9-81ED-4DB2-BD59-A6C34878D82A}">
-                    <a16:rowId xmlns:a16="http://schemas.microsoft.com/office/drawing/2014/main" val="1173993270"/>
-                  </a:ext>
-                </a:extLst>
-              </a:tr>
-              <a:tr h="655766">
-                <a:tc>
-                  <a:txBody>
-                    <a:bodyPr/>
-                    <a:lstStyle/>
-                    <a:p>
-                      <a:pPr algn="ctr" latinLnBrk="1"/>
-                      <a:r>
-                        <a:rPr lang="ko-KR" altLang="en-US" sz="2000" dirty="0">
-                          <a:latin typeface="한컴 말랑말랑 Bold" panose="020F0803000000000000" pitchFamily="50" charset="-127"/>
-                          <a:ea typeface="한컴 말랑말랑 Bold" panose="020F0803000000000000" pitchFamily="50" charset="-127"/>
-                        </a:rPr>
-                        <a:t>캐릭터 컨트롤</a:t>
-                      </a:r>
-                    </a:p>
-                  </a:txBody>
-                  <a:tcPr anchor="ctr">
-                    <a:solidFill>
-                      <a:schemeClr val="accent2">
-                        <a:lumMod val="20000"/>
-                        <a:lumOff val="80000"/>
-                      </a:schemeClr>
-                    </a:solidFill>
-                  </a:tcPr>
-                </a:tc>
-                <a:tc>
-                  <a:txBody>
-                    <a:bodyPr/>
-                    <a:lstStyle/>
-                    <a:p>
-                      <a:pPr algn="ctr" latinLnBrk="1"/>
-                      <a:r>
-                        <a:rPr lang="ko-KR" altLang="en-US" sz="2000" dirty="0">
-                          <a:latin typeface="한컴 말랑말랑 Bold" panose="020F0803000000000000" pitchFamily="50" charset="-127"/>
-                          <a:ea typeface="한컴 말랑말랑 Bold" panose="020F0803000000000000" pitchFamily="50" charset="-127"/>
-                        </a:rPr>
-                        <a:t>방향키</a:t>
-                      </a:r>
-                      <a:r>
-                        <a:rPr lang="en-US" altLang="ko-KR" sz="2000" dirty="0">
-                          <a:latin typeface="한컴 말랑말랑 Bold" panose="020F0803000000000000" pitchFamily="50" charset="-127"/>
-                          <a:ea typeface="한컴 말랑말랑 Bold" panose="020F0803000000000000" pitchFamily="50" charset="-127"/>
-                        </a:rPr>
-                        <a:t>: </a:t>
-                      </a:r>
-                      <a:r>
-                        <a:rPr lang="ko-KR" altLang="en-US" sz="2000" dirty="0">
-                          <a:latin typeface="한컴 말랑말랑 Bold" panose="020F0803000000000000" pitchFamily="50" charset="-127"/>
-                          <a:ea typeface="한컴 말랑말랑 Bold" panose="020F0803000000000000" pitchFamily="50" charset="-127"/>
-                        </a:rPr>
-                        <a:t>좌우 이동</a:t>
-                      </a:r>
-                      <a:r>
-                        <a:rPr lang="en-US" altLang="ko-KR" sz="2000" dirty="0">
-                          <a:latin typeface="한컴 말랑말랑 Bold" panose="020F0803000000000000" pitchFamily="50" charset="-127"/>
-                          <a:ea typeface="한컴 말랑말랑 Bold" panose="020F0803000000000000" pitchFamily="50" charset="-127"/>
-                        </a:rPr>
-                        <a:t>, </a:t>
-                      </a:r>
-                      <a:r>
-                        <a:rPr lang="ko-KR" altLang="en-US" sz="2000" dirty="0">
-                          <a:latin typeface="한컴 말랑말랑 Bold" panose="020F0803000000000000" pitchFamily="50" charset="-127"/>
-                          <a:ea typeface="한컴 말랑말랑 Bold" panose="020F0803000000000000" pitchFamily="50" charset="-127"/>
-                        </a:rPr>
-                        <a:t>점프 </a:t>
-                      </a:r>
-                      <a:r>
-                        <a:rPr lang="en-US" altLang="ko-KR" sz="2000" dirty="0">
-                          <a:latin typeface="한컴 말랑말랑 Bold" panose="020F0803000000000000" pitchFamily="50" charset="-127"/>
-                          <a:ea typeface="한컴 말랑말랑 Bold" panose="020F0803000000000000" pitchFamily="50" charset="-127"/>
-                        </a:rPr>
-                        <a:t>/ </a:t>
-                      </a:r>
-                      <a:r>
-                        <a:rPr lang="ko-KR" altLang="en-US" sz="2000" dirty="0">
-                          <a:latin typeface="한컴 말랑말랑 Bold" panose="020F0803000000000000" pitchFamily="50" charset="-127"/>
-                          <a:ea typeface="한컴 말랑말랑 Bold" panose="020F0803000000000000" pitchFamily="50" charset="-127"/>
-                        </a:rPr>
-                        <a:t>특수키</a:t>
-                      </a:r>
-                      <a:r>
-                        <a:rPr lang="en-US" altLang="ko-KR" sz="2000" dirty="0">
-                          <a:latin typeface="한컴 말랑말랑 Bold" panose="020F0803000000000000" pitchFamily="50" charset="-127"/>
-                          <a:ea typeface="한컴 말랑말랑 Bold" panose="020F0803000000000000" pitchFamily="50" charset="-127"/>
-                        </a:rPr>
-                        <a:t>: Enter or Space</a:t>
-                      </a:r>
-                      <a:endParaRPr lang="ko-KR" altLang="en-US" sz="2000" dirty="0">
-                        <a:latin typeface="한컴 말랑말랑 Bold" panose="020F0803000000000000" pitchFamily="50" charset="-127"/>
-                        <a:ea typeface="한컴 말랑말랑 Bold" panose="020F0803000000000000" pitchFamily="50" charset="-127"/>
-                      </a:endParaRPr>
-                    </a:p>
-                  </a:txBody>
-                  <a:tcPr anchor="ctr"/>
-                </a:tc>
-                <a:extLst>
-                  <a:ext uri="{0D108BD9-81ED-4DB2-BD59-A6C34878D82A}">
-                    <a16:rowId xmlns:a16="http://schemas.microsoft.com/office/drawing/2014/main" val="2661580119"/>
-                  </a:ext>
-                </a:extLst>
-              </a:tr>
-              <a:tr h="655766">
-                <a:tc>
-                  <a:txBody>
-                    <a:bodyPr/>
-                    <a:lstStyle/>
-                    <a:p>
-                      <a:pPr algn="ctr" latinLnBrk="1"/>
-                      <a:r>
-                        <a:rPr lang="ko-KR" altLang="en-US" sz="2000" dirty="0">
-                          <a:latin typeface="한컴 말랑말랑 Bold" panose="020F0803000000000000" pitchFamily="50" charset="-127"/>
-                          <a:ea typeface="한컴 말랑말랑 Bold" panose="020F0803000000000000" pitchFamily="50" charset="-127"/>
-                        </a:rPr>
-                        <a:t>맵</a:t>
-                      </a:r>
-                    </a:p>
-                  </a:txBody>
-                  <a:tcPr anchor="ctr">
-                    <a:solidFill>
-                      <a:schemeClr val="accent2">
-                        <a:lumMod val="20000"/>
-                        <a:lumOff val="80000"/>
-                      </a:schemeClr>
-                    </a:solidFill>
-                  </a:tcPr>
-                </a:tc>
-                <a:tc>
-                  <a:txBody>
-                    <a:bodyPr/>
-                    <a:lstStyle/>
-                    <a:p>
-                      <a:pPr algn="ctr" latinLnBrk="1"/>
-                      <a:r>
-                        <a:rPr lang="ko-KR" altLang="en-US" sz="2000" dirty="0">
-                          <a:latin typeface="한컴 말랑말랑 Bold" panose="020F0803000000000000" pitchFamily="50" charset="-127"/>
-                          <a:ea typeface="한컴 말랑말랑 Bold" panose="020F0803000000000000" pitchFamily="50" charset="-127"/>
-                        </a:rPr>
-                        <a:t>고정된 </a:t>
-                      </a:r>
-                      <a:r>
-                        <a:rPr lang="ko-KR" altLang="en-US" sz="2000" dirty="0" err="1">
-                          <a:latin typeface="한컴 말랑말랑 Bold" panose="020F0803000000000000" pitchFamily="50" charset="-127"/>
-                          <a:ea typeface="한컴 말랑말랑 Bold" panose="020F0803000000000000" pitchFamily="50" charset="-127"/>
-                        </a:rPr>
-                        <a:t>배경맵</a:t>
-                      </a:r>
-                      <a:r>
-                        <a:rPr lang="ko-KR" altLang="en-US" sz="2000" dirty="0">
-                          <a:latin typeface="한컴 말랑말랑 Bold" panose="020F0803000000000000" pitchFamily="50" charset="-127"/>
-                          <a:ea typeface="한컴 말랑말랑 Bold" panose="020F0803000000000000" pitchFamily="50" charset="-127"/>
-                        </a:rPr>
-                        <a:t> </a:t>
-                      </a:r>
-                      <a:r>
-                        <a:rPr lang="en-US" altLang="ko-KR" sz="2000" dirty="0">
-                          <a:latin typeface="한컴 말랑말랑 Bold" panose="020F0803000000000000" pitchFamily="50" charset="-127"/>
-                          <a:ea typeface="한컴 말랑말랑 Bold" panose="020F0803000000000000" pitchFamily="50" charset="-127"/>
-                        </a:rPr>
-                        <a:t>1</a:t>
-                      </a:r>
-                      <a:r>
-                        <a:rPr lang="ko-KR" altLang="en-US" sz="2000" dirty="0">
-                          <a:latin typeface="한컴 말랑말랑 Bold" panose="020F0803000000000000" pitchFamily="50" charset="-127"/>
-                          <a:ea typeface="한컴 말랑말랑 Bold" panose="020F0803000000000000" pitchFamily="50" charset="-127"/>
-                        </a:rPr>
-                        <a:t>개</a:t>
-                      </a:r>
-                    </a:p>
-                  </a:txBody>
-                  <a:tcPr anchor="ctr"/>
-                </a:tc>
-                <a:extLst>
-                  <a:ext uri="{0D108BD9-81ED-4DB2-BD59-A6C34878D82A}">
-                    <a16:rowId xmlns:a16="http://schemas.microsoft.com/office/drawing/2014/main" val="2880365942"/>
-                  </a:ext>
-                </a:extLst>
-              </a:tr>
-              <a:tr h="881859">
-                <a:tc>
-                  <a:txBody>
-                    <a:bodyPr/>
-                    <a:lstStyle/>
-                    <a:p>
-                      <a:pPr algn="ctr" latinLnBrk="1"/>
-                      <a:r>
-                        <a:rPr lang="ko-KR" altLang="en-US" sz="2000" dirty="0">
-                          <a:latin typeface="한컴 말랑말랑 Bold" panose="020F0803000000000000" pitchFamily="50" charset="-127"/>
-                          <a:ea typeface="한컴 말랑말랑 Bold" panose="020F0803000000000000" pitchFamily="50" charset="-127"/>
-                        </a:rPr>
-                        <a:t>게임 기능</a:t>
-                      </a:r>
-                    </a:p>
-                  </a:txBody>
-                  <a:tcPr anchor="ctr">
-                    <a:solidFill>
-                      <a:schemeClr val="accent2">
-                        <a:lumMod val="20000"/>
-                        <a:lumOff val="80000"/>
-                      </a:schemeClr>
-                    </a:solidFill>
-                  </a:tcPr>
-                </a:tc>
-                <a:tc>
-                  <a:txBody>
-                    <a:bodyPr/>
-                    <a:lstStyle/>
-                    <a:p>
-                      <a:pPr marL="0" marR="0" lvl="0" indent="0" algn="ctr" defTabSz="914400" rtl="0" eaLnBrk="1" fontAlgn="auto" latinLnBrk="1" hangingPunct="1">
-                        <a:lnSpc>
-                          <a:spcPct val="100000"/>
-                        </a:lnSpc>
-                        <a:spcBef>
-                          <a:spcPts val="0"/>
-                        </a:spcBef>
-                        <a:spcAft>
-                          <a:spcPts val="0"/>
-                        </a:spcAft>
-                        <a:buClrTx/>
-                        <a:buSzTx/>
-                        <a:buFontTx/>
-                        <a:buNone/>
-                        <a:tabLst/>
-                        <a:defRPr/>
-                      </a:pPr>
-                      <a:r>
-                        <a:rPr lang="en-US" altLang="ko-KR" sz="2000" dirty="0">
-                          <a:latin typeface="한컴 말랑말랑 Bold" panose="020F0803000000000000" pitchFamily="50" charset="-127"/>
-                          <a:ea typeface="한컴 말랑말랑 Bold" panose="020F0803000000000000" pitchFamily="50" charset="-127"/>
-                        </a:rPr>
-                        <a:t>10</a:t>
-                      </a:r>
-                      <a:r>
-                        <a:rPr lang="ko-KR" altLang="en-US" sz="2000" dirty="0">
-                          <a:latin typeface="한컴 말랑말랑 Bold" panose="020F0803000000000000" pitchFamily="50" charset="-127"/>
-                          <a:ea typeface="한컴 말랑말랑 Bold" panose="020F0803000000000000" pitchFamily="50" charset="-127"/>
-                        </a:rPr>
-                        <a:t>점을 먼저 달성하면 승리</a:t>
-                      </a:r>
-                      <a:r>
-                        <a:rPr lang="en-US" altLang="ko-KR" sz="2000" dirty="0">
-                          <a:latin typeface="한컴 말랑말랑 Bold" panose="020F0803000000000000" pitchFamily="50" charset="-127"/>
-                          <a:ea typeface="한컴 말랑말랑 Bold" panose="020F0803000000000000" pitchFamily="50" charset="-127"/>
-                        </a:rPr>
-                        <a:t>, </a:t>
-                      </a:r>
-                    </a:p>
-                    <a:p>
-                      <a:pPr marL="0" marR="0" lvl="0" indent="0" algn="ctr" defTabSz="914400" rtl="0" eaLnBrk="1" fontAlgn="auto" latinLnBrk="1" hangingPunct="1">
-                        <a:lnSpc>
-                          <a:spcPct val="100000"/>
-                        </a:lnSpc>
-                        <a:spcBef>
-                          <a:spcPts val="0"/>
-                        </a:spcBef>
-                        <a:spcAft>
-                          <a:spcPts val="0"/>
-                        </a:spcAft>
-                        <a:buClrTx/>
-                        <a:buSzTx/>
-                        <a:buFontTx/>
-                        <a:buNone/>
-                        <a:tabLst/>
-                        <a:defRPr/>
-                      </a:pPr>
-                      <a:r>
-                        <a:rPr lang="ko-KR" altLang="en-US" sz="2000" dirty="0">
-                          <a:latin typeface="한컴 말랑말랑 Bold" panose="020F0803000000000000" pitchFamily="50" charset="-127"/>
-                          <a:ea typeface="한컴 말랑말랑 Bold" panose="020F0803000000000000" pitchFamily="50" charset="-127"/>
-                        </a:rPr>
-                        <a:t>게임 종료 시 승리</a:t>
-                      </a:r>
-                      <a:r>
-                        <a:rPr lang="en-US" altLang="ko-KR" sz="2000" dirty="0">
-                          <a:latin typeface="한컴 말랑말랑 Bold" panose="020F0803000000000000" pitchFamily="50" charset="-127"/>
-                          <a:ea typeface="한컴 말랑말랑 Bold" panose="020F0803000000000000" pitchFamily="50" charset="-127"/>
-                        </a:rPr>
-                        <a:t>/</a:t>
-                      </a:r>
-                      <a:r>
-                        <a:rPr lang="ko-KR" altLang="en-US" sz="2000" dirty="0">
-                          <a:latin typeface="한컴 말랑말랑 Bold" panose="020F0803000000000000" pitchFamily="50" charset="-127"/>
-                          <a:ea typeface="한컴 말랑말랑 Bold" panose="020F0803000000000000" pitchFamily="50" charset="-127"/>
-                        </a:rPr>
-                        <a:t>패배 애니메이션</a:t>
-                      </a:r>
-                    </a:p>
-                  </a:txBody>
-                  <a:tcPr anchor="ctr"/>
-                </a:tc>
-                <a:extLst>
-                  <a:ext uri="{0D108BD9-81ED-4DB2-BD59-A6C34878D82A}">
-                    <a16:rowId xmlns:a16="http://schemas.microsoft.com/office/drawing/2014/main" val="2527658152"/>
-                  </a:ext>
-                </a:extLst>
-              </a:tr>
-              <a:tr h="655766">
-                <a:tc>
-                  <a:txBody>
-                    <a:bodyPr/>
-                    <a:lstStyle/>
-                    <a:p>
-                      <a:pPr algn="ctr" latinLnBrk="1"/>
-                      <a:r>
-                        <a:rPr lang="ko-KR" altLang="en-US" sz="2000" dirty="0">
-                          <a:latin typeface="한컴 말랑말랑 Bold" panose="020F0803000000000000" pitchFamily="50" charset="-127"/>
-                          <a:ea typeface="한컴 말랑말랑 Bold" panose="020F0803000000000000" pitchFamily="50" charset="-127"/>
-                        </a:rPr>
-                        <a:t>사운드</a:t>
-                      </a:r>
-                    </a:p>
-                  </a:txBody>
-                  <a:tcPr anchor="ctr">
-                    <a:solidFill>
-                      <a:schemeClr val="accent2">
-                        <a:lumMod val="20000"/>
-                        <a:lumOff val="80000"/>
-                      </a:schemeClr>
-                    </a:solidFill>
-                  </a:tcPr>
-                </a:tc>
-                <a:tc>
-                  <a:txBody>
-                    <a:bodyPr/>
-                    <a:lstStyle/>
-                    <a:p>
-                      <a:pPr algn="ctr" latinLnBrk="1"/>
-                      <a:r>
-                        <a:rPr lang="ko-KR" altLang="en-US" sz="2000" dirty="0">
-                          <a:latin typeface="한컴 말랑말랑 Bold" panose="020F0803000000000000" pitchFamily="50" charset="-127"/>
-                          <a:ea typeface="한컴 말랑말랑 Bold" panose="020F0803000000000000" pitchFamily="50" charset="-127"/>
-                        </a:rPr>
-                        <a:t>배경 음악</a:t>
-                      </a:r>
-                      <a:r>
-                        <a:rPr lang="en-US" altLang="ko-KR" sz="2000" dirty="0">
-                          <a:latin typeface="한컴 말랑말랑 Bold" panose="020F0803000000000000" pitchFamily="50" charset="-127"/>
-                          <a:ea typeface="한컴 말랑말랑 Bold" panose="020F0803000000000000" pitchFamily="50" charset="-127"/>
-                        </a:rPr>
-                        <a:t>, </a:t>
-                      </a:r>
-                      <a:r>
-                        <a:rPr lang="ko-KR" altLang="en-US" sz="2000" dirty="0">
-                          <a:latin typeface="한컴 말랑말랑 Bold" panose="020F0803000000000000" pitchFamily="50" charset="-127"/>
-                          <a:ea typeface="한컴 말랑말랑 Bold" panose="020F0803000000000000" pitchFamily="50" charset="-127"/>
-                        </a:rPr>
-                        <a:t>피카츄 특수키 사용 효과음</a:t>
-                      </a:r>
-                      <a:r>
-                        <a:rPr lang="en-US" altLang="ko-KR" sz="2000" dirty="0">
-                          <a:latin typeface="한컴 말랑말랑 Bold" panose="020F0803000000000000" pitchFamily="50" charset="-127"/>
-                          <a:ea typeface="한컴 말랑말랑 Bold" panose="020F0803000000000000" pitchFamily="50" charset="-127"/>
-                        </a:rPr>
-                        <a:t>, </a:t>
-                      </a:r>
-                      <a:r>
-                        <a:rPr lang="ko-KR" altLang="en-US" sz="2000" dirty="0">
-                          <a:latin typeface="한컴 말랑말랑 Bold" panose="020F0803000000000000" pitchFamily="50" charset="-127"/>
-                          <a:ea typeface="한컴 말랑말랑 Bold" panose="020F0803000000000000" pitchFamily="50" charset="-127"/>
-                        </a:rPr>
-                        <a:t>피카츄 슬라이딩 사용 효과음</a:t>
-                      </a:r>
-                      <a:r>
-                        <a:rPr lang="en-US" altLang="ko-KR" sz="2000" dirty="0">
-                          <a:latin typeface="한컴 말랑말랑 Bold" panose="020F0803000000000000" pitchFamily="50" charset="-127"/>
-                          <a:ea typeface="한컴 말랑말랑 Bold" panose="020F0803000000000000" pitchFamily="50" charset="-127"/>
-                        </a:rPr>
-                        <a:t>, </a:t>
-                      </a:r>
-                      <a:r>
-                        <a:rPr lang="ko-KR" altLang="en-US" sz="2000" dirty="0">
-                          <a:latin typeface="한컴 말랑말랑 Bold" panose="020F0803000000000000" pitchFamily="50" charset="-127"/>
-                          <a:ea typeface="한컴 말랑말랑 Bold" panose="020F0803000000000000" pitchFamily="50" charset="-127"/>
-                        </a:rPr>
-                        <a:t>공 </a:t>
-                      </a:r>
-                      <a:r>
-                        <a:rPr lang="ko-KR" altLang="en-US" sz="2000" dirty="0" err="1">
-                          <a:latin typeface="한컴 말랑말랑 Bold" panose="020F0803000000000000" pitchFamily="50" charset="-127"/>
-                          <a:ea typeface="한컴 말랑말랑 Bold" panose="020F0803000000000000" pitchFamily="50" charset="-127"/>
-                        </a:rPr>
-                        <a:t>타격음</a:t>
-                      </a:r>
-                      <a:endParaRPr lang="ko-KR" altLang="en-US" sz="2000" dirty="0">
-                        <a:latin typeface="한컴 말랑말랑 Bold" panose="020F0803000000000000" pitchFamily="50" charset="-127"/>
-                        <a:ea typeface="한컴 말랑말랑 Bold" panose="020F0803000000000000" pitchFamily="50" charset="-127"/>
-                      </a:endParaRPr>
-                    </a:p>
-                  </a:txBody>
-                  <a:tcPr anchor="ctr"/>
-                </a:tc>
-                <a:extLst>
-                  <a:ext uri="{0D108BD9-81ED-4DB2-BD59-A6C34878D82A}">
-                    <a16:rowId xmlns:a16="http://schemas.microsoft.com/office/drawing/2014/main" val="2880451094"/>
-                  </a:ext>
-                </a:extLst>
-              </a:tr>
-              <a:tr h="655766">
-                <a:tc>
-                  <a:txBody>
-                    <a:bodyPr/>
-                    <a:lstStyle/>
-                    <a:p>
-                      <a:pPr algn="ctr" latinLnBrk="1"/>
-                      <a:r>
-                        <a:rPr lang="ko-KR" altLang="en-US" sz="2000" dirty="0">
-                          <a:latin typeface="한컴 말랑말랑 Bold" panose="020F0803000000000000" pitchFamily="50" charset="-127"/>
-                          <a:ea typeface="한컴 말랑말랑 Bold" panose="020F0803000000000000" pitchFamily="50" charset="-127"/>
-                        </a:rPr>
-                        <a:t>애니메이션</a:t>
-                      </a:r>
-                    </a:p>
-                  </a:txBody>
-                  <a:tcPr anchor="ctr">
-                    <a:solidFill>
-                      <a:schemeClr val="accent2">
-                        <a:lumMod val="20000"/>
-                        <a:lumOff val="80000"/>
-                      </a:schemeClr>
-                    </a:solidFill>
-                  </a:tcPr>
-                </a:tc>
-                <a:tc>
-                  <a:txBody>
-                    <a:bodyPr/>
-                    <a:lstStyle/>
-                    <a:p>
-                      <a:pPr algn="ctr" latinLnBrk="1"/>
-                      <a:r>
-                        <a:rPr lang="ko-KR" altLang="en-US" sz="2000" dirty="0">
-                          <a:latin typeface="한컴 말랑말랑 Bold" panose="020F0803000000000000" pitchFamily="50" charset="-127"/>
-                          <a:ea typeface="한컴 말랑말랑 Bold" panose="020F0803000000000000" pitchFamily="50" charset="-127"/>
-                        </a:rPr>
-                        <a:t>피카츄</a:t>
-                      </a:r>
-                      <a:r>
-                        <a:rPr lang="en-US" altLang="ko-KR" sz="2000" dirty="0">
-                          <a:latin typeface="한컴 말랑말랑 Bold" panose="020F0803000000000000" pitchFamily="50" charset="-127"/>
-                          <a:ea typeface="한컴 말랑말랑 Bold" panose="020F0803000000000000" pitchFamily="50" charset="-127"/>
-                        </a:rPr>
-                        <a:t>: </a:t>
-                      </a:r>
-                      <a:r>
-                        <a:rPr lang="ko-KR" altLang="en-US" sz="2000" dirty="0">
-                          <a:latin typeface="한컴 말랑말랑 Bold" panose="020F0803000000000000" pitchFamily="50" charset="-127"/>
-                          <a:ea typeface="한컴 말랑말랑 Bold" panose="020F0803000000000000" pitchFamily="50" charset="-127"/>
-                        </a:rPr>
-                        <a:t>이동</a:t>
-                      </a:r>
-                      <a:r>
-                        <a:rPr lang="en-US" altLang="ko-KR" sz="2000" dirty="0">
-                          <a:latin typeface="한컴 말랑말랑 Bold" panose="020F0803000000000000" pitchFamily="50" charset="-127"/>
-                          <a:ea typeface="한컴 말랑말랑 Bold" panose="020F0803000000000000" pitchFamily="50" charset="-127"/>
-                        </a:rPr>
-                        <a:t>, </a:t>
-                      </a:r>
-                      <a:r>
-                        <a:rPr lang="ko-KR" altLang="en-US" sz="2000" dirty="0">
-                          <a:latin typeface="한컴 말랑말랑 Bold" panose="020F0803000000000000" pitchFamily="50" charset="-127"/>
-                          <a:ea typeface="한컴 말랑말랑 Bold" panose="020F0803000000000000" pitchFamily="50" charset="-127"/>
-                        </a:rPr>
-                        <a:t>슬라이딩 </a:t>
-                      </a:r>
-                      <a:r>
-                        <a:rPr lang="en-US" altLang="ko-KR" sz="2000" dirty="0">
-                          <a:latin typeface="한컴 말랑말랑 Bold" panose="020F0803000000000000" pitchFamily="50" charset="-127"/>
-                          <a:ea typeface="한컴 말랑말랑 Bold" panose="020F0803000000000000" pitchFamily="50" charset="-127"/>
-                        </a:rPr>
-                        <a:t>/ </a:t>
-                      </a:r>
-                      <a:r>
-                        <a:rPr lang="ko-KR" altLang="en-US" sz="2000" dirty="0">
-                          <a:latin typeface="한컴 말랑말랑 Bold" panose="020F0803000000000000" pitchFamily="50" charset="-127"/>
-                          <a:ea typeface="한컴 말랑말랑 Bold" panose="020F0803000000000000" pitchFamily="50" charset="-127"/>
-                        </a:rPr>
-                        <a:t>공</a:t>
-                      </a:r>
-                      <a:r>
-                        <a:rPr lang="en-US" altLang="ko-KR" sz="2000" dirty="0">
-                          <a:latin typeface="한컴 말랑말랑 Bold" panose="020F0803000000000000" pitchFamily="50" charset="-127"/>
-                          <a:ea typeface="한컴 말랑말랑 Bold" panose="020F0803000000000000" pitchFamily="50" charset="-127"/>
-                        </a:rPr>
-                        <a:t>: </a:t>
-                      </a:r>
-                      <a:r>
-                        <a:rPr lang="ko-KR" altLang="en-US" sz="2000" dirty="0">
-                          <a:latin typeface="한컴 말랑말랑 Bold" panose="020F0803000000000000" pitchFamily="50" charset="-127"/>
-                          <a:ea typeface="한컴 말랑말랑 Bold" panose="020F0803000000000000" pitchFamily="50" charset="-127"/>
-                        </a:rPr>
-                        <a:t>이동 잔상 </a:t>
-                      </a:r>
-                    </a:p>
-                  </a:txBody>
-                  <a:tcPr anchor="ctr"/>
-                </a:tc>
-                <a:extLst>
-                  <a:ext uri="{0D108BD9-81ED-4DB2-BD59-A6C34878D82A}">
-                    <a16:rowId xmlns:a16="http://schemas.microsoft.com/office/drawing/2014/main" val="3801117003"/>
-                  </a:ext>
-                </a:extLst>
-              </a:tr>
-            </a:tbl>
-          </a:graphicData>
-        </a:graphic>
-      </p:graphicFrame>
+      </p:pic>
     </p:spTree>
     <p:extLst>
       <p:ext uri="{BB962C8B-B14F-4D97-AF65-F5344CB8AC3E}">
-        <p14:creationId xmlns:p14="http://schemas.microsoft.com/office/powerpoint/2010/main" val="1934688682"/>
+        <p14:creationId xmlns:p14="http://schemas.microsoft.com/office/powerpoint/2010/main" val="1446205960"/>
       </p:ext>
     </p:extLst>
   </p:cSld>
